--- a/PPT.pptx
+++ b/PPT.pptx
@@ -5,7 +5,7 @@
     <p:sldMasterId id="2147483648" r:id="rId1"/>
   </p:sldMasterIdLst>
   <p:notesMasterIdLst>
-    <p:notesMasterId r:id="rId24"/>
+    <p:notesMasterId r:id="rId26"/>
   </p:notesMasterIdLst>
   <p:sldIdLst>
     <p:sldId id="256" r:id="rId3"/>
@@ -13,57 +13,66 @@
     <p:sldId id="260" r:id="rId5"/>
     <p:sldId id="261" r:id="rId6"/>
     <p:sldId id="262" r:id="rId7"/>
-    <p:sldId id="263" r:id="rId8"/>
-    <p:sldId id="265" r:id="rId9"/>
-    <p:sldId id="266" r:id="rId10"/>
-    <p:sldId id="267" r:id="rId11"/>
-    <p:sldId id="268" r:id="rId12"/>
-    <p:sldId id="269" r:id="rId13"/>
-    <p:sldId id="270" r:id="rId14"/>
-    <p:sldId id="271" r:id="rId15"/>
-    <p:sldId id="272" r:id="rId16"/>
-    <p:sldId id="273" r:id="rId17"/>
-    <p:sldId id="274" r:id="rId18"/>
-    <p:sldId id="275" r:id="rId19"/>
-    <p:sldId id="276" r:id="rId20"/>
-    <p:sldId id="277" r:id="rId21"/>
-    <p:sldId id="278" r:id="rId22"/>
-    <p:sldId id="280" r:id="rId23"/>
+    <p:sldId id="283" r:id="rId8"/>
+    <p:sldId id="285" r:id="rId9"/>
+    <p:sldId id="263" r:id="rId10"/>
+    <p:sldId id="265" r:id="rId11"/>
+    <p:sldId id="266" r:id="rId12"/>
+    <p:sldId id="267" r:id="rId13"/>
+    <p:sldId id="268" r:id="rId14"/>
+    <p:sldId id="269" r:id="rId15"/>
+    <p:sldId id="270" r:id="rId16"/>
+    <p:sldId id="271" r:id="rId17"/>
+    <p:sldId id="272" r:id="rId18"/>
+    <p:sldId id="273" r:id="rId19"/>
+    <p:sldId id="274" r:id="rId20"/>
+    <p:sldId id="275" r:id="rId21"/>
+    <p:sldId id="276" r:id="rId22"/>
+    <p:sldId id="277" r:id="rId23"/>
+    <p:sldId id="278" r:id="rId24"/>
+    <p:sldId id="280" r:id="rId25"/>
   </p:sldIdLst>
   <p:sldSz cx="18288000" cy="10287000"/>
   <p:notesSz cx="6858000" cy="9144000"/>
   <p:embeddedFontLst>
     <p:embeddedFont>
-      <p:font typeface="DM Sans" pitchFamily="2" charset="0"/>
-      <p:regular r:id="rId28"/>
-      <p:bold r:id="rId29"/>
-      <p:italic r:id="rId30"/>
-      <p:boldItalic r:id="rId31"/>
+      <p:font typeface="Oswald Bold" panose="00000800000000000000"/>
+      <p:bold r:id="rId30"/>
     </p:embeddedFont>
     <p:embeddedFont>
-      <p:font typeface="DM Sans Bold" charset="0"/>
-      <p:regular r:id="rId32"/>
+      <p:font typeface="Montserrat Classic Bold" panose="00000800000000000000"/>
+      <p:bold r:id="rId31"/>
     </p:embeddedFont>
     <p:embeddedFont>
-      <p:font typeface="DM Sans Italics" panose="020B0604020202020204" charset="0"/>
-      <p:regular r:id="rId33"/>
+      <p:font typeface="DM Sans"/>
+      <p:regular r:id="rId32"/>
+      <p:bold r:id="rId33"/>
+      <p:italic r:id="rId34"/>
+      <p:boldItalic r:id="rId35"/>
     </p:embeddedFont>
     <p:embeddedFont>
-      <p:font typeface="Montserrat Classic Bold" panose="020B0604020202020204" charset="0"/>
-      <p:regular r:id="rId34"/>
+      <p:font typeface="Oswald" panose="00000500000000000000"/>
+      <p:regular r:id="rId36"/>
     </p:embeddedFont>
     <p:embeddedFont>
-      <p:font typeface="Montserrat Light" panose="00000400000000000000" pitchFamily="2" charset="0"/>
-      <p:regular r:id="rId35"/>
-      <p:italic r:id="rId36"/>
+      <p:font typeface="Montserrat Light" panose="00000400000000000000"/>
+      <p:regular r:id="rId37"/>
+      <p:italic r:id="rId38"/>
     </p:embeddedFont>
     <p:embeddedFont>
-      <p:font typeface="Oswald" panose="00000500000000000000" pitchFamily="2" charset="0"/>
-      <p:regular r:id="rId37"/>
+      <p:font typeface="Calibri" panose="020F0502020204030204" charset="0"/>
+      <p:regular r:id="rId39"/>
+      <p:bold r:id="rId40"/>
+      <p:italic r:id="rId41"/>
+      <p:boldItalic r:id="rId42"/>
     </p:embeddedFont>
     <p:embeddedFont>
-      <p:font typeface="Oswald Bold" panose="00000800000000000000" charset="0"/>
-      <p:regular r:id="rId38"/>
+      <p:font typeface="DM Sans Bold"/>
+      <p:bold r:id="rId43"/>
+    </p:embeddedFont>
+    <p:embeddedFont>
+      <p:font typeface="DM Sans Italics"/>
+      <p:italic r:id="rId44"/>
     </p:embeddedFont>
   </p:embeddedFontLst>
   <p:defaultTextStyle>
@@ -161,6 +170,22 @@
       </a:defRPr>
     </a:lvl9pPr>
   </p:defaultTextStyle>
+  <p:extLst>
+    <p:ext uri="{EFAFB233-063F-42B5-8137-9DF3F51BA10A}">
+      <p15:sldGuideLst xmlns:p15="http://schemas.microsoft.com/office/powerpoint/2012/main">
+        <p15:guide id="1" orient="horz" pos="2152" userDrawn="1">
+          <p15:clr>
+            <a:srgbClr val="A4A3A4"/>
+          </p15:clr>
+        </p15:guide>
+        <p15:guide id="2" pos="2885" userDrawn="1">
+          <p15:clr>
+            <a:srgbClr val="A4A3A4"/>
+          </p15:clr>
+        </p15:guide>
+      </p15:sldGuideLst>
+    </p:ext>
+  </p:extLst>
 </p:presentation>
 </file>
 
@@ -3208,7 +3233,7 @@
         <a:spcBef>
           <a:spcPct val="20000"/>
         </a:spcBef>
-        <a:buFont typeface="Arial" panose="02080604020202020204" pitchFamily="34" charset="0"/>
+        <a:buFont typeface="Arial" panose="020B0604020202020204" pitchFamily="34" charset="0"/>
         <a:buChar char="•"/>
         <a:defRPr sz="3200" kern="1200">
           <a:solidFill>
@@ -3223,7 +3248,7 @@
         <a:spcBef>
           <a:spcPct val="20000"/>
         </a:spcBef>
-        <a:buFont typeface="Arial" panose="02080604020202020204" pitchFamily="34" charset="0"/>
+        <a:buFont typeface="Arial" panose="020B0604020202020204" pitchFamily="34" charset="0"/>
         <a:buChar char="–"/>
         <a:defRPr sz="2800" kern="1200">
           <a:solidFill>
@@ -3238,7 +3263,7 @@
         <a:spcBef>
           <a:spcPct val="20000"/>
         </a:spcBef>
-        <a:buFont typeface="Arial" panose="02080604020202020204" pitchFamily="34" charset="0"/>
+        <a:buFont typeface="Arial" panose="020B0604020202020204" pitchFamily="34" charset="0"/>
         <a:buChar char="•"/>
         <a:defRPr sz="2400" kern="1200">
           <a:solidFill>
@@ -3253,7 +3278,7 @@
         <a:spcBef>
           <a:spcPct val="20000"/>
         </a:spcBef>
-        <a:buFont typeface="Arial" panose="02080604020202020204" pitchFamily="34" charset="0"/>
+        <a:buFont typeface="Arial" panose="020B0604020202020204" pitchFamily="34" charset="0"/>
         <a:buChar char="–"/>
         <a:defRPr sz="2000" kern="1200">
           <a:solidFill>
@@ -3268,7 +3293,7 @@
         <a:spcBef>
           <a:spcPct val="20000"/>
         </a:spcBef>
-        <a:buFont typeface="Arial" panose="02080604020202020204" pitchFamily="34" charset="0"/>
+        <a:buFont typeface="Arial" panose="020B0604020202020204" pitchFamily="34" charset="0"/>
         <a:buChar char="»"/>
         <a:defRPr sz="2000" kern="1200">
           <a:solidFill>
@@ -3283,7 +3308,7 @@
         <a:spcBef>
           <a:spcPct val="20000"/>
         </a:spcBef>
-        <a:buFont typeface="Arial" panose="02080604020202020204" pitchFamily="34" charset="0"/>
+        <a:buFont typeface="Arial" panose="020B0604020202020204" pitchFamily="34" charset="0"/>
         <a:buChar char="•"/>
         <a:defRPr sz="2000" kern="1200">
           <a:solidFill>
@@ -3298,7 +3323,7 @@
         <a:spcBef>
           <a:spcPct val="20000"/>
         </a:spcBef>
-        <a:buFont typeface="Arial" panose="02080604020202020204" pitchFamily="34" charset="0"/>
+        <a:buFont typeface="Arial" panose="020B0604020202020204" pitchFamily="34" charset="0"/>
         <a:buChar char="•"/>
         <a:defRPr sz="2000" kern="1200">
           <a:solidFill>
@@ -3313,7 +3338,7 @@
         <a:spcBef>
           <a:spcPct val="20000"/>
         </a:spcBef>
-        <a:buFont typeface="Arial" panose="02080604020202020204" pitchFamily="34" charset="0"/>
+        <a:buFont typeface="Arial" panose="020B0604020202020204" pitchFamily="34" charset="0"/>
         <a:buChar char="•"/>
         <a:defRPr sz="2000" kern="1200">
           <a:solidFill>
@@ -3328,7 +3353,7 @@
         <a:spcBef>
           <a:spcPct val="20000"/>
         </a:spcBef>
-        <a:buFont typeface="Arial" panose="02080604020202020204" pitchFamily="34" charset="0"/>
+        <a:buFont typeface="Arial" panose="020B0604020202020204" pitchFamily="34" charset="0"/>
         <a:buChar char="•"/>
         <a:defRPr sz="2000" kern="1200">
           <a:solidFill>
@@ -3728,7 +3753,7 @@
                 <a:solidFill>
                   <a:srgbClr val="231F20"/>
                 </a:solidFill>
-                <a:latin typeface="Oswald Bold"/>
+                <a:latin typeface="Oswald Bold" panose="00000800000000000000"/>
               </a:rPr>
               <a:t>SOCIAL MEDIA APP</a:t>
             </a:r>
@@ -3736,7 +3761,7 @@
               <a:solidFill>
                 <a:srgbClr val="231F20"/>
               </a:solidFill>
-              <a:latin typeface="Oswald Bold"/>
+              <a:latin typeface="Oswald Bold" panose="00000800000000000000"/>
             </a:endParaRPr>
           </a:p>
         </p:txBody>
@@ -3772,7 +3797,7 @@
                 <a:solidFill>
                   <a:srgbClr val="231F20"/>
                 </a:solidFill>
-                <a:latin typeface="Montserrat Classic Bold"/>
+                <a:latin typeface="Montserrat Classic Bold" panose="00000800000000000000"/>
               </a:rPr>
               <a:t>DESIGNED BY: </a:t>
             </a:r>
@@ -3780,7 +3805,7 @@
               <a:solidFill>
                 <a:srgbClr val="231F20"/>
               </a:solidFill>
-              <a:latin typeface="Montserrat Classic Bold"/>
+              <a:latin typeface="Montserrat Classic Bold" panose="00000800000000000000"/>
             </a:endParaRPr>
           </a:p>
           <a:p>
@@ -3794,7 +3819,7 @@
                 <a:solidFill>
                   <a:srgbClr val="231F20"/>
                 </a:solidFill>
-                <a:latin typeface="Montserrat Classic Bold"/>
+                <a:latin typeface="Montserrat Classic Bold" panose="00000800000000000000"/>
               </a:rPr>
               <a:t>Enrollment: </a:t>
             </a:r>
@@ -3802,7 +3827,7 @@
               <a:solidFill>
                 <a:srgbClr val="231F20"/>
               </a:solidFill>
-              <a:latin typeface="Montserrat Classic Bold"/>
+              <a:latin typeface="Montserrat Classic Bold" panose="00000800000000000000"/>
             </a:endParaRPr>
           </a:p>
         </p:txBody>
@@ -4104,8 +4129,8 @@
         </p:nvSpPr>
         <p:spPr>
           <a:xfrm>
-            <a:off x="0" y="2160604"/>
-            <a:ext cx="18288000" cy="8126396"/>
+            <a:off x="3879925" y="1432213"/>
+            <a:ext cx="11959202" cy="8854787"/>
           </a:xfrm>
           <a:custGeom>
             <a:avLst/>
@@ -4114,18 +4139,18 @@
             <a:cxnLst/>
             <a:rect l="l" t="t" r="r" b="b"/>
             <a:pathLst>
-              <a:path w="18288000" h="8126396">
+              <a:path w="11959202" h="8854787">
                 <a:moveTo>
                   <a:pt x="0" y="0"/>
                 </a:moveTo>
                 <a:lnTo>
-                  <a:pt x="18288000" y="0"/>
-                </a:lnTo>
-                <a:lnTo>
-                  <a:pt x="18288000" y="8126396"/>
-                </a:lnTo>
-                <a:lnTo>
-                  <a:pt x="0" y="8126396"/>
+                  <a:pt x="11959202" y="0"/>
+                </a:lnTo>
+                <a:lnTo>
+                  <a:pt x="11959202" y="8854787"/>
+                </a:lnTo>
+                <a:lnTo>
+                  <a:pt x="0" y="8854787"/>
                 </a:lnTo>
                 <a:lnTo>
                   <a:pt x="0" y="0"/>
@@ -4150,8 +4175,8 @@
         </p:nvSpPr>
         <p:spPr>
           <a:xfrm>
-            <a:off x="0" y="-161925"/>
-            <a:ext cx="18288000" cy="1668780"/>
+            <a:off x="42545" y="-161925"/>
+            <a:ext cx="18245455" cy="1668780"/>
           </a:xfrm>
           <a:prstGeom prst="rect">
             <a:avLst/>
@@ -4176,16 +4201,87 @@
                 <a:solidFill>
                   <a:srgbClr val="231F20"/>
                 </a:solidFill>
-                <a:latin typeface="Oswald Bold"/>
+                <a:latin typeface="Oswald Bold" panose="00000800000000000000"/>
               </a:rPr>
-              <a:t>CLASS DIAGRAM</a:t>
+              <a:t>FLOWCHART DIAGRAM</a:t>
             </a:r>
             <a:endParaRPr lang="en-US" sz="6000" spc="924">
               <a:solidFill>
                 <a:srgbClr val="231F20"/>
               </a:solidFill>
-              <a:latin typeface="Oswald Bold"/>
+              <a:latin typeface="Oswald Bold" panose="00000800000000000000"/>
             </a:endParaRPr>
+          </a:p>
+        </p:txBody>
+      </p:sp>
+      <p:sp>
+        <p:nvSpPr>
+          <p:cNvPr id="12" name="Rectangles 11"/>
+          <p:cNvSpPr/>
+          <p:nvPr/>
+        </p:nvSpPr>
+        <p:spPr>
+          <a:xfrm>
+            <a:off x="7086600" y="1485900"/>
+            <a:ext cx="2514600" cy="762000"/>
+          </a:xfrm>
+          <a:prstGeom prst="rect">
+            <a:avLst/>
+          </a:prstGeom>
+          <a:solidFill>
+            <a:schemeClr val="bg1"/>
+          </a:solidFill>
+        </p:spPr>
+        <p:style>
+          <a:lnRef idx="2">
+            <a:schemeClr val="accent1">
+              <a:shade val="50000"/>
+            </a:schemeClr>
+          </a:lnRef>
+          <a:fillRef idx="1">
+            <a:schemeClr val="accent1"/>
+          </a:fillRef>
+          <a:effectRef idx="0">
+            <a:schemeClr val="accent1"/>
+          </a:effectRef>
+          <a:fontRef idx="minor">
+            <a:schemeClr val="lt1"/>
+          </a:fontRef>
+        </p:style>
+        <p:txBody>
+          <a:bodyPr rtlCol="0" anchor="ctr"/>
+          <a:p>
+            <a:pPr algn="ctr"/>
+            <a:endParaRPr lang="en-US"/>
+          </a:p>
+        </p:txBody>
+      </p:sp>
+      <p:sp>
+        <p:nvSpPr>
+          <p:cNvPr id="13" name="Text Box 12"/>
+          <p:cNvSpPr txBox="1"/>
+          <p:nvPr/>
+        </p:nvSpPr>
+        <p:spPr>
+          <a:xfrm>
+            <a:off x="7315200" y="1638300"/>
+            <a:ext cx="2140585" cy="429895"/>
+          </a:xfrm>
+          <a:prstGeom prst="rect">
+            <a:avLst/>
+          </a:prstGeom>
+          <a:noFill/>
+        </p:spPr>
+        <p:txBody>
+          <a:bodyPr wrap="none" rtlCol="0">
+            <a:spAutoFit/>
+          </a:bodyPr>
+          <a:p>
+            <a:r>
+              <a:rPr lang="en-US" sz="2200"/>
+              <a:t>Shivam Social</a:t>
+            </a:r>
+            <a:endParaRPr lang="en-US" sz="2200"/>
           </a:p>
         </p:txBody>
       </p:sp>
@@ -4200,6 +4296,14 @@
 <file path=ppt/slides/slide11.xml><?xml version="1.0" encoding="utf-8"?>
 <p:sld xmlns:a="http://schemas.openxmlformats.org/drawingml/2006/main" xmlns:r="http://schemas.openxmlformats.org/officeDocument/2006/relationships" xmlns:p="http://schemas.openxmlformats.org/presentationml/2006/main">
   <p:cSld>
+    <p:bg>
+      <p:bgPr>
+        <a:solidFill>
+          <a:srgbClr val="F2F4F5"/>
+        </a:solidFill>
+        <a:effectLst/>
+      </p:bgPr>
+    </p:bg>
     <p:spTree>
       <p:nvGrpSpPr>
         <p:cNvPr id="1" name=""/>
@@ -4221,9 +4325,9 @@
           <p:nvPr/>
         </p:nvSpPr>
         <p:spPr>
-          <a:xfrm flipH="1" flipV="1">
-            <a:off x="0" y="0"/>
-            <a:ext cx="18288000" cy="10287000"/>
+          <a:xfrm rot="887923">
+            <a:off x="-2683214" y="7543802"/>
+            <a:ext cx="13977230" cy="14342307"/>
           </a:xfrm>
           <a:custGeom>
             <a:avLst/>
@@ -4232,21 +4336,21 @@
             <a:cxnLst/>
             <a:rect l="l" t="t" r="r" b="b"/>
             <a:pathLst>
-              <a:path w="18288000" h="10287000">
+              <a:path w="13977230" h="14342307">
                 <a:moveTo>
-                  <a:pt x="18288000" y="10287000"/>
+                  <a:pt x="0" y="0"/>
                 </a:moveTo>
                 <a:lnTo>
-                  <a:pt x="0" y="10287000"/>
-                </a:lnTo>
-                <a:lnTo>
-                  <a:pt x="0" y="0"/>
-                </a:lnTo>
-                <a:lnTo>
-                  <a:pt x="18288000" y="0"/>
-                </a:lnTo>
-                <a:lnTo>
-                  <a:pt x="18288000" y="10287000"/>
+                  <a:pt x="13977230" y="0"/>
+                </a:lnTo>
+                <a:lnTo>
+                  <a:pt x="13977230" y="14342307"/>
+                </a:lnTo>
+                <a:lnTo>
+                  <a:pt x="0" y="14342307"/>
+                </a:lnTo>
+                <a:lnTo>
+                  <a:pt x="0" y="0"/>
                 </a:lnTo>
                 <a:close/>
               </a:path>
@@ -4255,7 +4359,7 @@
           <a:blipFill>
             <a:blip r:embed="rId1"/>
             <a:stretch>
-              <a:fillRect t="-38888" b="-38888"/>
+              <a:fillRect/>
             </a:stretch>
           </a:blipFill>
         </p:spPr>
@@ -4267,9 +4371,9 @@
           <p:nvPr/>
         </p:nvSpPr>
         <p:spPr>
-          <a:xfrm rot="257863">
-            <a:off x="-571305" y="6150994"/>
-            <a:ext cx="21273218" cy="9128145"/>
+          <a:xfrm rot="887923">
+            <a:off x="12076940" y="-3354783"/>
+            <a:ext cx="7032580" cy="7216267"/>
           </a:xfrm>
           <a:custGeom>
             <a:avLst/>
@@ -4278,18 +4382,228 @@
             <a:cxnLst/>
             <a:rect l="l" t="t" r="r" b="b"/>
             <a:pathLst>
-              <a:path w="21273218" h="9128145">
+              <a:path w="7032580" h="7216267">
                 <a:moveTo>
                   <a:pt x="0" y="0"/>
                 </a:moveTo>
                 <a:lnTo>
-                  <a:pt x="21273219" y="0"/>
-                </a:lnTo>
-                <a:lnTo>
-                  <a:pt x="21273219" y="9128145"/>
-                </a:lnTo>
-                <a:lnTo>
-                  <a:pt x="0" y="9128145"/>
+                  <a:pt x="7032580" y="0"/>
+                </a:lnTo>
+                <a:lnTo>
+                  <a:pt x="7032580" y="7216267"/>
+                </a:lnTo>
+                <a:lnTo>
+                  <a:pt x="0" y="7216267"/>
+                </a:lnTo>
+                <a:lnTo>
+                  <a:pt x="0" y="0"/>
+                </a:lnTo>
+                <a:close/>
+              </a:path>
+            </a:pathLst>
+          </a:custGeom>
+          <a:blipFill>
+            <a:blip r:embed="rId1"/>
+            <a:stretch>
+              <a:fillRect/>
+            </a:stretch>
+          </a:blipFill>
+        </p:spPr>
+      </p:sp>
+      <p:grpSp>
+        <p:nvGrpSpPr>
+          <p:cNvPr id="4" name="Group 4"/>
+          <p:cNvGrpSpPr/>
+          <p:nvPr/>
+        </p:nvGrpSpPr>
+        <p:grpSpPr>
+          <a:xfrm>
+            <a:off x="16333169" y="8069439"/>
+            <a:ext cx="2094695" cy="2377721"/>
+            <a:chOff x="0" y="0"/>
+            <a:chExt cx="551689" cy="626231"/>
+          </a:xfrm>
+        </p:grpSpPr>
+        <p:sp>
+          <p:nvSpPr>
+            <p:cNvPr id="5" name="Freeform 5"/>
+            <p:cNvSpPr/>
+            <p:nvPr/>
+          </p:nvSpPr>
+          <p:spPr>
+            <a:xfrm>
+              <a:off x="0" y="0"/>
+              <a:ext cx="551689" cy="626231"/>
+            </a:xfrm>
+            <a:custGeom>
+              <a:avLst/>
+              <a:gdLst/>
+              <a:ahLst/>
+              <a:cxnLst/>
+              <a:rect l="l" t="t" r="r" b="b"/>
+              <a:pathLst>
+                <a:path w="551689" h="626231">
+                  <a:moveTo>
+                    <a:pt x="0" y="0"/>
+                  </a:moveTo>
+                  <a:lnTo>
+                    <a:pt x="551689" y="0"/>
+                  </a:lnTo>
+                  <a:lnTo>
+                    <a:pt x="551689" y="626231"/>
+                  </a:lnTo>
+                  <a:lnTo>
+                    <a:pt x="0" y="626231"/>
+                  </a:lnTo>
+                  <a:close/>
+                </a:path>
+              </a:pathLst>
+            </a:custGeom>
+            <a:solidFill>
+              <a:srgbClr val="CCCCCC"/>
+            </a:solidFill>
+          </p:spPr>
+        </p:sp>
+        <p:sp>
+          <p:nvSpPr>
+            <p:cNvPr id="6" name="TextBox 6"/>
+            <p:cNvSpPr txBox="1"/>
+            <p:nvPr/>
+          </p:nvSpPr>
+          <p:spPr>
+            <a:xfrm>
+              <a:off x="0" y="-19050"/>
+              <a:ext cx="551689" cy="645281"/>
+            </a:xfrm>
+            <a:prstGeom prst="rect">
+              <a:avLst/>
+            </a:prstGeom>
+          </p:spPr>
+          <p:txBody>
+            <a:bodyPr lIns="50800" tIns="50800" rIns="50800" bIns="50800" rtlCol="0" anchor="ctr"/>
+            <a:lstStyle/>
+            <a:p>
+              <a:pPr algn="ctr">
+                <a:lnSpc>
+                  <a:spcPts val="2860"/>
+                </a:lnSpc>
+              </a:pPr>
+            </a:p>
+          </p:txBody>
+        </p:sp>
+      </p:grpSp>
+      <p:grpSp>
+        <p:nvGrpSpPr>
+          <p:cNvPr id="7" name="Group 7"/>
+          <p:cNvGrpSpPr/>
+          <p:nvPr/>
+        </p:nvGrpSpPr>
+        <p:grpSpPr>
+          <a:xfrm>
+            <a:off x="-224419" y="-1349021"/>
+            <a:ext cx="2094695" cy="2377721"/>
+            <a:chOff x="0" y="0"/>
+            <a:chExt cx="551689" cy="626231"/>
+          </a:xfrm>
+        </p:grpSpPr>
+        <p:sp>
+          <p:nvSpPr>
+            <p:cNvPr id="8" name="Freeform 8"/>
+            <p:cNvSpPr/>
+            <p:nvPr/>
+          </p:nvSpPr>
+          <p:spPr>
+            <a:xfrm>
+              <a:off x="0" y="0"/>
+              <a:ext cx="551689" cy="626231"/>
+            </a:xfrm>
+            <a:custGeom>
+              <a:avLst/>
+              <a:gdLst/>
+              <a:ahLst/>
+              <a:cxnLst/>
+              <a:rect l="l" t="t" r="r" b="b"/>
+              <a:pathLst>
+                <a:path w="551689" h="626231">
+                  <a:moveTo>
+                    <a:pt x="0" y="0"/>
+                  </a:moveTo>
+                  <a:lnTo>
+                    <a:pt x="551689" y="0"/>
+                  </a:lnTo>
+                  <a:lnTo>
+                    <a:pt x="551689" y="626231"/>
+                  </a:lnTo>
+                  <a:lnTo>
+                    <a:pt x="0" y="626231"/>
+                  </a:lnTo>
+                  <a:close/>
+                </a:path>
+              </a:pathLst>
+            </a:custGeom>
+            <a:solidFill>
+              <a:srgbClr val="CCCCCC"/>
+            </a:solidFill>
+          </p:spPr>
+        </p:sp>
+        <p:sp>
+          <p:nvSpPr>
+            <p:cNvPr id="9" name="TextBox 9"/>
+            <p:cNvSpPr txBox="1"/>
+            <p:nvPr/>
+          </p:nvSpPr>
+          <p:spPr>
+            <a:xfrm>
+              <a:off x="0" y="-19050"/>
+              <a:ext cx="551689" cy="645281"/>
+            </a:xfrm>
+            <a:prstGeom prst="rect">
+              <a:avLst/>
+            </a:prstGeom>
+          </p:spPr>
+          <p:txBody>
+            <a:bodyPr lIns="50800" tIns="50800" rIns="50800" bIns="50800" rtlCol="0" anchor="ctr"/>
+            <a:lstStyle/>
+            <a:p>
+              <a:pPr algn="ctr">
+                <a:lnSpc>
+                  <a:spcPts val="2860"/>
+                </a:lnSpc>
+              </a:pPr>
+            </a:p>
+          </p:txBody>
+        </p:sp>
+      </p:grpSp>
+      <p:sp>
+        <p:nvSpPr>
+          <p:cNvPr id="10" name="Freeform 10"/>
+          <p:cNvSpPr/>
+          <p:nvPr/>
+        </p:nvSpPr>
+        <p:spPr>
+          <a:xfrm>
+            <a:off x="4305401" y="1318736"/>
+            <a:ext cx="9871173" cy="8968264"/>
+          </a:xfrm>
+          <a:custGeom>
+            <a:avLst/>
+            <a:gdLst/>
+            <a:ahLst/>
+            <a:cxnLst/>
+            <a:rect l="l" t="t" r="r" b="b"/>
+            <a:pathLst>
+              <a:path w="9871173" h="8968264">
+                <a:moveTo>
+                  <a:pt x="0" y="0"/>
+                </a:moveTo>
+                <a:lnTo>
+                  <a:pt x="9871173" y="0"/>
+                </a:lnTo>
+                <a:lnTo>
+                  <a:pt x="9871173" y="8968264"/>
+                </a:lnTo>
+                <a:lnTo>
+                  <a:pt x="0" y="8968264"/>
                 </a:lnTo>
                 <a:lnTo>
                   <a:pt x="0" y="0"/>
@@ -4301,74 +4615,28 @@
           <a:blipFill>
             <a:blip r:embed="rId2"/>
             <a:stretch>
-              <a:fillRect/>
+              <a:fillRect t="-215" b="-215"/>
             </a:stretch>
           </a:blipFill>
         </p:spPr>
       </p:sp>
       <p:sp>
         <p:nvSpPr>
-          <p:cNvPr id="4" name="Freeform 4"/>
-          <p:cNvSpPr/>
-          <p:nvPr/>
-        </p:nvSpPr>
-        <p:spPr>
-          <a:xfrm>
-            <a:off x="523117" y="1801177"/>
-            <a:ext cx="17259300" cy="8485822"/>
-          </a:xfrm>
-          <a:custGeom>
-            <a:avLst/>
-            <a:gdLst/>
-            <a:ahLst/>
-            <a:cxnLst/>
-            <a:rect l="l" t="t" r="r" b="b"/>
-            <a:pathLst>
-              <a:path w="17259300" h="8485822">
-                <a:moveTo>
-                  <a:pt x="0" y="0"/>
-                </a:moveTo>
-                <a:lnTo>
-                  <a:pt x="17259300" y="0"/>
-                </a:lnTo>
-                <a:lnTo>
-                  <a:pt x="17259300" y="8485823"/>
-                </a:lnTo>
-                <a:lnTo>
-                  <a:pt x="0" y="8485823"/>
-                </a:lnTo>
-                <a:lnTo>
-                  <a:pt x="0" y="0"/>
-                </a:lnTo>
-                <a:close/>
-              </a:path>
-            </a:pathLst>
-          </a:custGeom>
-          <a:blipFill>
-            <a:blip r:embed="rId3"/>
-            <a:stretch>
-              <a:fillRect/>
-            </a:stretch>
-          </a:blipFill>
-        </p:spPr>
-      </p:sp>
-      <p:sp>
-        <p:nvSpPr>
-          <p:cNvPr id="5" name="TextBox 5"/>
+          <p:cNvPr id="11" name="TextBox 11"/>
           <p:cNvSpPr txBox="1"/>
           <p:nvPr/>
         </p:nvSpPr>
         <p:spPr>
           <a:xfrm>
-            <a:off x="2343797" y="-161925"/>
-            <a:ext cx="13617940" cy="1668780"/>
+            <a:off x="13335" y="-161925"/>
+            <a:ext cx="18274665" cy="1668780"/>
           </a:xfrm>
           <a:prstGeom prst="rect">
             <a:avLst/>
           </a:prstGeom>
         </p:spPr>
         <p:txBody>
-          <a:bodyPr lIns="0" tIns="0" rIns="0" bIns="0" rtlCol="0" anchor="t">
+          <a:bodyPr wrap="square" lIns="0" tIns="0" rIns="0" bIns="0" rtlCol="0" anchor="t">
             <a:spAutoFit/>
           </a:bodyPr>
           <a:lstStyle/>
@@ -4386,15 +4654,15 @@
                 <a:solidFill>
                   <a:srgbClr val="231F20"/>
                 </a:solidFill>
-                <a:latin typeface="Oswald Bold"/>
+                <a:latin typeface="Oswald Bold" panose="00000800000000000000"/>
               </a:rPr>
-              <a:t>PROJECT IMAGES</a:t>
+              <a:t>CLASS DIAGRAM</a:t>
             </a:r>
             <a:endParaRPr lang="en-US" sz="6000" spc="924">
               <a:solidFill>
                 <a:srgbClr val="231F20"/>
               </a:solidFill>
-              <a:latin typeface="Oswald Bold"/>
+              <a:latin typeface="Oswald Bold" panose="00000800000000000000"/>
             </a:endParaRPr>
           </a:p>
         </p:txBody>
@@ -4410,6 +4678,14 @@
 <file path=ppt/slides/slide12.xml><?xml version="1.0" encoding="utf-8"?>
 <p:sld xmlns:a="http://schemas.openxmlformats.org/drawingml/2006/main" xmlns:r="http://schemas.openxmlformats.org/officeDocument/2006/relationships" xmlns:p="http://schemas.openxmlformats.org/presentationml/2006/main">
   <p:cSld>
+    <p:bg>
+      <p:bgPr>
+        <a:solidFill>
+          <a:srgbClr val="F2F4F5"/>
+        </a:solidFill>
+        <a:effectLst/>
+      </p:bgPr>
+    </p:bg>
     <p:spTree>
       <p:nvGrpSpPr>
         <p:cNvPr id="1" name=""/>
@@ -4431,9 +4707,9 @@
           <p:nvPr/>
         </p:nvSpPr>
         <p:spPr>
-          <a:xfrm flipH="1" flipV="1">
-            <a:off x="0" y="0"/>
-            <a:ext cx="18288000" cy="10287000"/>
+          <a:xfrm rot="887923">
+            <a:off x="-2683214" y="7543802"/>
+            <a:ext cx="13977230" cy="14342307"/>
           </a:xfrm>
           <a:custGeom>
             <a:avLst/>
@@ -4442,21 +4718,21 @@
             <a:cxnLst/>
             <a:rect l="l" t="t" r="r" b="b"/>
             <a:pathLst>
-              <a:path w="18288000" h="10287000">
+              <a:path w="13977230" h="14342307">
                 <a:moveTo>
-                  <a:pt x="18288000" y="10287000"/>
+                  <a:pt x="0" y="0"/>
                 </a:moveTo>
                 <a:lnTo>
-                  <a:pt x="0" y="10287000"/>
-                </a:lnTo>
-                <a:lnTo>
-                  <a:pt x="0" y="0"/>
-                </a:lnTo>
-                <a:lnTo>
-                  <a:pt x="18288000" y="0"/>
-                </a:lnTo>
-                <a:lnTo>
-                  <a:pt x="18288000" y="10287000"/>
+                  <a:pt x="13977230" y="0"/>
+                </a:lnTo>
+                <a:lnTo>
+                  <a:pt x="13977230" y="14342307"/>
+                </a:lnTo>
+                <a:lnTo>
+                  <a:pt x="0" y="14342307"/>
+                </a:lnTo>
+                <a:lnTo>
+                  <a:pt x="0" y="0"/>
                 </a:lnTo>
                 <a:close/>
               </a:path>
@@ -4465,7 +4741,7 @@
           <a:blipFill>
             <a:blip r:embed="rId1"/>
             <a:stretch>
-              <a:fillRect t="-38888" b="-38888"/>
+              <a:fillRect/>
             </a:stretch>
           </a:blipFill>
         </p:spPr>
@@ -4477,9 +4753,9 @@
           <p:nvPr/>
         </p:nvSpPr>
         <p:spPr>
-          <a:xfrm rot="257863">
-            <a:off x="-571305" y="6150994"/>
-            <a:ext cx="21273218" cy="9128145"/>
+          <a:xfrm rot="887923">
+            <a:off x="12076940" y="-3354783"/>
+            <a:ext cx="7032580" cy="7216267"/>
           </a:xfrm>
           <a:custGeom>
             <a:avLst/>
@@ -4488,18 +4764,228 @@
             <a:cxnLst/>
             <a:rect l="l" t="t" r="r" b="b"/>
             <a:pathLst>
-              <a:path w="21273218" h="9128145">
+              <a:path w="7032580" h="7216267">
                 <a:moveTo>
                   <a:pt x="0" y="0"/>
                 </a:moveTo>
                 <a:lnTo>
-                  <a:pt x="21273219" y="0"/>
-                </a:lnTo>
-                <a:lnTo>
-                  <a:pt x="21273219" y="9128145"/>
-                </a:lnTo>
-                <a:lnTo>
-                  <a:pt x="0" y="9128145"/>
+                  <a:pt x="7032580" y="0"/>
+                </a:lnTo>
+                <a:lnTo>
+                  <a:pt x="7032580" y="7216267"/>
+                </a:lnTo>
+                <a:lnTo>
+                  <a:pt x="0" y="7216267"/>
+                </a:lnTo>
+                <a:lnTo>
+                  <a:pt x="0" y="0"/>
+                </a:lnTo>
+                <a:close/>
+              </a:path>
+            </a:pathLst>
+          </a:custGeom>
+          <a:blipFill>
+            <a:blip r:embed="rId1"/>
+            <a:stretch>
+              <a:fillRect/>
+            </a:stretch>
+          </a:blipFill>
+        </p:spPr>
+      </p:sp>
+      <p:grpSp>
+        <p:nvGrpSpPr>
+          <p:cNvPr id="4" name="Group 4"/>
+          <p:cNvGrpSpPr/>
+          <p:nvPr/>
+        </p:nvGrpSpPr>
+        <p:grpSpPr>
+          <a:xfrm>
+            <a:off x="16333169" y="8069439"/>
+            <a:ext cx="2094695" cy="2377721"/>
+            <a:chOff x="0" y="0"/>
+            <a:chExt cx="551689" cy="626231"/>
+          </a:xfrm>
+        </p:grpSpPr>
+        <p:sp>
+          <p:nvSpPr>
+            <p:cNvPr id="5" name="Freeform 5"/>
+            <p:cNvSpPr/>
+            <p:nvPr/>
+          </p:nvSpPr>
+          <p:spPr>
+            <a:xfrm>
+              <a:off x="0" y="0"/>
+              <a:ext cx="551689" cy="626231"/>
+            </a:xfrm>
+            <a:custGeom>
+              <a:avLst/>
+              <a:gdLst/>
+              <a:ahLst/>
+              <a:cxnLst/>
+              <a:rect l="l" t="t" r="r" b="b"/>
+              <a:pathLst>
+                <a:path w="551689" h="626231">
+                  <a:moveTo>
+                    <a:pt x="0" y="0"/>
+                  </a:moveTo>
+                  <a:lnTo>
+                    <a:pt x="551689" y="0"/>
+                  </a:lnTo>
+                  <a:lnTo>
+                    <a:pt x="551689" y="626231"/>
+                  </a:lnTo>
+                  <a:lnTo>
+                    <a:pt x="0" y="626231"/>
+                  </a:lnTo>
+                  <a:close/>
+                </a:path>
+              </a:pathLst>
+            </a:custGeom>
+            <a:solidFill>
+              <a:srgbClr val="CCCCCC"/>
+            </a:solidFill>
+          </p:spPr>
+        </p:sp>
+        <p:sp>
+          <p:nvSpPr>
+            <p:cNvPr id="6" name="TextBox 6"/>
+            <p:cNvSpPr txBox="1"/>
+            <p:nvPr/>
+          </p:nvSpPr>
+          <p:spPr>
+            <a:xfrm>
+              <a:off x="0" y="-19050"/>
+              <a:ext cx="551689" cy="645281"/>
+            </a:xfrm>
+            <a:prstGeom prst="rect">
+              <a:avLst/>
+            </a:prstGeom>
+          </p:spPr>
+          <p:txBody>
+            <a:bodyPr lIns="50800" tIns="50800" rIns="50800" bIns="50800" rtlCol="0" anchor="ctr"/>
+            <a:lstStyle/>
+            <a:p>
+              <a:pPr algn="ctr">
+                <a:lnSpc>
+                  <a:spcPts val="2860"/>
+                </a:lnSpc>
+              </a:pPr>
+            </a:p>
+          </p:txBody>
+        </p:sp>
+      </p:grpSp>
+      <p:grpSp>
+        <p:nvGrpSpPr>
+          <p:cNvPr id="7" name="Group 7"/>
+          <p:cNvGrpSpPr/>
+          <p:nvPr/>
+        </p:nvGrpSpPr>
+        <p:grpSpPr>
+          <a:xfrm>
+            <a:off x="-224419" y="-1349021"/>
+            <a:ext cx="2094695" cy="2377721"/>
+            <a:chOff x="0" y="0"/>
+            <a:chExt cx="551689" cy="626231"/>
+          </a:xfrm>
+        </p:grpSpPr>
+        <p:sp>
+          <p:nvSpPr>
+            <p:cNvPr id="8" name="Freeform 8"/>
+            <p:cNvSpPr/>
+            <p:nvPr/>
+          </p:nvSpPr>
+          <p:spPr>
+            <a:xfrm>
+              <a:off x="0" y="0"/>
+              <a:ext cx="551689" cy="626231"/>
+            </a:xfrm>
+            <a:custGeom>
+              <a:avLst/>
+              <a:gdLst/>
+              <a:ahLst/>
+              <a:cxnLst/>
+              <a:rect l="l" t="t" r="r" b="b"/>
+              <a:pathLst>
+                <a:path w="551689" h="626231">
+                  <a:moveTo>
+                    <a:pt x="0" y="0"/>
+                  </a:moveTo>
+                  <a:lnTo>
+                    <a:pt x="551689" y="0"/>
+                  </a:lnTo>
+                  <a:lnTo>
+                    <a:pt x="551689" y="626231"/>
+                  </a:lnTo>
+                  <a:lnTo>
+                    <a:pt x="0" y="626231"/>
+                  </a:lnTo>
+                  <a:close/>
+                </a:path>
+              </a:pathLst>
+            </a:custGeom>
+            <a:solidFill>
+              <a:srgbClr val="CCCCCC"/>
+            </a:solidFill>
+          </p:spPr>
+        </p:sp>
+        <p:sp>
+          <p:nvSpPr>
+            <p:cNvPr id="9" name="TextBox 9"/>
+            <p:cNvSpPr txBox="1"/>
+            <p:nvPr/>
+          </p:nvSpPr>
+          <p:spPr>
+            <a:xfrm>
+              <a:off x="0" y="-19050"/>
+              <a:ext cx="551689" cy="645281"/>
+            </a:xfrm>
+            <a:prstGeom prst="rect">
+              <a:avLst/>
+            </a:prstGeom>
+          </p:spPr>
+          <p:txBody>
+            <a:bodyPr lIns="50800" tIns="50800" rIns="50800" bIns="50800" rtlCol="0" anchor="ctr"/>
+            <a:lstStyle/>
+            <a:p>
+              <a:pPr algn="ctr">
+                <a:lnSpc>
+                  <a:spcPts val="2860"/>
+                </a:lnSpc>
+              </a:pPr>
+            </a:p>
+          </p:txBody>
+        </p:sp>
+      </p:grpSp>
+      <p:sp>
+        <p:nvSpPr>
+          <p:cNvPr id="10" name="Freeform 10"/>
+          <p:cNvSpPr/>
+          <p:nvPr/>
+        </p:nvSpPr>
+        <p:spPr>
+          <a:xfrm>
+            <a:off x="0" y="2160604"/>
+            <a:ext cx="18288000" cy="8126396"/>
+          </a:xfrm>
+          <a:custGeom>
+            <a:avLst/>
+            <a:gdLst/>
+            <a:ahLst/>
+            <a:cxnLst/>
+            <a:rect l="l" t="t" r="r" b="b"/>
+            <a:pathLst>
+              <a:path w="18288000" h="8126396">
+                <a:moveTo>
+                  <a:pt x="0" y="0"/>
+                </a:moveTo>
+                <a:lnTo>
+                  <a:pt x="18288000" y="0"/>
+                </a:lnTo>
+                <a:lnTo>
+                  <a:pt x="18288000" y="8126396"/>
+                </a:lnTo>
+                <a:lnTo>
+                  <a:pt x="0" y="8126396"/>
                 </a:lnTo>
                 <a:lnTo>
                   <a:pt x="0" y="0"/>
@@ -4518,67 +5004,21 @@
       </p:sp>
       <p:sp>
         <p:nvSpPr>
-          <p:cNvPr id="4" name="Freeform 4"/>
-          <p:cNvSpPr/>
-          <p:nvPr/>
-        </p:nvSpPr>
-        <p:spPr>
-          <a:xfrm>
-            <a:off x="619986" y="1931986"/>
-            <a:ext cx="17065561" cy="8355014"/>
-          </a:xfrm>
-          <a:custGeom>
-            <a:avLst/>
-            <a:gdLst/>
-            <a:ahLst/>
-            <a:cxnLst/>
-            <a:rect l="l" t="t" r="r" b="b"/>
-            <a:pathLst>
-              <a:path w="17065561" h="8355014">
-                <a:moveTo>
-                  <a:pt x="0" y="0"/>
-                </a:moveTo>
-                <a:lnTo>
-                  <a:pt x="17065561" y="0"/>
-                </a:lnTo>
-                <a:lnTo>
-                  <a:pt x="17065561" y="8355014"/>
-                </a:lnTo>
-                <a:lnTo>
-                  <a:pt x="0" y="8355014"/>
-                </a:lnTo>
-                <a:lnTo>
-                  <a:pt x="0" y="0"/>
-                </a:lnTo>
-                <a:close/>
-              </a:path>
-            </a:pathLst>
-          </a:custGeom>
-          <a:blipFill>
-            <a:blip r:embed="rId3"/>
-            <a:stretch>
-              <a:fillRect/>
-            </a:stretch>
-          </a:blipFill>
-        </p:spPr>
-      </p:sp>
-      <p:sp>
-        <p:nvSpPr>
-          <p:cNvPr id="5" name="TextBox 5"/>
+          <p:cNvPr id="11" name="TextBox 11"/>
           <p:cNvSpPr txBox="1"/>
           <p:nvPr/>
         </p:nvSpPr>
         <p:spPr>
           <a:xfrm>
-            <a:off x="2343797" y="-161925"/>
-            <a:ext cx="13617940" cy="1668780"/>
+            <a:off x="0" y="-161925"/>
+            <a:ext cx="18288000" cy="1668780"/>
           </a:xfrm>
           <a:prstGeom prst="rect">
             <a:avLst/>
           </a:prstGeom>
         </p:spPr>
         <p:txBody>
-          <a:bodyPr lIns="0" tIns="0" rIns="0" bIns="0" rtlCol="0" anchor="t">
+          <a:bodyPr wrap="square" lIns="0" tIns="0" rIns="0" bIns="0" rtlCol="0" anchor="t">
             <a:spAutoFit/>
           </a:bodyPr>
           <a:lstStyle/>
@@ -4596,15 +5036,15 @@
                 <a:solidFill>
                   <a:srgbClr val="231F20"/>
                 </a:solidFill>
-                <a:latin typeface="Oswald Bold"/>
+                <a:latin typeface="Oswald Bold" panose="00000800000000000000"/>
               </a:rPr>
-              <a:t>PROJECT IMAGES</a:t>
+              <a:t>CLASS DIAGRAM</a:t>
             </a:r>
             <a:endParaRPr lang="en-US" sz="6000" spc="924">
               <a:solidFill>
                 <a:srgbClr val="231F20"/>
               </a:solidFill>
-              <a:latin typeface="Oswald Bold"/>
+              <a:latin typeface="Oswald Bold" panose="00000800000000000000"/>
             </a:endParaRPr>
           </a:p>
         </p:txBody>
@@ -4728,6 +5168,52 @@
       </p:sp>
       <p:sp>
         <p:nvSpPr>
+          <p:cNvPr id="4" name="Freeform 4"/>
+          <p:cNvSpPr/>
+          <p:nvPr/>
+        </p:nvSpPr>
+        <p:spPr>
+          <a:xfrm>
+            <a:off x="523117" y="1801177"/>
+            <a:ext cx="17259300" cy="8485822"/>
+          </a:xfrm>
+          <a:custGeom>
+            <a:avLst/>
+            <a:gdLst/>
+            <a:ahLst/>
+            <a:cxnLst/>
+            <a:rect l="l" t="t" r="r" b="b"/>
+            <a:pathLst>
+              <a:path w="17259300" h="8485822">
+                <a:moveTo>
+                  <a:pt x="0" y="0"/>
+                </a:moveTo>
+                <a:lnTo>
+                  <a:pt x="17259300" y="0"/>
+                </a:lnTo>
+                <a:lnTo>
+                  <a:pt x="17259300" y="8485823"/>
+                </a:lnTo>
+                <a:lnTo>
+                  <a:pt x="0" y="8485823"/>
+                </a:lnTo>
+                <a:lnTo>
+                  <a:pt x="0" y="0"/>
+                </a:lnTo>
+                <a:close/>
+              </a:path>
+            </a:pathLst>
+          </a:custGeom>
+          <a:blipFill>
+            <a:blip r:embed="rId3"/>
+            <a:stretch>
+              <a:fillRect/>
+            </a:stretch>
+          </a:blipFill>
+        </p:spPr>
+      </p:sp>
+      <p:sp>
+        <p:nvSpPr>
           <p:cNvPr id="5" name="TextBox 5"/>
           <p:cNvSpPr txBox="1"/>
           <p:nvPr/>
@@ -4760,7 +5246,7 @@
                 <a:solidFill>
                   <a:srgbClr val="231F20"/>
                 </a:solidFill>
-                <a:latin typeface="Oswald Bold"/>
+                <a:latin typeface="Oswald Bold" panose="00000800000000000000"/>
               </a:rPr>
               <a:t>PROJECT IMAGES</a:t>
             </a:r>
@@ -4768,35 +5254,11 @@
               <a:solidFill>
                 <a:srgbClr val="231F20"/>
               </a:solidFill>
-              <a:latin typeface="Oswald Bold"/>
+              <a:latin typeface="Oswald Bold" panose="00000800000000000000"/>
             </a:endParaRPr>
           </a:p>
         </p:txBody>
       </p:sp>
-      <p:pic>
-        <p:nvPicPr>
-          <p:cNvPr id="7" name="Picture 6"/>
-          <p:cNvPicPr>
-            <a:picLocks noChangeAspect="1"/>
-          </p:cNvPicPr>
-          <p:nvPr/>
-        </p:nvPicPr>
-        <p:blipFill>
-          <a:blip r:embed="rId3"/>
-          <a:stretch>
-            <a:fillRect/>
-          </a:stretch>
-        </p:blipFill>
-        <p:spPr>
-          <a:xfrm>
-            <a:off x="890270" y="1457325"/>
-            <a:ext cx="16506825" cy="8743950"/>
-          </a:xfrm>
-          <a:prstGeom prst="rect">
-            <a:avLst/>
-          </a:prstGeom>
-        </p:spPr>
-      </p:pic>
     </p:spTree>
   </p:cSld>
   <p:clrMapOvr>
@@ -4916,6 +5378,52 @@
       </p:sp>
       <p:sp>
         <p:nvSpPr>
+          <p:cNvPr id="4" name="Freeform 4"/>
+          <p:cNvSpPr/>
+          <p:nvPr/>
+        </p:nvSpPr>
+        <p:spPr>
+          <a:xfrm>
+            <a:off x="619986" y="1931986"/>
+            <a:ext cx="17065561" cy="8355014"/>
+          </a:xfrm>
+          <a:custGeom>
+            <a:avLst/>
+            <a:gdLst/>
+            <a:ahLst/>
+            <a:cxnLst/>
+            <a:rect l="l" t="t" r="r" b="b"/>
+            <a:pathLst>
+              <a:path w="17065561" h="8355014">
+                <a:moveTo>
+                  <a:pt x="0" y="0"/>
+                </a:moveTo>
+                <a:lnTo>
+                  <a:pt x="17065561" y="0"/>
+                </a:lnTo>
+                <a:lnTo>
+                  <a:pt x="17065561" y="8355014"/>
+                </a:lnTo>
+                <a:lnTo>
+                  <a:pt x="0" y="8355014"/>
+                </a:lnTo>
+                <a:lnTo>
+                  <a:pt x="0" y="0"/>
+                </a:lnTo>
+                <a:close/>
+              </a:path>
+            </a:pathLst>
+          </a:custGeom>
+          <a:blipFill>
+            <a:blip r:embed="rId3"/>
+            <a:stretch>
+              <a:fillRect/>
+            </a:stretch>
+          </a:blipFill>
+        </p:spPr>
+      </p:sp>
+      <p:sp>
+        <p:nvSpPr>
           <p:cNvPr id="5" name="TextBox 5"/>
           <p:cNvSpPr txBox="1"/>
           <p:nvPr/>
@@ -4948,7 +5456,7 @@
                 <a:solidFill>
                   <a:srgbClr val="231F20"/>
                 </a:solidFill>
-                <a:latin typeface="Oswald Bold"/>
+                <a:latin typeface="Oswald Bold" panose="00000800000000000000"/>
               </a:rPr>
               <a:t>PROJECT IMAGES</a:t>
             </a:r>
@@ -4956,35 +5464,11 @@
               <a:solidFill>
                 <a:srgbClr val="231F20"/>
               </a:solidFill>
-              <a:latin typeface="Oswald Bold"/>
+              <a:latin typeface="Oswald Bold" panose="00000800000000000000"/>
             </a:endParaRPr>
           </a:p>
         </p:txBody>
       </p:sp>
-      <p:pic>
-        <p:nvPicPr>
-          <p:cNvPr id="6" name="Picture 5"/>
-          <p:cNvPicPr>
-            <a:picLocks noChangeAspect="1"/>
-          </p:cNvPicPr>
-          <p:nvPr/>
-        </p:nvPicPr>
-        <p:blipFill>
-          <a:blip r:embed="rId3"/>
-          <a:stretch>
-            <a:fillRect/>
-          </a:stretch>
-        </p:blipFill>
-        <p:spPr>
-          <a:xfrm>
-            <a:off x="914400" y="1257300"/>
-            <a:ext cx="16506825" cy="8743950"/>
-          </a:xfrm>
-          <a:prstGeom prst="rect">
-            <a:avLst/>
-          </a:prstGeom>
-        </p:spPr>
-      </p:pic>
     </p:spTree>
   </p:cSld>
   <p:clrMapOvr>
@@ -5104,52 +5588,6 @@
       </p:sp>
       <p:sp>
         <p:nvSpPr>
-          <p:cNvPr id="4" name="Freeform 4"/>
-          <p:cNvSpPr/>
-          <p:nvPr/>
-        </p:nvSpPr>
-        <p:spPr>
-          <a:xfrm>
-            <a:off x="751889" y="2104691"/>
-            <a:ext cx="16784223" cy="8182309"/>
-          </a:xfrm>
-          <a:custGeom>
-            <a:avLst/>
-            <a:gdLst/>
-            <a:ahLst/>
-            <a:cxnLst/>
-            <a:rect l="l" t="t" r="r" b="b"/>
-            <a:pathLst>
-              <a:path w="16784223" h="8182309">
-                <a:moveTo>
-                  <a:pt x="0" y="0"/>
-                </a:moveTo>
-                <a:lnTo>
-                  <a:pt x="16784222" y="0"/>
-                </a:lnTo>
-                <a:lnTo>
-                  <a:pt x="16784222" y="8182309"/>
-                </a:lnTo>
-                <a:lnTo>
-                  <a:pt x="0" y="8182309"/>
-                </a:lnTo>
-                <a:lnTo>
-                  <a:pt x="0" y="0"/>
-                </a:lnTo>
-                <a:close/>
-              </a:path>
-            </a:pathLst>
-          </a:custGeom>
-          <a:blipFill>
-            <a:blip r:embed="rId3"/>
-            <a:stretch>
-              <a:fillRect/>
-            </a:stretch>
-          </a:blipFill>
-        </p:spPr>
-      </p:sp>
-      <p:sp>
-        <p:nvSpPr>
           <p:cNvPr id="5" name="TextBox 5"/>
           <p:cNvSpPr txBox="1"/>
           <p:nvPr/>
@@ -5182,7 +5620,7 @@
                 <a:solidFill>
                   <a:srgbClr val="231F20"/>
                 </a:solidFill>
-                <a:latin typeface="Oswald Bold"/>
+                <a:latin typeface="Oswald Bold" panose="00000800000000000000"/>
               </a:rPr>
               <a:t>PROJECT IMAGES</a:t>
             </a:r>
@@ -5190,11 +5628,35 @@
               <a:solidFill>
                 <a:srgbClr val="231F20"/>
               </a:solidFill>
-              <a:latin typeface="Oswald Bold"/>
+              <a:latin typeface="Oswald Bold" panose="00000800000000000000"/>
             </a:endParaRPr>
           </a:p>
         </p:txBody>
       </p:sp>
+      <p:pic>
+        <p:nvPicPr>
+          <p:cNvPr id="7" name="Picture 6"/>
+          <p:cNvPicPr>
+            <a:picLocks noChangeAspect="1"/>
+          </p:cNvPicPr>
+          <p:nvPr/>
+        </p:nvPicPr>
+        <p:blipFill>
+          <a:blip r:embed="rId3"/>
+          <a:stretch>
+            <a:fillRect/>
+          </a:stretch>
+        </p:blipFill>
+        <p:spPr>
+          <a:xfrm>
+            <a:off x="890270" y="1457325"/>
+            <a:ext cx="16506825" cy="8743950"/>
+          </a:xfrm>
+          <a:prstGeom prst="rect">
+            <a:avLst/>
+          </a:prstGeom>
+        </p:spPr>
+      </p:pic>
     </p:spTree>
   </p:cSld>
   <p:clrMapOvr>
@@ -5314,14 +5776,110 @@
       </p:sp>
       <p:sp>
         <p:nvSpPr>
-          <p:cNvPr id="4" name="Freeform 4"/>
+          <p:cNvPr id="5" name="TextBox 5"/>
+          <p:cNvSpPr txBox="1"/>
+          <p:nvPr/>
+        </p:nvSpPr>
+        <p:spPr>
+          <a:xfrm>
+            <a:off x="2343797" y="-161925"/>
+            <a:ext cx="13617940" cy="1668780"/>
+          </a:xfrm>
+          <a:prstGeom prst="rect">
+            <a:avLst/>
+          </a:prstGeom>
+        </p:spPr>
+        <p:txBody>
+          <a:bodyPr lIns="0" tIns="0" rIns="0" bIns="0" rtlCol="0" anchor="t">
+            <a:spAutoFit/>
+          </a:bodyPr>
+          <a:lstStyle/>
+          <a:p>
+            <a:pPr marL="0" lvl="0" indent="0" algn="ctr">
+              <a:lnSpc>
+                <a:spcPts val="13015"/>
+              </a:lnSpc>
+              <a:spcBef>
+                <a:spcPct val="0"/>
+              </a:spcBef>
+            </a:pPr>
+            <a:r>
+              <a:rPr lang="en-US" sz="6000" spc="924">
+                <a:solidFill>
+                  <a:srgbClr val="231F20"/>
+                </a:solidFill>
+                <a:latin typeface="Oswald Bold" panose="00000800000000000000"/>
+              </a:rPr>
+              <a:t>PROJECT IMAGES</a:t>
+            </a:r>
+            <a:endParaRPr lang="en-US" sz="6000" spc="924">
+              <a:solidFill>
+                <a:srgbClr val="231F20"/>
+              </a:solidFill>
+              <a:latin typeface="Oswald Bold" panose="00000800000000000000"/>
+            </a:endParaRPr>
+          </a:p>
+        </p:txBody>
+      </p:sp>
+      <p:pic>
+        <p:nvPicPr>
+          <p:cNvPr id="6" name="Picture 5"/>
+          <p:cNvPicPr>
+            <a:picLocks noChangeAspect="1"/>
+          </p:cNvPicPr>
+          <p:nvPr/>
+        </p:nvPicPr>
+        <p:blipFill>
+          <a:blip r:embed="rId3"/>
+          <a:stretch>
+            <a:fillRect/>
+          </a:stretch>
+        </p:blipFill>
+        <p:spPr>
+          <a:xfrm>
+            <a:off x="914400" y="1257300"/>
+            <a:ext cx="16506825" cy="8743950"/>
+          </a:xfrm>
+          <a:prstGeom prst="rect">
+            <a:avLst/>
+          </a:prstGeom>
+        </p:spPr>
+      </p:pic>
+    </p:spTree>
+  </p:cSld>
+  <p:clrMapOvr>
+    <a:masterClrMapping/>
+  </p:clrMapOvr>
+</p:sld>
+</file>
+
+<file path=ppt/slides/slide17.xml><?xml version="1.0" encoding="utf-8"?>
+<p:sld xmlns:a="http://schemas.openxmlformats.org/drawingml/2006/main" xmlns:r="http://schemas.openxmlformats.org/officeDocument/2006/relationships" xmlns:p="http://schemas.openxmlformats.org/presentationml/2006/main">
+  <p:cSld>
+    <p:spTree>
+      <p:nvGrpSpPr>
+        <p:cNvPr id="1" name=""/>
+        <p:cNvGrpSpPr/>
+        <p:nvPr/>
+      </p:nvGrpSpPr>
+      <p:grpSpPr>
+        <a:xfrm>
+          <a:off x="0" y="0"/>
+          <a:ext cx="0" cy="0"/>
+          <a:chOff x="0" y="0"/>
+          <a:chExt cx="0" cy="0"/>
+        </a:xfrm>
+      </p:grpSpPr>
+      <p:sp>
+        <p:nvSpPr>
+          <p:cNvPr id="2" name="Freeform 2"/>
           <p:cNvSpPr/>
           <p:nvPr/>
         </p:nvSpPr>
         <p:spPr>
-          <a:xfrm>
-            <a:off x="766260" y="2092523"/>
-            <a:ext cx="16755480" cy="8194477"/>
+          <a:xfrm flipH="1" flipV="1">
+            <a:off x="0" y="0"/>
+            <a:ext cx="18288000" cy="10287000"/>
           </a:xfrm>
           <a:custGeom>
             <a:avLst/>
@@ -5330,18 +5888,110 @@
             <a:cxnLst/>
             <a:rect l="l" t="t" r="r" b="b"/>
             <a:pathLst>
-              <a:path w="16755480" h="8194477">
+              <a:path w="18288000" h="10287000">
                 <a:moveTo>
-                  <a:pt x="0" y="0"/>
+                  <a:pt x="18288000" y="10287000"/>
                 </a:moveTo>
                 <a:lnTo>
-                  <a:pt x="16755480" y="0"/>
-                </a:lnTo>
-                <a:lnTo>
-                  <a:pt x="16755480" y="8194477"/>
-                </a:lnTo>
-                <a:lnTo>
-                  <a:pt x="0" y="8194477"/>
+                  <a:pt x="0" y="10287000"/>
+                </a:lnTo>
+                <a:lnTo>
+                  <a:pt x="0" y="0"/>
+                </a:lnTo>
+                <a:lnTo>
+                  <a:pt x="18288000" y="0"/>
+                </a:lnTo>
+                <a:lnTo>
+                  <a:pt x="18288000" y="10287000"/>
+                </a:lnTo>
+                <a:close/>
+              </a:path>
+            </a:pathLst>
+          </a:custGeom>
+          <a:blipFill>
+            <a:blip r:embed="rId1"/>
+            <a:stretch>
+              <a:fillRect t="-38888" b="-38888"/>
+            </a:stretch>
+          </a:blipFill>
+        </p:spPr>
+      </p:sp>
+      <p:sp>
+        <p:nvSpPr>
+          <p:cNvPr id="3" name="Freeform 3"/>
+          <p:cNvSpPr/>
+          <p:nvPr/>
+        </p:nvSpPr>
+        <p:spPr>
+          <a:xfrm rot="257863">
+            <a:off x="-571305" y="6150994"/>
+            <a:ext cx="21273218" cy="9128145"/>
+          </a:xfrm>
+          <a:custGeom>
+            <a:avLst/>
+            <a:gdLst/>
+            <a:ahLst/>
+            <a:cxnLst/>
+            <a:rect l="l" t="t" r="r" b="b"/>
+            <a:pathLst>
+              <a:path w="21273218" h="9128145">
+                <a:moveTo>
+                  <a:pt x="0" y="0"/>
+                </a:moveTo>
+                <a:lnTo>
+                  <a:pt x="21273219" y="0"/>
+                </a:lnTo>
+                <a:lnTo>
+                  <a:pt x="21273219" y="9128145"/>
+                </a:lnTo>
+                <a:lnTo>
+                  <a:pt x="0" y="9128145"/>
+                </a:lnTo>
+                <a:lnTo>
+                  <a:pt x="0" y="0"/>
+                </a:lnTo>
+                <a:close/>
+              </a:path>
+            </a:pathLst>
+          </a:custGeom>
+          <a:blipFill>
+            <a:blip r:embed="rId2"/>
+            <a:stretch>
+              <a:fillRect/>
+            </a:stretch>
+          </a:blipFill>
+        </p:spPr>
+      </p:sp>
+      <p:sp>
+        <p:nvSpPr>
+          <p:cNvPr id="4" name="Freeform 4"/>
+          <p:cNvSpPr/>
+          <p:nvPr/>
+        </p:nvSpPr>
+        <p:spPr>
+          <a:xfrm>
+            <a:off x="751889" y="2104691"/>
+            <a:ext cx="16784223" cy="8182309"/>
+          </a:xfrm>
+          <a:custGeom>
+            <a:avLst/>
+            <a:gdLst/>
+            <a:ahLst/>
+            <a:cxnLst/>
+            <a:rect l="l" t="t" r="r" b="b"/>
+            <a:pathLst>
+              <a:path w="16784223" h="8182309">
+                <a:moveTo>
+                  <a:pt x="0" y="0"/>
+                </a:moveTo>
+                <a:lnTo>
+                  <a:pt x="16784222" y="0"/>
+                </a:lnTo>
+                <a:lnTo>
+                  <a:pt x="16784222" y="8182309"/>
+                </a:lnTo>
+                <a:lnTo>
+                  <a:pt x="0" y="8182309"/>
                 </a:lnTo>
                 <a:lnTo>
                   <a:pt x="0" y="0"/>
@@ -5392,7 +6042,7 @@
                 <a:solidFill>
                   <a:srgbClr val="231F20"/>
                 </a:solidFill>
-                <a:latin typeface="Oswald Bold"/>
+                <a:latin typeface="Oswald Bold" panose="00000800000000000000"/>
               </a:rPr>
               <a:t>PROJECT IMAGES</a:t>
             </a:r>
@@ -5400,7 +6050,7 @@
               <a:solidFill>
                 <a:srgbClr val="231F20"/>
               </a:solidFill>
-              <a:latin typeface="Oswald Bold"/>
+              <a:latin typeface="Oswald Bold" panose="00000800000000000000"/>
             </a:endParaRPr>
           </a:p>
         </p:txBody>
@@ -5413,7 +6063,217 @@
 </p:sld>
 </file>
 
-<file path=ppt/slides/slide17.xml><?xml version="1.0" encoding="utf-8"?>
+<file path=ppt/slides/slide18.xml><?xml version="1.0" encoding="utf-8"?>
+<p:sld xmlns:a="http://schemas.openxmlformats.org/drawingml/2006/main" xmlns:r="http://schemas.openxmlformats.org/officeDocument/2006/relationships" xmlns:p="http://schemas.openxmlformats.org/presentationml/2006/main">
+  <p:cSld>
+    <p:spTree>
+      <p:nvGrpSpPr>
+        <p:cNvPr id="1" name=""/>
+        <p:cNvGrpSpPr/>
+        <p:nvPr/>
+      </p:nvGrpSpPr>
+      <p:grpSpPr>
+        <a:xfrm>
+          <a:off x="0" y="0"/>
+          <a:ext cx="0" cy="0"/>
+          <a:chOff x="0" y="0"/>
+          <a:chExt cx="0" cy="0"/>
+        </a:xfrm>
+      </p:grpSpPr>
+      <p:sp>
+        <p:nvSpPr>
+          <p:cNvPr id="2" name="Freeform 2"/>
+          <p:cNvSpPr/>
+          <p:nvPr/>
+        </p:nvSpPr>
+        <p:spPr>
+          <a:xfrm flipH="1" flipV="1">
+            <a:off x="0" y="0"/>
+            <a:ext cx="18288000" cy="10287000"/>
+          </a:xfrm>
+          <a:custGeom>
+            <a:avLst/>
+            <a:gdLst/>
+            <a:ahLst/>
+            <a:cxnLst/>
+            <a:rect l="l" t="t" r="r" b="b"/>
+            <a:pathLst>
+              <a:path w="18288000" h="10287000">
+                <a:moveTo>
+                  <a:pt x="18288000" y="10287000"/>
+                </a:moveTo>
+                <a:lnTo>
+                  <a:pt x="0" y="10287000"/>
+                </a:lnTo>
+                <a:lnTo>
+                  <a:pt x="0" y="0"/>
+                </a:lnTo>
+                <a:lnTo>
+                  <a:pt x="18288000" y="0"/>
+                </a:lnTo>
+                <a:lnTo>
+                  <a:pt x="18288000" y="10287000"/>
+                </a:lnTo>
+                <a:close/>
+              </a:path>
+            </a:pathLst>
+          </a:custGeom>
+          <a:blipFill>
+            <a:blip r:embed="rId1"/>
+            <a:stretch>
+              <a:fillRect t="-38888" b="-38888"/>
+            </a:stretch>
+          </a:blipFill>
+        </p:spPr>
+      </p:sp>
+      <p:sp>
+        <p:nvSpPr>
+          <p:cNvPr id="3" name="Freeform 3"/>
+          <p:cNvSpPr/>
+          <p:nvPr/>
+        </p:nvSpPr>
+        <p:spPr>
+          <a:xfrm rot="257863">
+            <a:off x="-571305" y="6150994"/>
+            <a:ext cx="21273218" cy="9128145"/>
+          </a:xfrm>
+          <a:custGeom>
+            <a:avLst/>
+            <a:gdLst/>
+            <a:ahLst/>
+            <a:cxnLst/>
+            <a:rect l="l" t="t" r="r" b="b"/>
+            <a:pathLst>
+              <a:path w="21273218" h="9128145">
+                <a:moveTo>
+                  <a:pt x="0" y="0"/>
+                </a:moveTo>
+                <a:lnTo>
+                  <a:pt x="21273219" y="0"/>
+                </a:lnTo>
+                <a:lnTo>
+                  <a:pt x="21273219" y="9128145"/>
+                </a:lnTo>
+                <a:lnTo>
+                  <a:pt x="0" y="9128145"/>
+                </a:lnTo>
+                <a:lnTo>
+                  <a:pt x="0" y="0"/>
+                </a:lnTo>
+                <a:close/>
+              </a:path>
+            </a:pathLst>
+          </a:custGeom>
+          <a:blipFill>
+            <a:blip r:embed="rId2"/>
+            <a:stretch>
+              <a:fillRect/>
+            </a:stretch>
+          </a:blipFill>
+        </p:spPr>
+      </p:sp>
+      <p:sp>
+        <p:nvSpPr>
+          <p:cNvPr id="4" name="Freeform 4"/>
+          <p:cNvSpPr/>
+          <p:nvPr/>
+        </p:nvSpPr>
+        <p:spPr>
+          <a:xfrm>
+            <a:off x="766260" y="2092523"/>
+            <a:ext cx="16755480" cy="8194477"/>
+          </a:xfrm>
+          <a:custGeom>
+            <a:avLst/>
+            <a:gdLst/>
+            <a:ahLst/>
+            <a:cxnLst/>
+            <a:rect l="l" t="t" r="r" b="b"/>
+            <a:pathLst>
+              <a:path w="16755480" h="8194477">
+                <a:moveTo>
+                  <a:pt x="0" y="0"/>
+                </a:moveTo>
+                <a:lnTo>
+                  <a:pt x="16755480" y="0"/>
+                </a:lnTo>
+                <a:lnTo>
+                  <a:pt x="16755480" y="8194477"/>
+                </a:lnTo>
+                <a:lnTo>
+                  <a:pt x="0" y="8194477"/>
+                </a:lnTo>
+                <a:lnTo>
+                  <a:pt x="0" y="0"/>
+                </a:lnTo>
+                <a:close/>
+              </a:path>
+            </a:pathLst>
+          </a:custGeom>
+          <a:blipFill>
+            <a:blip r:embed="rId3"/>
+            <a:stretch>
+              <a:fillRect/>
+            </a:stretch>
+          </a:blipFill>
+        </p:spPr>
+      </p:sp>
+      <p:sp>
+        <p:nvSpPr>
+          <p:cNvPr id="5" name="TextBox 5"/>
+          <p:cNvSpPr txBox="1"/>
+          <p:nvPr/>
+        </p:nvSpPr>
+        <p:spPr>
+          <a:xfrm>
+            <a:off x="2343797" y="-161925"/>
+            <a:ext cx="13617940" cy="1668780"/>
+          </a:xfrm>
+          <a:prstGeom prst="rect">
+            <a:avLst/>
+          </a:prstGeom>
+        </p:spPr>
+        <p:txBody>
+          <a:bodyPr lIns="0" tIns="0" rIns="0" bIns="0" rtlCol="0" anchor="t">
+            <a:spAutoFit/>
+          </a:bodyPr>
+          <a:lstStyle/>
+          <a:p>
+            <a:pPr marL="0" lvl="0" indent="0" algn="ctr">
+              <a:lnSpc>
+                <a:spcPts val="13015"/>
+              </a:lnSpc>
+              <a:spcBef>
+                <a:spcPct val="0"/>
+              </a:spcBef>
+            </a:pPr>
+            <a:r>
+              <a:rPr lang="en-US" sz="6000" spc="924">
+                <a:solidFill>
+                  <a:srgbClr val="231F20"/>
+                </a:solidFill>
+                <a:latin typeface="Oswald Bold" panose="00000800000000000000"/>
+              </a:rPr>
+              <a:t>PROJECT IMAGES</a:t>
+            </a:r>
+            <a:endParaRPr lang="en-US" sz="6000" spc="924">
+              <a:solidFill>
+                <a:srgbClr val="231F20"/>
+              </a:solidFill>
+              <a:latin typeface="Oswald Bold" panose="00000800000000000000"/>
+            </a:endParaRPr>
+          </a:p>
+        </p:txBody>
+      </p:sp>
+    </p:spTree>
+  </p:cSld>
+  <p:clrMapOvr>
+    <a:masterClrMapping/>
+  </p:clrMapOvr>
+</p:sld>
+</file>
+
+<file path=ppt/slides/slide19.xml><?xml version="1.0" encoding="utf-8"?>
 <p:sld xmlns:a="http://schemas.openxmlformats.org/drawingml/2006/main" xmlns:r="http://schemas.openxmlformats.org/officeDocument/2006/relationships" xmlns:p="http://schemas.openxmlformats.org/presentationml/2006/main">
   <p:cSld>
     <p:spTree>
@@ -5949,7 +6809,7 @@
                 <a:solidFill>
                   <a:srgbClr val="231F20"/>
                 </a:solidFill>
-                <a:latin typeface="Oswald Bold"/>
+                <a:latin typeface="Oswald Bold" panose="00000800000000000000"/>
               </a:rPr>
               <a:t>LIMITATION</a:t>
             </a:r>
@@ -5957,7 +6817,7 @@
               <a:solidFill>
                 <a:srgbClr val="231F20"/>
               </a:solidFill>
-              <a:latin typeface="Oswald Bold"/>
+              <a:latin typeface="Oswald Bold" panose="00000800000000000000"/>
             </a:endParaRPr>
           </a:p>
         </p:txBody>
@@ -6102,7 +6962,650 @@
 </p:sld>
 </file>
 
-<file path=ppt/slides/slide18.xml><?xml version="1.0" encoding="utf-8"?>
+<file path=ppt/slides/slide2.xml><?xml version="1.0" encoding="utf-8"?>
+<p:sld xmlns:a="http://schemas.openxmlformats.org/drawingml/2006/main" xmlns:r="http://schemas.openxmlformats.org/officeDocument/2006/relationships" xmlns:p="http://schemas.openxmlformats.org/presentationml/2006/main">
+  <p:cSld>
+    <p:spTree>
+      <p:nvGrpSpPr>
+        <p:cNvPr id="1" name=""/>
+        <p:cNvGrpSpPr/>
+        <p:nvPr/>
+      </p:nvGrpSpPr>
+      <p:grpSpPr>
+        <a:xfrm>
+          <a:off x="0" y="0"/>
+          <a:ext cx="0" cy="0"/>
+          <a:chOff x="0" y="0"/>
+          <a:chExt cx="0" cy="0"/>
+        </a:xfrm>
+      </p:grpSpPr>
+      <p:sp>
+        <p:nvSpPr>
+          <p:cNvPr id="2" name="Freeform 2"/>
+          <p:cNvSpPr/>
+          <p:nvPr/>
+        </p:nvSpPr>
+        <p:spPr>
+          <a:xfrm flipH="1" flipV="1">
+            <a:off x="0" y="0"/>
+            <a:ext cx="18288000" cy="10287000"/>
+          </a:xfrm>
+          <a:custGeom>
+            <a:avLst/>
+            <a:gdLst/>
+            <a:ahLst/>
+            <a:cxnLst/>
+            <a:rect l="l" t="t" r="r" b="b"/>
+            <a:pathLst>
+              <a:path w="18288000" h="10287000">
+                <a:moveTo>
+                  <a:pt x="18288000" y="10287000"/>
+                </a:moveTo>
+                <a:lnTo>
+                  <a:pt x="0" y="10287000"/>
+                </a:lnTo>
+                <a:lnTo>
+                  <a:pt x="0" y="0"/>
+                </a:lnTo>
+                <a:lnTo>
+                  <a:pt x="18288000" y="0"/>
+                </a:lnTo>
+                <a:lnTo>
+                  <a:pt x="18288000" y="10287000"/>
+                </a:lnTo>
+                <a:close/>
+              </a:path>
+            </a:pathLst>
+          </a:custGeom>
+          <a:blipFill>
+            <a:blip r:embed="rId1"/>
+            <a:stretch>
+              <a:fillRect t="-38888" b="-38888"/>
+            </a:stretch>
+          </a:blipFill>
+        </p:spPr>
+      </p:sp>
+      <p:sp>
+        <p:nvSpPr>
+          <p:cNvPr id="3" name="Freeform 3"/>
+          <p:cNvSpPr/>
+          <p:nvPr/>
+        </p:nvSpPr>
+        <p:spPr>
+          <a:xfrm>
+            <a:off x="5307472" y="8406216"/>
+            <a:ext cx="7673056" cy="7673056"/>
+          </a:xfrm>
+          <a:custGeom>
+            <a:avLst/>
+            <a:gdLst/>
+            <a:ahLst/>
+            <a:cxnLst/>
+            <a:rect l="l" t="t" r="r" b="b"/>
+            <a:pathLst>
+              <a:path w="7673056" h="7673056">
+                <a:moveTo>
+                  <a:pt x="0" y="0"/>
+                </a:moveTo>
+                <a:lnTo>
+                  <a:pt x="7673056" y="0"/>
+                </a:lnTo>
+                <a:lnTo>
+                  <a:pt x="7673056" y="7673056"/>
+                </a:lnTo>
+                <a:lnTo>
+                  <a:pt x="0" y="7673056"/>
+                </a:lnTo>
+                <a:lnTo>
+                  <a:pt x="0" y="0"/>
+                </a:lnTo>
+                <a:close/>
+              </a:path>
+            </a:pathLst>
+          </a:custGeom>
+          <a:blipFill>
+            <a:blip r:embed="rId2">
+              <a:extLst>
+                <a:ext uri="{96DAC541-7B7A-43D3-8B79-37D633B846F1}">
+                  <asvg:svgBlip xmlns:asvg="http://schemas.microsoft.com/office/drawing/2016/SVG/main" r:embed="rId3"/>
+                </a:ext>
+              </a:extLst>
+            </a:blip>
+            <a:stretch>
+              <a:fillRect/>
+            </a:stretch>
+          </a:blipFill>
+        </p:spPr>
+      </p:sp>
+      <p:sp>
+        <p:nvSpPr>
+          <p:cNvPr id="4" name="Freeform 4"/>
+          <p:cNvSpPr/>
+          <p:nvPr/>
+        </p:nvSpPr>
+        <p:spPr>
+          <a:xfrm>
+            <a:off x="8024816" y="7287032"/>
+            <a:ext cx="2238367" cy="2238367"/>
+          </a:xfrm>
+          <a:custGeom>
+            <a:avLst/>
+            <a:gdLst/>
+            <a:ahLst/>
+            <a:cxnLst/>
+            <a:rect l="l" t="t" r="r" b="b"/>
+            <a:pathLst>
+              <a:path w="2238367" h="2238367">
+                <a:moveTo>
+                  <a:pt x="0" y="0"/>
+                </a:moveTo>
+                <a:lnTo>
+                  <a:pt x="2238368" y="0"/>
+                </a:lnTo>
+                <a:lnTo>
+                  <a:pt x="2238368" y="2238368"/>
+                </a:lnTo>
+                <a:lnTo>
+                  <a:pt x="0" y="2238368"/>
+                </a:lnTo>
+                <a:lnTo>
+                  <a:pt x="0" y="0"/>
+                </a:lnTo>
+                <a:close/>
+              </a:path>
+            </a:pathLst>
+          </a:custGeom>
+          <a:blipFill>
+            <a:blip r:embed="rId4">
+              <a:extLst>
+                <a:ext uri="{96DAC541-7B7A-43D3-8B79-37D633B846F1}">
+                  <asvg:svgBlip xmlns:asvg="http://schemas.microsoft.com/office/drawing/2016/SVG/main" r:embed="rId5"/>
+                </a:ext>
+              </a:extLst>
+            </a:blip>
+            <a:stretch>
+              <a:fillRect/>
+            </a:stretch>
+          </a:blipFill>
+        </p:spPr>
+      </p:sp>
+      <p:sp>
+        <p:nvSpPr>
+          <p:cNvPr id="5" name="Freeform 5"/>
+          <p:cNvSpPr/>
+          <p:nvPr/>
+        </p:nvSpPr>
+        <p:spPr>
+          <a:xfrm>
+            <a:off x="8663659" y="7857887"/>
+            <a:ext cx="960682" cy="1052540"/>
+          </a:xfrm>
+          <a:custGeom>
+            <a:avLst/>
+            <a:gdLst/>
+            <a:ahLst/>
+            <a:cxnLst/>
+            <a:rect l="l" t="t" r="r" b="b"/>
+            <a:pathLst>
+              <a:path w="960682" h="1052540">
+                <a:moveTo>
+                  <a:pt x="0" y="0"/>
+                </a:moveTo>
+                <a:lnTo>
+                  <a:pt x="960682" y="0"/>
+                </a:lnTo>
+                <a:lnTo>
+                  <a:pt x="960682" y="1052541"/>
+                </a:lnTo>
+                <a:lnTo>
+                  <a:pt x="0" y="1052541"/>
+                </a:lnTo>
+                <a:lnTo>
+                  <a:pt x="0" y="0"/>
+                </a:lnTo>
+                <a:close/>
+              </a:path>
+            </a:pathLst>
+          </a:custGeom>
+          <a:blipFill>
+            <a:blip r:embed="rId6">
+              <a:extLst>
+                <a:ext uri="{96DAC541-7B7A-43D3-8B79-37D633B846F1}">
+                  <asvg:svgBlip xmlns:asvg="http://schemas.microsoft.com/office/drawing/2016/SVG/main" r:embed="rId7"/>
+                </a:ext>
+              </a:extLst>
+            </a:blip>
+            <a:stretch>
+              <a:fillRect/>
+            </a:stretch>
+          </a:blipFill>
+        </p:spPr>
+      </p:sp>
+      <p:sp>
+        <p:nvSpPr>
+          <p:cNvPr id="6" name="Freeform 6"/>
+          <p:cNvSpPr/>
+          <p:nvPr/>
+        </p:nvSpPr>
+        <p:spPr>
+          <a:xfrm>
+            <a:off x="11274579" y="8910428"/>
+            <a:ext cx="2238367" cy="2238367"/>
+          </a:xfrm>
+          <a:custGeom>
+            <a:avLst/>
+            <a:gdLst/>
+            <a:ahLst/>
+            <a:cxnLst/>
+            <a:rect l="l" t="t" r="r" b="b"/>
+            <a:pathLst>
+              <a:path w="2238367" h="2238367">
+                <a:moveTo>
+                  <a:pt x="0" y="0"/>
+                </a:moveTo>
+                <a:lnTo>
+                  <a:pt x="2238367" y="0"/>
+                </a:lnTo>
+                <a:lnTo>
+                  <a:pt x="2238367" y="2238367"/>
+                </a:lnTo>
+                <a:lnTo>
+                  <a:pt x="0" y="2238367"/>
+                </a:lnTo>
+                <a:lnTo>
+                  <a:pt x="0" y="0"/>
+                </a:lnTo>
+                <a:close/>
+              </a:path>
+            </a:pathLst>
+          </a:custGeom>
+          <a:blipFill>
+            <a:blip r:embed="rId4">
+              <a:extLst>
+                <a:ext uri="{96DAC541-7B7A-43D3-8B79-37D633B846F1}">
+                  <asvg:svgBlip xmlns:asvg="http://schemas.microsoft.com/office/drawing/2016/SVG/main" r:embed="rId5"/>
+                </a:ext>
+              </a:extLst>
+            </a:blip>
+            <a:stretch>
+              <a:fillRect/>
+            </a:stretch>
+          </a:blipFill>
+        </p:spPr>
+      </p:sp>
+      <p:sp>
+        <p:nvSpPr>
+          <p:cNvPr id="7" name="Freeform 7"/>
+          <p:cNvSpPr/>
+          <p:nvPr/>
+        </p:nvSpPr>
+        <p:spPr>
+          <a:xfrm>
+            <a:off x="4693037" y="9167816"/>
+            <a:ext cx="2238367" cy="2238367"/>
+          </a:xfrm>
+          <a:custGeom>
+            <a:avLst/>
+            <a:gdLst/>
+            <a:ahLst/>
+            <a:cxnLst/>
+            <a:rect l="l" t="t" r="r" b="b"/>
+            <a:pathLst>
+              <a:path w="2238367" h="2238367">
+                <a:moveTo>
+                  <a:pt x="0" y="0"/>
+                </a:moveTo>
+                <a:lnTo>
+                  <a:pt x="2238367" y="0"/>
+                </a:lnTo>
+                <a:lnTo>
+                  <a:pt x="2238367" y="2238368"/>
+                </a:lnTo>
+                <a:lnTo>
+                  <a:pt x="0" y="2238368"/>
+                </a:lnTo>
+                <a:lnTo>
+                  <a:pt x="0" y="0"/>
+                </a:lnTo>
+                <a:close/>
+              </a:path>
+            </a:pathLst>
+          </a:custGeom>
+          <a:blipFill>
+            <a:blip r:embed="rId4">
+              <a:extLst>
+                <a:ext uri="{96DAC541-7B7A-43D3-8B79-37D633B846F1}">
+                  <asvg:svgBlip xmlns:asvg="http://schemas.microsoft.com/office/drawing/2016/SVG/main" r:embed="rId5"/>
+                </a:ext>
+              </a:extLst>
+            </a:blip>
+            <a:stretch>
+              <a:fillRect/>
+            </a:stretch>
+          </a:blipFill>
+        </p:spPr>
+      </p:sp>
+      <p:sp>
+        <p:nvSpPr>
+          <p:cNvPr id="8" name="Freeform 8"/>
+          <p:cNvSpPr/>
+          <p:nvPr/>
+        </p:nvSpPr>
+        <p:spPr>
+          <a:xfrm>
+            <a:off x="5177874" y="9681487"/>
+            <a:ext cx="1268693" cy="1211025"/>
+          </a:xfrm>
+          <a:custGeom>
+            <a:avLst/>
+            <a:gdLst/>
+            <a:ahLst/>
+            <a:cxnLst/>
+            <a:rect l="l" t="t" r="r" b="b"/>
+            <a:pathLst>
+              <a:path w="1268693" h="1211025">
+                <a:moveTo>
+                  <a:pt x="0" y="0"/>
+                </a:moveTo>
+                <a:lnTo>
+                  <a:pt x="1268693" y="0"/>
+                </a:lnTo>
+                <a:lnTo>
+                  <a:pt x="1268693" y="1211026"/>
+                </a:lnTo>
+                <a:lnTo>
+                  <a:pt x="0" y="1211026"/>
+                </a:lnTo>
+                <a:lnTo>
+                  <a:pt x="0" y="0"/>
+                </a:lnTo>
+                <a:close/>
+              </a:path>
+            </a:pathLst>
+          </a:custGeom>
+          <a:blipFill>
+            <a:blip r:embed="rId8">
+              <a:extLst>
+                <a:ext uri="{96DAC541-7B7A-43D3-8B79-37D633B846F1}">
+                  <asvg:svgBlip xmlns:asvg="http://schemas.microsoft.com/office/drawing/2016/SVG/main" r:embed="rId9"/>
+                </a:ext>
+              </a:extLst>
+            </a:blip>
+            <a:stretch>
+              <a:fillRect/>
+            </a:stretch>
+          </a:blipFill>
+        </p:spPr>
+      </p:sp>
+      <p:sp>
+        <p:nvSpPr>
+          <p:cNvPr id="9" name="Freeform 9"/>
+          <p:cNvSpPr/>
+          <p:nvPr/>
+        </p:nvSpPr>
+        <p:spPr>
+          <a:xfrm>
+            <a:off x="11841360" y="9469056"/>
+            <a:ext cx="1104804" cy="1121111"/>
+          </a:xfrm>
+          <a:custGeom>
+            <a:avLst/>
+            <a:gdLst/>
+            <a:ahLst/>
+            <a:cxnLst/>
+            <a:rect l="l" t="t" r="r" b="b"/>
+            <a:pathLst>
+              <a:path w="1104804" h="1121111">
+                <a:moveTo>
+                  <a:pt x="0" y="0"/>
+                </a:moveTo>
+                <a:lnTo>
+                  <a:pt x="1104805" y="0"/>
+                </a:lnTo>
+                <a:lnTo>
+                  <a:pt x="1104805" y="1121111"/>
+                </a:lnTo>
+                <a:lnTo>
+                  <a:pt x="0" y="1121111"/>
+                </a:lnTo>
+                <a:lnTo>
+                  <a:pt x="0" y="0"/>
+                </a:lnTo>
+                <a:close/>
+              </a:path>
+            </a:pathLst>
+          </a:custGeom>
+          <a:blipFill>
+            <a:blip r:embed="rId10">
+              <a:extLst>
+                <a:ext uri="{96DAC541-7B7A-43D3-8B79-37D633B846F1}">
+                  <asvg:svgBlip xmlns:asvg="http://schemas.microsoft.com/office/drawing/2016/SVG/main" r:embed="rId11"/>
+                </a:ext>
+              </a:extLst>
+            </a:blip>
+            <a:stretch>
+              <a:fillRect/>
+            </a:stretch>
+          </a:blipFill>
+        </p:spPr>
+      </p:sp>
+      <p:sp>
+        <p:nvSpPr>
+          <p:cNvPr id="10" name="TextBox 10"/>
+          <p:cNvSpPr txBox="1"/>
+          <p:nvPr/>
+        </p:nvSpPr>
+        <p:spPr>
+          <a:xfrm>
+            <a:off x="2887170" y="1277407"/>
+            <a:ext cx="11552977" cy="1166783"/>
+          </a:xfrm>
+          <a:prstGeom prst="rect">
+            <a:avLst/>
+          </a:prstGeom>
+        </p:spPr>
+        <p:txBody>
+          <a:bodyPr lIns="0" tIns="0" rIns="0" bIns="0" rtlCol="0" anchor="t">
+            <a:spAutoFit/>
+          </a:bodyPr>
+          <a:lstStyle/>
+          <a:p>
+            <a:pPr algn="ctr">
+              <a:lnSpc>
+                <a:spcPts val="9585"/>
+              </a:lnSpc>
+            </a:pPr>
+            <a:r>
+              <a:rPr lang="en-US" sz="6945" spc="368">
+                <a:solidFill>
+                  <a:srgbClr val="231F20"/>
+                </a:solidFill>
+                <a:latin typeface="Oswald Bold" panose="00000800000000000000"/>
+              </a:rPr>
+              <a:t>OBJECTIVES</a:t>
+            </a:r>
+            <a:endParaRPr lang="en-US" sz="6945" spc="368">
+              <a:solidFill>
+                <a:srgbClr val="231F20"/>
+              </a:solidFill>
+              <a:latin typeface="Oswald Bold" panose="00000800000000000000"/>
+            </a:endParaRPr>
+          </a:p>
+        </p:txBody>
+      </p:sp>
+      <p:sp>
+        <p:nvSpPr>
+          <p:cNvPr id="11" name="TextBox 11"/>
+          <p:cNvSpPr txBox="1"/>
+          <p:nvPr/>
+        </p:nvSpPr>
+        <p:spPr>
+          <a:xfrm>
+            <a:off x="1028700" y="3287802"/>
+            <a:ext cx="16230600" cy="3645551"/>
+          </a:xfrm>
+          <a:prstGeom prst="rect">
+            <a:avLst/>
+          </a:prstGeom>
+        </p:spPr>
+        <p:txBody>
+          <a:bodyPr lIns="0" tIns="0" rIns="0" bIns="0" rtlCol="0" anchor="t">
+            <a:spAutoFit/>
+          </a:bodyPr>
+          <a:lstStyle/>
+          <a:p>
+            <a:pPr algn="ctr">
+              <a:lnSpc>
+                <a:spcPts val="3600"/>
+              </a:lnSpc>
+            </a:pPr>
+            <a:r>
+              <a:rPr lang="en-US" sz="2610" spc="255" dirty="0">
+                <a:solidFill>
+                  <a:srgbClr val="231F20"/>
+                </a:solidFill>
+                <a:latin typeface="DM Sans"/>
+              </a:rPr>
+              <a:t>The objective of This project is to create a secure and user-friendly web platform for social interaction. Users can log in, create posts, engage with friends through likes and comments, and utilize real-time chat. The application focuses on privacy with customizable settings and ensures responsiveness across devices. Security measures include encryption, and scalability is considered. Notifications keep users informed, while analytics provide insights. The platform encourages positive interactions through feedback and moderation tools.</a:t>
+            </a:r>
+            <a:endParaRPr lang="en-US" sz="2610" spc="255" dirty="0">
+              <a:solidFill>
+                <a:srgbClr val="231F20"/>
+              </a:solidFill>
+              <a:latin typeface="DM Sans"/>
+            </a:endParaRPr>
+          </a:p>
+          <a:p>
+            <a:pPr marL="0" lvl="0" indent="0" algn="ctr">
+              <a:lnSpc>
+                <a:spcPts val="3600"/>
+              </a:lnSpc>
+              <a:spcBef>
+                <a:spcPct val="0"/>
+              </a:spcBef>
+            </a:pPr>
+            <a:endParaRPr lang="en-US" sz="2610" spc="255" dirty="0">
+              <a:solidFill>
+                <a:srgbClr val="231F20"/>
+              </a:solidFill>
+              <a:latin typeface="DM Sans"/>
+            </a:endParaRPr>
+          </a:p>
+        </p:txBody>
+      </p:sp>
+      <p:sp>
+        <p:nvSpPr>
+          <p:cNvPr id="12" name="Freeform 12"/>
+          <p:cNvSpPr/>
+          <p:nvPr/>
+        </p:nvSpPr>
+        <p:spPr>
+          <a:xfrm>
+            <a:off x="14479722" y="-4833750"/>
+            <a:ext cx="7616557" cy="7815497"/>
+          </a:xfrm>
+          <a:custGeom>
+            <a:avLst/>
+            <a:gdLst/>
+            <a:ahLst/>
+            <a:cxnLst/>
+            <a:rect l="l" t="t" r="r" b="b"/>
+            <a:pathLst>
+              <a:path w="7616557" h="7815497">
+                <a:moveTo>
+                  <a:pt x="0" y="0"/>
+                </a:moveTo>
+                <a:lnTo>
+                  <a:pt x="7616556" y="0"/>
+                </a:lnTo>
+                <a:lnTo>
+                  <a:pt x="7616556" y="7815497"/>
+                </a:lnTo>
+                <a:lnTo>
+                  <a:pt x="0" y="7815497"/>
+                </a:lnTo>
+                <a:lnTo>
+                  <a:pt x="0" y="0"/>
+                </a:lnTo>
+                <a:close/>
+              </a:path>
+            </a:pathLst>
+          </a:custGeom>
+          <a:blipFill>
+            <a:blip r:embed="rId12">
+              <a:extLst>
+                <a:ext uri="{96DAC541-7B7A-43D3-8B79-37D633B846F1}">
+                  <asvg:svgBlip xmlns:asvg="http://schemas.microsoft.com/office/drawing/2016/SVG/main" r:embed="rId13"/>
+                </a:ext>
+              </a:extLst>
+            </a:blip>
+            <a:stretch>
+              <a:fillRect/>
+            </a:stretch>
+          </a:blipFill>
+        </p:spPr>
+      </p:sp>
+      <p:sp>
+        <p:nvSpPr>
+          <p:cNvPr id="13" name="Freeform 13"/>
+          <p:cNvSpPr/>
+          <p:nvPr/>
+        </p:nvSpPr>
+        <p:spPr>
+          <a:xfrm rot="-4176364">
+            <a:off x="-4105129" y="6530238"/>
+            <a:ext cx="7616557" cy="7815497"/>
+          </a:xfrm>
+          <a:custGeom>
+            <a:avLst/>
+            <a:gdLst/>
+            <a:ahLst/>
+            <a:cxnLst/>
+            <a:rect l="l" t="t" r="r" b="b"/>
+            <a:pathLst>
+              <a:path w="7616557" h="7815497">
+                <a:moveTo>
+                  <a:pt x="0" y="0"/>
+                </a:moveTo>
+                <a:lnTo>
+                  <a:pt x="7616556" y="0"/>
+                </a:lnTo>
+                <a:lnTo>
+                  <a:pt x="7616556" y="7815496"/>
+                </a:lnTo>
+                <a:lnTo>
+                  <a:pt x="0" y="7815496"/>
+                </a:lnTo>
+                <a:lnTo>
+                  <a:pt x="0" y="0"/>
+                </a:lnTo>
+                <a:close/>
+              </a:path>
+            </a:pathLst>
+          </a:custGeom>
+          <a:blipFill>
+            <a:blip r:embed="rId12">
+              <a:extLst>
+                <a:ext uri="{96DAC541-7B7A-43D3-8B79-37D633B846F1}">
+                  <asvg:svgBlip xmlns:asvg="http://schemas.microsoft.com/office/drawing/2016/SVG/main" r:embed="rId13"/>
+                </a:ext>
+              </a:extLst>
+            </a:blip>
+            <a:stretch>
+              <a:fillRect/>
+            </a:stretch>
+          </a:blipFill>
+        </p:spPr>
+      </p:sp>
+    </p:spTree>
+  </p:cSld>
+  <p:clrMapOvr>
+    <a:masterClrMapping/>
+  </p:clrMapOvr>
+</p:sld>
+</file>
+
+<file path=ppt/slides/slide20.xml><?xml version="1.0" encoding="utf-8"?>
 <p:sld xmlns:a="http://schemas.openxmlformats.org/drawingml/2006/main" xmlns:r="http://schemas.openxmlformats.org/officeDocument/2006/relationships" xmlns:p="http://schemas.openxmlformats.org/presentationml/2006/main">
   <p:cSld>
     <p:spTree>
@@ -6638,7 +8141,7 @@
                 <a:solidFill>
                   <a:srgbClr val="231F20"/>
                 </a:solidFill>
-                <a:latin typeface="Oswald Bold"/>
+                <a:latin typeface="Oswald Bold" panose="00000800000000000000"/>
               </a:rPr>
               <a:t>LIMITATION</a:t>
             </a:r>
@@ -6646,7 +8149,7 @@
               <a:solidFill>
                 <a:srgbClr val="231F20"/>
               </a:solidFill>
-              <a:latin typeface="Oswald Bold"/>
+              <a:latin typeface="Oswald Bold" panose="00000800000000000000"/>
             </a:endParaRPr>
           </a:p>
         </p:txBody>
@@ -6791,7 +8294,7 @@
 </p:sld>
 </file>
 
-<file path=ppt/slides/slide19.xml><?xml version="1.0" encoding="utf-8"?>
+<file path=ppt/slides/slide21.xml><?xml version="1.0" encoding="utf-8"?>
 <p:sld xmlns:a="http://schemas.openxmlformats.org/drawingml/2006/main" xmlns:r="http://schemas.openxmlformats.org/officeDocument/2006/relationships" xmlns:p="http://schemas.openxmlformats.org/presentationml/2006/main">
   <p:cSld>
     <p:spTree>
@@ -7307,7 +8810,7 @@
                 <a:solidFill>
                   <a:srgbClr val="231F20"/>
                 </a:solidFill>
-                <a:latin typeface="Oswald Bold"/>
+                <a:latin typeface="Oswald Bold" panose="00000800000000000000"/>
               </a:rPr>
               <a:t>FUTURE ENHANCEMENT &amp; OUR GOALS</a:t>
             </a:r>
@@ -7315,7 +8818,7 @@
               <a:solidFill>
                 <a:srgbClr val="231F20"/>
               </a:solidFill>
-              <a:latin typeface="Oswald Bold"/>
+              <a:latin typeface="Oswald Bold" panose="00000800000000000000"/>
             </a:endParaRPr>
           </a:p>
         </p:txBody>
@@ -7761,650 +9264,7 @@
 </p:sld>
 </file>
 
-<file path=ppt/slides/slide2.xml><?xml version="1.0" encoding="utf-8"?>
-<p:sld xmlns:a="http://schemas.openxmlformats.org/drawingml/2006/main" xmlns:r="http://schemas.openxmlformats.org/officeDocument/2006/relationships" xmlns:p="http://schemas.openxmlformats.org/presentationml/2006/main">
-  <p:cSld>
-    <p:spTree>
-      <p:nvGrpSpPr>
-        <p:cNvPr id="1" name=""/>
-        <p:cNvGrpSpPr/>
-        <p:nvPr/>
-      </p:nvGrpSpPr>
-      <p:grpSpPr>
-        <a:xfrm>
-          <a:off x="0" y="0"/>
-          <a:ext cx="0" cy="0"/>
-          <a:chOff x="0" y="0"/>
-          <a:chExt cx="0" cy="0"/>
-        </a:xfrm>
-      </p:grpSpPr>
-      <p:sp>
-        <p:nvSpPr>
-          <p:cNvPr id="2" name="Freeform 2"/>
-          <p:cNvSpPr/>
-          <p:nvPr/>
-        </p:nvSpPr>
-        <p:spPr>
-          <a:xfrm flipH="1" flipV="1">
-            <a:off x="0" y="0"/>
-            <a:ext cx="18288000" cy="10287000"/>
-          </a:xfrm>
-          <a:custGeom>
-            <a:avLst/>
-            <a:gdLst/>
-            <a:ahLst/>
-            <a:cxnLst/>
-            <a:rect l="l" t="t" r="r" b="b"/>
-            <a:pathLst>
-              <a:path w="18288000" h="10287000">
-                <a:moveTo>
-                  <a:pt x="18288000" y="10287000"/>
-                </a:moveTo>
-                <a:lnTo>
-                  <a:pt x="0" y="10287000"/>
-                </a:lnTo>
-                <a:lnTo>
-                  <a:pt x="0" y="0"/>
-                </a:lnTo>
-                <a:lnTo>
-                  <a:pt x="18288000" y="0"/>
-                </a:lnTo>
-                <a:lnTo>
-                  <a:pt x="18288000" y="10287000"/>
-                </a:lnTo>
-                <a:close/>
-              </a:path>
-            </a:pathLst>
-          </a:custGeom>
-          <a:blipFill>
-            <a:blip r:embed="rId1"/>
-            <a:stretch>
-              <a:fillRect t="-38888" b="-38888"/>
-            </a:stretch>
-          </a:blipFill>
-        </p:spPr>
-      </p:sp>
-      <p:sp>
-        <p:nvSpPr>
-          <p:cNvPr id="3" name="Freeform 3"/>
-          <p:cNvSpPr/>
-          <p:nvPr/>
-        </p:nvSpPr>
-        <p:spPr>
-          <a:xfrm>
-            <a:off x="5307472" y="8406216"/>
-            <a:ext cx="7673056" cy="7673056"/>
-          </a:xfrm>
-          <a:custGeom>
-            <a:avLst/>
-            <a:gdLst/>
-            <a:ahLst/>
-            <a:cxnLst/>
-            <a:rect l="l" t="t" r="r" b="b"/>
-            <a:pathLst>
-              <a:path w="7673056" h="7673056">
-                <a:moveTo>
-                  <a:pt x="0" y="0"/>
-                </a:moveTo>
-                <a:lnTo>
-                  <a:pt x="7673056" y="0"/>
-                </a:lnTo>
-                <a:lnTo>
-                  <a:pt x="7673056" y="7673056"/>
-                </a:lnTo>
-                <a:lnTo>
-                  <a:pt x="0" y="7673056"/>
-                </a:lnTo>
-                <a:lnTo>
-                  <a:pt x="0" y="0"/>
-                </a:lnTo>
-                <a:close/>
-              </a:path>
-            </a:pathLst>
-          </a:custGeom>
-          <a:blipFill>
-            <a:blip r:embed="rId2">
-              <a:extLst>
-                <a:ext uri="{96DAC541-7B7A-43D3-8B79-37D633B846F1}">
-                  <asvg:svgBlip xmlns:asvg="http://schemas.microsoft.com/office/drawing/2016/SVG/main" r:embed="rId3"/>
-                </a:ext>
-              </a:extLst>
-            </a:blip>
-            <a:stretch>
-              <a:fillRect/>
-            </a:stretch>
-          </a:blipFill>
-        </p:spPr>
-      </p:sp>
-      <p:sp>
-        <p:nvSpPr>
-          <p:cNvPr id="4" name="Freeform 4"/>
-          <p:cNvSpPr/>
-          <p:nvPr/>
-        </p:nvSpPr>
-        <p:spPr>
-          <a:xfrm>
-            <a:off x="8024816" y="7287032"/>
-            <a:ext cx="2238367" cy="2238367"/>
-          </a:xfrm>
-          <a:custGeom>
-            <a:avLst/>
-            <a:gdLst/>
-            <a:ahLst/>
-            <a:cxnLst/>
-            <a:rect l="l" t="t" r="r" b="b"/>
-            <a:pathLst>
-              <a:path w="2238367" h="2238367">
-                <a:moveTo>
-                  <a:pt x="0" y="0"/>
-                </a:moveTo>
-                <a:lnTo>
-                  <a:pt x="2238368" y="0"/>
-                </a:lnTo>
-                <a:lnTo>
-                  <a:pt x="2238368" y="2238368"/>
-                </a:lnTo>
-                <a:lnTo>
-                  <a:pt x="0" y="2238368"/>
-                </a:lnTo>
-                <a:lnTo>
-                  <a:pt x="0" y="0"/>
-                </a:lnTo>
-                <a:close/>
-              </a:path>
-            </a:pathLst>
-          </a:custGeom>
-          <a:blipFill>
-            <a:blip r:embed="rId4">
-              <a:extLst>
-                <a:ext uri="{96DAC541-7B7A-43D3-8B79-37D633B846F1}">
-                  <asvg:svgBlip xmlns:asvg="http://schemas.microsoft.com/office/drawing/2016/SVG/main" r:embed="rId5"/>
-                </a:ext>
-              </a:extLst>
-            </a:blip>
-            <a:stretch>
-              <a:fillRect/>
-            </a:stretch>
-          </a:blipFill>
-        </p:spPr>
-      </p:sp>
-      <p:sp>
-        <p:nvSpPr>
-          <p:cNvPr id="5" name="Freeform 5"/>
-          <p:cNvSpPr/>
-          <p:nvPr/>
-        </p:nvSpPr>
-        <p:spPr>
-          <a:xfrm>
-            <a:off x="8663659" y="7857887"/>
-            <a:ext cx="960682" cy="1052540"/>
-          </a:xfrm>
-          <a:custGeom>
-            <a:avLst/>
-            <a:gdLst/>
-            <a:ahLst/>
-            <a:cxnLst/>
-            <a:rect l="l" t="t" r="r" b="b"/>
-            <a:pathLst>
-              <a:path w="960682" h="1052540">
-                <a:moveTo>
-                  <a:pt x="0" y="0"/>
-                </a:moveTo>
-                <a:lnTo>
-                  <a:pt x="960682" y="0"/>
-                </a:lnTo>
-                <a:lnTo>
-                  <a:pt x="960682" y="1052541"/>
-                </a:lnTo>
-                <a:lnTo>
-                  <a:pt x="0" y="1052541"/>
-                </a:lnTo>
-                <a:lnTo>
-                  <a:pt x="0" y="0"/>
-                </a:lnTo>
-                <a:close/>
-              </a:path>
-            </a:pathLst>
-          </a:custGeom>
-          <a:blipFill>
-            <a:blip r:embed="rId6">
-              <a:extLst>
-                <a:ext uri="{96DAC541-7B7A-43D3-8B79-37D633B846F1}">
-                  <asvg:svgBlip xmlns:asvg="http://schemas.microsoft.com/office/drawing/2016/SVG/main" r:embed="rId7"/>
-                </a:ext>
-              </a:extLst>
-            </a:blip>
-            <a:stretch>
-              <a:fillRect/>
-            </a:stretch>
-          </a:blipFill>
-        </p:spPr>
-      </p:sp>
-      <p:sp>
-        <p:nvSpPr>
-          <p:cNvPr id="6" name="Freeform 6"/>
-          <p:cNvSpPr/>
-          <p:nvPr/>
-        </p:nvSpPr>
-        <p:spPr>
-          <a:xfrm>
-            <a:off x="11274579" y="8910428"/>
-            <a:ext cx="2238367" cy="2238367"/>
-          </a:xfrm>
-          <a:custGeom>
-            <a:avLst/>
-            <a:gdLst/>
-            <a:ahLst/>
-            <a:cxnLst/>
-            <a:rect l="l" t="t" r="r" b="b"/>
-            <a:pathLst>
-              <a:path w="2238367" h="2238367">
-                <a:moveTo>
-                  <a:pt x="0" y="0"/>
-                </a:moveTo>
-                <a:lnTo>
-                  <a:pt x="2238367" y="0"/>
-                </a:lnTo>
-                <a:lnTo>
-                  <a:pt x="2238367" y="2238367"/>
-                </a:lnTo>
-                <a:lnTo>
-                  <a:pt x="0" y="2238367"/>
-                </a:lnTo>
-                <a:lnTo>
-                  <a:pt x="0" y="0"/>
-                </a:lnTo>
-                <a:close/>
-              </a:path>
-            </a:pathLst>
-          </a:custGeom>
-          <a:blipFill>
-            <a:blip r:embed="rId4">
-              <a:extLst>
-                <a:ext uri="{96DAC541-7B7A-43D3-8B79-37D633B846F1}">
-                  <asvg:svgBlip xmlns:asvg="http://schemas.microsoft.com/office/drawing/2016/SVG/main" r:embed="rId5"/>
-                </a:ext>
-              </a:extLst>
-            </a:blip>
-            <a:stretch>
-              <a:fillRect/>
-            </a:stretch>
-          </a:blipFill>
-        </p:spPr>
-      </p:sp>
-      <p:sp>
-        <p:nvSpPr>
-          <p:cNvPr id="7" name="Freeform 7"/>
-          <p:cNvSpPr/>
-          <p:nvPr/>
-        </p:nvSpPr>
-        <p:spPr>
-          <a:xfrm>
-            <a:off x="4693037" y="9167816"/>
-            <a:ext cx="2238367" cy="2238367"/>
-          </a:xfrm>
-          <a:custGeom>
-            <a:avLst/>
-            <a:gdLst/>
-            <a:ahLst/>
-            <a:cxnLst/>
-            <a:rect l="l" t="t" r="r" b="b"/>
-            <a:pathLst>
-              <a:path w="2238367" h="2238367">
-                <a:moveTo>
-                  <a:pt x="0" y="0"/>
-                </a:moveTo>
-                <a:lnTo>
-                  <a:pt x="2238367" y="0"/>
-                </a:lnTo>
-                <a:lnTo>
-                  <a:pt x="2238367" y="2238368"/>
-                </a:lnTo>
-                <a:lnTo>
-                  <a:pt x="0" y="2238368"/>
-                </a:lnTo>
-                <a:lnTo>
-                  <a:pt x="0" y="0"/>
-                </a:lnTo>
-                <a:close/>
-              </a:path>
-            </a:pathLst>
-          </a:custGeom>
-          <a:blipFill>
-            <a:blip r:embed="rId4">
-              <a:extLst>
-                <a:ext uri="{96DAC541-7B7A-43D3-8B79-37D633B846F1}">
-                  <asvg:svgBlip xmlns:asvg="http://schemas.microsoft.com/office/drawing/2016/SVG/main" r:embed="rId5"/>
-                </a:ext>
-              </a:extLst>
-            </a:blip>
-            <a:stretch>
-              <a:fillRect/>
-            </a:stretch>
-          </a:blipFill>
-        </p:spPr>
-      </p:sp>
-      <p:sp>
-        <p:nvSpPr>
-          <p:cNvPr id="8" name="Freeform 8"/>
-          <p:cNvSpPr/>
-          <p:nvPr/>
-        </p:nvSpPr>
-        <p:spPr>
-          <a:xfrm>
-            <a:off x="5177874" y="9681487"/>
-            <a:ext cx="1268693" cy="1211025"/>
-          </a:xfrm>
-          <a:custGeom>
-            <a:avLst/>
-            <a:gdLst/>
-            <a:ahLst/>
-            <a:cxnLst/>
-            <a:rect l="l" t="t" r="r" b="b"/>
-            <a:pathLst>
-              <a:path w="1268693" h="1211025">
-                <a:moveTo>
-                  <a:pt x="0" y="0"/>
-                </a:moveTo>
-                <a:lnTo>
-                  <a:pt x="1268693" y="0"/>
-                </a:lnTo>
-                <a:lnTo>
-                  <a:pt x="1268693" y="1211026"/>
-                </a:lnTo>
-                <a:lnTo>
-                  <a:pt x="0" y="1211026"/>
-                </a:lnTo>
-                <a:lnTo>
-                  <a:pt x="0" y="0"/>
-                </a:lnTo>
-                <a:close/>
-              </a:path>
-            </a:pathLst>
-          </a:custGeom>
-          <a:blipFill>
-            <a:blip r:embed="rId8">
-              <a:extLst>
-                <a:ext uri="{96DAC541-7B7A-43D3-8B79-37D633B846F1}">
-                  <asvg:svgBlip xmlns:asvg="http://schemas.microsoft.com/office/drawing/2016/SVG/main" r:embed="rId9"/>
-                </a:ext>
-              </a:extLst>
-            </a:blip>
-            <a:stretch>
-              <a:fillRect/>
-            </a:stretch>
-          </a:blipFill>
-        </p:spPr>
-      </p:sp>
-      <p:sp>
-        <p:nvSpPr>
-          <p:cNvPr id="9" name="Freeform 9"/>
-          <p:cNvSpPr/>
-          <p:nvPr/>
-        </p:nvSpPr>
-        <p:spPr>
-          <a:xfrm>
-            <a:off x="11841360" y="9469056"/>
-            <a:ext cx="1104804" cy="1121111"/>
-          </a:xfrm>
-          <a:custGeom>
-            <a:avLst/>
-            <a:gdLst/>
-            <a:ahLst/>
-            <a:cxnLst/>
-            <a:rect l="l" t="t" r="r" b="b"/>
-            <a:pathLst>
-              <a:path w="1104804" h="1121111">
-                <a:moveTo>
-                  <a:pt x="0" y="0"/>
-                </a:moveTo>
-                <a:lnTo>
-                  <a:pt x="1104805" y="0"/>
-                </a:lnTo>
-                <a:lnTo>
-                  <a:pt x="1104805" y="1121111"/>
-                </a:lnTo>
-                <a:lnTo>
-                  <a:pt x="0" y="1121111"/>
-                </a:lnTo>
-                <a:lnTo>
-                  <a:pt x="0" y="0"/>
-                </a:lnTo>
-                <a:close/>
-              </a:path>
-            </a:pathLst>
-          </a:custGeom>
-          <a:blipFill>
-            <a:blip r:embed="rId10">
-              <a:extLst>
-                <a:ext uri="{96DAC541-7B7A-43D3-8B79-37D633B846F1}">
-                  <asvg:svgBlip xmlns:asvg="http://schemas.microsoft.com/office/drawing/2016/SVG/main" r:embed="rId11"/>
-                </a:ext>
-              </a:extLst>
-            </a:blip>
-            <a:stretch>
-              <a:fillRect/>
-            </a:stretch>
-          </a:blipFill>
-        </p:spPr>
-      </p:sp>
-      <p:sp>
-        <p:nvSpPr>
-          <p:cNvPr id="10" name="TextBox 10"/>
-          <p:cNvSpPr txBox="1"/>
-          <p:nvPr/>
-        </p:nvSpPr>
-        <p:spPr>
-          <a:xfrm>
-            <a:off x="2887170" y="1277407"/>
-            <a:ext cx="11552977" cy="1166783"/>
-          </a:xfrm>
-          <a:prstGeom prst="rect">
-            <a:avLst/>
-          </a:prstGeom>
-        </p:spPr>
-        <p:txBody>
-          <a:bodyPr lIns="0" tIns="0" rIns="0" bIns="0" rtlCol="0" anchor="t">
-            <a:spAutoFit/>
-          </a:bodyPr>
-          <a:lstStyle/>
-          <a:p>
-            <a:pPr algn="ctr">
-              <a:lnSpc>
-                <a:spcPts val="9585"/>
-              </a:lnSpc>
-            </a:pPr>
-            <a:r>
-              <a:rPr lang="en-US" sz="6945" spc="368">
-                <a:solidFill>
-                  <a:srgbClr val="231F20"/>
-                </a:solidFill>
-                <a:latin typeface="Oswald Bold"/>
-              </a:rPr>
-              <a:t>OBJECTIVES</a:t>
-            </a:r>
-            <a:endParaRPr lang="en-US" sz="6945" spc="368">
-              <a:solidFill>
-                <a:srgbClr val="231F20"/>
-              </a:solidFill>
-              <a:latin typeface="Oswald Bold"/>
-            </a:endParaRPr>
-          </a:p>
-        </p:txBody>
-      </p:sp>
-      <p:sp>
-        <p:nvSpPr>
-          <p:cNvPr id="11" name="TextBox 11"/>
-          <p:cNvSpPr txBox="1"/>
-          <p:nvPr/>
-        </p:nvSpPr>
-        <p:spPr>
-          <a:xfrm>
-            <a:off x="1028700" y="3287802"/>
-            <a:ext cx="16230600" cy="3645551"/>
-          </a:xfrm>
-          <a:prstGeom prst="rect">
-            <a:avLst/>
-          </a:prstGeom>
-        </p:spPr>
-        <p:txBody>
-          <a:bodyPr lIns="0" tIns="0" rIns="0" bIns="0" rtlCol="0" anchor="t">
-            <a:spAutoFit/>
-          </a:bodyPr>
-          <a:lstStyle/>
-          <a:p>
-            <a:pPr algn="ctr">
-              <a:lnSpc>
-                <a:spcPts val="3600"/>
-              </a:lnSpc>
-            </a:pPr>
-            <a:r>
-              <a:rPr lang="en-US" sz="2610" spc="255" dirty="0">
-                <a:solidFill>
-                  <a:srgbClr val="231F20"/>
-                </a:solidFill>
-                <a:latin typeface="DM Sans"/>
-              </a:rPr>
-              <a:t>The objective of This project is to create a secure and user-friendly web platform for social interaction. Users can log in, create posts, engage with friends through likes and comments, and utilize real-time chat. The application focuses on privacy with customizable settings and ensures responsiveness across devices. Security measures include encryption, and scalability is considered. Notifications keep users informed, while analytics provide insights. The platform encourages positive interactions through feedback and moderation tools.</a:t>
-            </a:r>
-            <a:endParaRPr lang="en-US" sz="2610" spc="255" dirty="0">
-              <a:solidFill>
-                <a:srgbClr val="231F20"/>
-              </a:solidFill>
-              <a:latin typeface="DM Sans"/>
-            </a:endParaRPr>
-          </a:p>
-          <a:p>
-            <a:pPr marL="0" lvl="0" indent="0" algn="ctr">
-              <a:lnSpc>
-                <a:spcPts val="3600"/>
-              </a:lnSpc>
-              <a:spcBef>
-                <a:spcPct val="0"/>
-              </a:spcBef>
-            </a:pPr>
-            <a:endParaRPr lang="en-US" sz="2610" spc="255" dirty="0">
-              <a:solidFill>
-                <a:srgbClr val="231F20"/>
-              </a:solidFill>
-              <a:latin typeface="DM Sans"/>
-            </a:endParaRPr>
-          </a:p>
-        </p:txBody>
-      </p:sp>
-      <p:sp>
-        <p:nvSpPr>
-          <p:cNvPr id="12" name="Freeform 12"/>
-          <p:cNvSpPr/>
-          <p:nvPr/>
-        </p:nvSpPr>
-        <p:spPr>
-          <a:xfrm>
-            <a:off x="14479722" y="-4833750"/>
-            <a:ext cx="7616557" cy="7815497"/>
-          </a:xfrm>
-          <a:custGeom>
-            <a:avLst/>
-            <a:gdLst/>
-            <a:ahLst/>
-            <a:cxnLst/>
-            <a:rect l="l" t="t" r="r" b="b"/>
-            <a:pathLst>
-              <a:path w="7616557" h="7815497">
-                <a:moveTo>
-                  <a:pt x="0" y="0"/>
-                </a:moveTo>
-                <a:lnTo>
-                  <a:pt x="7616556" y="0"/>
-                </a:lnTo>
-                <a:lnTo>
-                  <a:pt x="7616556" y="7815497"/>
-                </a:lnTo>
-                <a:lnTo>
-                  <a:pt x="0" y="7815497"/>
-                </a:lnTo>
-                <a:lnTo>
-                  <a:pt x="0" y="0"/>
-                </a:lnTo>
-                <a:close/>
-              </a:path>
-            </a:pathLst>
-          </a:custGeom>
-          <a:blipFill>
-            <a:blip r:embed="rId12">
-              <a:extLst>
-                <a:ext uri="{96DAC541-7B7A-43D3-8B79-37D633B846F1}">
-                  <asvg:svgBlip xmlns:asvg="http://schemas.microsoft.com/office/drawing/2016/SVG/main" r:embed="rId13"/>
-                </a:ext>
-              </a:extLst>
-            </a:blip>
-            <a:stretch>
-              <a:fillRect/>
-            </a:stretch>
-          </a:blipFill>
-        </p:spPr>
-      </p:sp>
-      <p:sp>
-        <p:nvSpPr>
-          <p:cNvPr id="13" name="Freeform 13"/>
-          <p:cNvSpPr/>
-          <p:nvPr/>
-        </p:nvSpPr>
-        <p:spPr>
-          <a:xfrm rot="-4176364">
-            <a:off x="-4105129" y="6530238"/>
-            <a:ext cx="7616557" cy="7815497"/>
-          </a:xfrm>
-          <a:custGeom>
-            <a:avLst/>
-            <a:gdLst/>
-            <a:ahLst/>
-            <a:cxnLst/>
-            <a:rect l="l" t="t" r="r" b="b"/>
-            <a:pathLst>
-              <a:path w="7616557" h="7815497">
-                <a:moveTo>
-                  <a:pt x="0" y="0"/>
-                </a:moveTo>
-                <a:lnTo>
-                  <a:pt x="7616556" y="0"/>
-                </a:lnTo>
-                <a:lnTo>
-                  <a:pt x="7616556" y="7815496"/>
-                </a:lnTo>
-                <a:lnTo>
-                  <a:pt x="0" y="7815496"/>
-                </a:lnTo>
-                <a:lnTo>
-                  <a:pt x="0" y="0"/>
-                </a:lnTo>
-                <a:close/>
-              </a:path>
-            </a:pathLst>
-          </a:custGeom>
-          <a:blipFill>
-            <a:blip r:embed="rId12">
-              <a:extLst>
-                <a:ext uri="{96DAC541-7B7A-43D3-8B79-37D633B846F1}">
-                  <asvg:svgBlip xmlns:asvg="http://schemas.microsoft.com/office/drawing/2016/SVG/main" r:embed="rId13"/>
-                </a:ext>
-              </a:extLst>
-            </a:blip>
-            <a:stretch>
-              <a:fillRect/>
-            </a:stretch>
-          </a:blipFill>
-        </p:spPr>
-      </p:sp>
-    </p:spTree>
-  </p:cSld>
-  <p:clrMapOvr>
-    <a:masterClrMapping/>
-  </p:clrMapOvr>
-</p:sld>
-</file>
-
-<file path=ppt/slides/slide20.xml><?xml version="1.0" encoding="utf-8"?>
+<file path=ppt/slides/slide22.xml><?xml version="1.0" encoding="utf-8"?>
 <p:sld xmlns:a="http://schemas.openxmlformats.org/drawingml/2006/main" xmlns:r="http://schemas.openxmlformats.org/officeDocument/2006/relationships" xmlns:p="http://schemas.openxmlformats.org/presentationml/2006/main">
   <p:cSld>
     <p:spTree>
@@ -9059,7 +9919,7 @@
                 <a:solidFill>
                   <a:srgbClr val="231F20"/>
                 </a:solidFill>
-                <a:latin typeface="Oswald Bold"/>
+                <a:latin typeface="Oswald Bold" panose="00000800000000000000"/>
               </a:rPr>
               <a:t>FUTURE ENHANCEMENT &amp; OUR GOALS</a:t>
             </a:r>
@@ -9067,7 +9927,7 @@
               <a:solidFill>
                 <a:srgbClr val="231F20"/>
               </a:solidFill>
-              <a:latin typeface="Oswald Bold"/>
+              <a:latin typeface="Oswald Bold" panose="00000800000000000000"/>
             </a:endParaRPr>
           </a:p>
         </p:txBody>
@@ -9080,7 +9940,7 @@
 </p:sld>
 </file>
 
-<file path=ppt/slides/slide21.xml><?xml version="1.0" encoding="utf-8"?>
+<file path=ppt/slides/slide23.xml><?xml version="1.0" encoding="utf-8"?>
 <p:sld xmlns:a="http://schemas.openxmlformats.org/drawingml/2006/main" xmlns:r="http://schemas.openxmlformats.org/officeDocument/2006/relationships" xmlns:p="http://schemas.openxmlformats.org/presentationml/2006/main">
   <p:cSld>
     <p:spTree>
@@ -9322,7 +10182,7 @@
                 <a:solidFill>
                   <a:srgbClr val="231F20"/>
                 </a:solidFill>
-                <a:latin typeface="Oswald Bold"/>
+                <a:latin typeface="Oswald Bold" panose="00000800000000000000"/>
               </a:rPr>
               <a:t>THANKYOU</a:t>
             </a:r>
@@ -9330,7 +10190,7 @@
               <a:solidFill>
                 <a:srgbClr val="231F20"/>
               </a:solidFill>
-              <a:latin typeface="Oswald Bold"/>
+              <a:latin typeface="Oswald Bold" panose="00000800000000000000"/>
             </a:endParaRPr>
           </a:p>
         </p:txBody>
@@ -9533,7 +10393,7 @@
                 <a:solidFill>
                   <a:srgbClr val="231F20"/>
                 </a:solidFill>
-                <a:latin typeface="Oswald Bold"/>
+                <a:latin typeface="Oswald Bold" panose="00000800000000000000"/>
               </a:rPr>
               <a:t>CONTENT</a:t>
             </a:r>
@@ -9541,7 +10401,7 @@
               <a:solidFill>
                 <a:srgbClr val="231F20"/>
               </a:solidFill>
-              <a:latin typeface="Oswald Bold"/>
+              <a:latin typeface="Oswald Bold" panose="00000800000000000000"/>
             </a:endParaRPr>
           </a:p>
         </p:txBody>
@@ -10593,7 +11453,7 @@
                 <a:solidFill>
                   <a:srgbClr val="231F20"/>
                 </a:solidFill>
-                <a:latin typeface="Oswald Bold"/>
+                <a:latin typeface="Oswald Bold" panose="00000800000000000000"/>
               </a:rPr>
               <a:t>ABOUT PROJECT</a:t>
             </a:r>
@@ -10601,7 +11461,7 @@
               <a:solidFill>
                 <a:srgbClr val="231F20"/>
               </a:solidFill>
-              <a:latin typeface="Oswald Bold"/>
+              <a:latin typeface="Oswald Bold" panose="00000800000000000000"/>
             </a:endParaRPr>
           </a:p>
           <a:p>
@@ -10615,7 +11475,7 @@
                 <a:solidFill>
                   <a:srgbClr val="231F20"/>
                 </a:solidFill>
-                <a:latin typeface="Oswald Bold"/>
+                <a:latin typeface="Oswald Bold" panose="00000800000000000000"/>
               </a:rPr>
               <a:t> 	</a:t>
             </a:r>
@@ -10623,7 +11483,7 @@
               <a:solidFill>
                 <a:srgbClr val="231F20"/>
               </a:solidFill>
-              <a:latin typeface="Oswald Bold"/>
+              <a:latin typeface="Oswald Bold" panose="00000800000000000000"/>
             </a:endParaRPr>
           </a:p>
         </p:txBody>
@@ -10715,6 +11575,58 @@
       </p:grpSpPr>
       <p:sp>
         <p:nvSpPr>
+          <p:cNvPr id="32" name="Freeform 32"/>
+          <p:cNvSpPr/>
+          <p:nvPr/>
+        </p:nvSpPr>
+        <p:spPr>
+          <a:xfrm rot="887923">
+            <a:off x="-5781616" y="5526355"/>
+            <a:ext cx="13977230" cy="14342307"/>
+          </a:xfrm>
+          <a:custGeom>
+            <a:avLst/>
+            <a:gdLst/>
+            <a:ahLst/>
+            <a:cxnLst/>
+            <a:rect l="l" t="t" r="r" b="b"/>
+            <a:pathLst>
+              <a:path w="13977230" h="14342307">
+                <a:moveTo>
+                  <a:pt x="0" y="0"/>
+                </a:moveTo>
+                <a:lnTo>
+                  <a:pt x="13977230" y="0"/>
+                </a:lnTo>
+                <a:lnTo>
+                  <a:pt x="13977230" y="14342307"/>
+                </a:lnTo>
+                <a:lnTo>
+                  <a:pt x="0" y="14342307"/>
+                </a:lnTo>
+                <a:lnTo>
+                  <a:pt x="0" y="0"/>
+                </a:lnTo>
+                <a:close/>
+              </a:path>
+            </a:pathLst>
+          </a:custGeom>
+          <a:blipFill>
+            <a:blip r:embed="rId1">
+              <a:extLst>
+                <a:ext uri="{96DAC541-7B7A-43D3-8B79-37D633B846F1}">
+                  <asvg:svgBlip xmlns:asvg="http://schemas.microsoft.com/office/drawing/2016/SVG/main" r:embed="rId2"/>
+                </a:ext>
+              </a:extLst>
+            </a:blip>
+            <a:stretch>
+              <a:fillRect/>
+            </a:stretch>
+          </a:blipFill>
+        </p:spPr>
+      </p:sp>
+      <p:sp>
+        <p:nvSpPr>
           <p:cNvPr id="2" name="Freeform 2"/>
           <p:cNvSpPr/>
           <p:nvPr/>
@@ -10752,7 +11664,7 @@
             </a:pathLst>
           </a:custGeom>
           <a:blipFill>
-            <a:blip r:embed="rId1"/>
+            <a:blip r:embed="rId3"/>
             <a:stretch>
               <a:fillRect t="-38888" b="-38888"/>
             </a:stretch>
@@ -10798,10 +11710,10 @@
             </a:pathLst>
           </a:custGeom>
           <a:blipFill>
-            <a:blip r:embed="rId2">
+            <a:blip r:embed="rId1">
               <a:extLst>
                 <a:ext uri="{96DAC541-7B7A-43D3-8B79-37D633B846F1}">
-                  <asvg:svgBlip xmlns:asvg="http://schemas.microsoft.com/office/drawing/2016/SVG/main" r:embed="rId3"/>
+                  <asvg:svgBlip xmlns:asvg="http://schemas.microsoft.com/office/drawing/2016/SVG/main" r:embed="rId2"/>
                 </a:ext>
               </a:extLst>
             </a:blip>
@@ -10813,140 +11725,13 @@
       </p:sp>
       <p:grpSp>
         <p:nvGrpSpPr>
-          <p:cNvPr id="4" name="Group 4"/>
+          <p:cNvPr id="7" name="Group 7"/>
           <p:cNvGrpSpPr/>
           <p:nvPr/>
         </p:nvGrpSpPr>
         <p:grpSpPr>
           <a:xfrm>
-            <a:off x="1712497" y="4482116"/>
-            <a:ext cx="2932415" cy="2620078"/>
-            <a:chOff x="0" y="0"/>
-            <a:chExt cx="1075555" cy="924924"/>
-          </a:xfrm>
-        </p:grpSpPr>
-        <p:sp>
-          <p:nvSpPr>
-            <p:cNvPr id="5" name="Freeform 5"/>
-            <p:cNvSpPr/>
-            <p:nvPr/>
-          </p:nvSpPr>
-          <p:spPr>
-            <a:xfrm>
-              <a:off x="0" y="0"/>
-              <a:ext cx="1075555" cy="924924"/>
-            </a:xfrm>
-            <a:custGeom>
-              <a:avLst/>
-              <a:gdLst/>
-              <a:ahLst/>
-              <a:cxnLst/>
-              <a:rect l="l" t="t" r="r" b="b"/>
-              <a:pathLst>
-                <a:path w="1075555" h="924924">
-                  <a:moveTo>
-                    <a:pt x="81844" y="0"/>
-                  </a:moveTo>
-                  <a:lnTo>
-                    <a:pt x="993712" y="0"/>
-                  </a:lnTo>
-                  <a:cubicBezTo>
-                    <a:pt x="1015418" y="0"/>
-                    <a:pt x="1036235" y="8623"/>
-                    <a:pt x="1051584" y="23971"/>
-                  </a:cubicBezTo>
-                  <a:cubicBezTo>
-                    <a:pt x="1066932" y="39320"/>
-                    <a:pt x="1075555" y="60137"/>
-                    <a:pt x="1075555" y="81844"/>
-                  </a:cubicBezTo>
-                  <a:lnTo>
-                    <a:pt x="1075555" y="843081"/>
-                  </a:lnTo>
-                  <a:cubicBezTo>
-                    <a:pt x="1075555" y="864787"/>
-                    <a:pt x="1066932" y="885604"/>
-                    <a:pt x="1051584" y="900953"/>
-                  </a:cubicBezTo>
-                  <a:cubicBezTo>
-                    <a:pt x="1036235" y="916301"/>
-                    <a:pt x="1015418" y="924924"/>
-                    <a:pt x="993712" y="924924"/>
-                  </a:cubicBezTo>
-                  <a:lnTo>
-                    <a:pt x="81844" y="924924"/>
-                  </a:lnTo>
-                  <a:cubicBezTo>
-                    <a:pt x="60137" y="924924"/>
-                    <a:pt x="39320" y="916301"/>
-                    <a:pt x="23971" y="900953"/>
-                  </a:cubicBezTo>
-                  <a:cubicBezTo>
-                    <a:pt x="8623" y="885604"/>
-                    <a:pt x="0" y="864787"/>
-                    <a:pt x="0" y="843081"/>
-                  </a:cubicBezTo>
-                  <a:lnTo>
-                    <a:pt x="0" y="81844"/>
-                  </a:lnTo>
-                  <a:cubicBezTo>
-                    <a:pt x="0" y="60137"/>
-                    <a:pt x="8623" y="39320"/>
-                    <a:pt x="23971" y="23971"/>
-                  </a:cubicBezTo>
-                  <a:cubicBezTo>
-                    <a:pt x="39320" y="8623"/>
-                    <a:pt x="60137" y="0"/>
-                    <a:pt x="81844" y="0"/>
-                  </a:cubicBezTo>
-                  <a:close/>
-                </a:path>
-              </a:pathLst>
-            </a:custGeom>
-            <a:solidFill>
-              <a:srgbClr val="FFFFFF">
-                <a:alpha val="98824"/>
-              </a:srgbClr>
-            </a:solidFill>
-          </p:spPr>
-        </p:sp>
-        <p:sp>
-          <p:nvSpPr>
-            <p:cNvPr id="6" name="TextBox 6"/>
-            <p:cNvSpPr txBox="1"/>
-            <p:nvPr/>
-          </p:nvSpPr>
-          <p:spPr>
-            <a:xfrm>
-              <a:off x="0" y="-19050"/>
-              <a:ext cx="1075555" cy="943974"/>
-            </a:xfrm>
-            <a:prstGeom prst="rect">
-              <a:avLst/>
-            </a:prstGeom>
-          </p:spPr>
-          <p:txBody>
-            <a:bodyPr lIns="50800" tIns="50800" rIns="50800" bIns="50800" rtlCol="0" anchor="ctr"/>
-            <a:lstStyle/>
-            <a:p>
-              <a:pPr algn="ctr">
-                <a:lnSpc>
-                  <a:spcPts val="2860"/>
-                </a:lnSpc>
-              </a:pPr>
-            </a:p>
-          </p:txBody>
-        </p:sp>
-      </p:grpSp>
-      <p:grpSp>
-        <p:nvGrpSpPr>
-          <p:cNvPr id="7" name="Group 7"/>
-          <p:cNvGrpSpPr/>
-          <p:nvPr/>
-        </p:nvGrpSpPr>
-        <p:grpSpPr>
-          <a:xfrm>
-            <a:off x="1712497" y="7247705"/>
+            <a:off x="1836322" y="3214185"/>
             <a:ext cx="2932415" cy="847111"/>
             <a:chOff x="0" y="0"/>
             <a:chExt cx="1075555" cy="310705"/>
@@ -11060,145 +11845,710 @@
           </p:txBody>
         </p:sp>
       </p:grpSp>
+      <p:sp>
+        <p:nvSpPr>
+          <p:cNvPr id="23" name="TextBox 23"/>
+          <p:cNvSpPr txBox="1"/>
+          <p:nvPr/>
+        </p:nvSpPr>
+        <p:spPr>
+          <a:xfrm>
+            <a:off x="1538605" y="52070"/>
+            <a:ext cx="7996555" cy="1668780"/>
+          </a:xfrm>
+          <a:prstGeom prst="rect">
+            <a:avLst/>
+          </a:prstGeom>
+        </p:spPr>
+        <p:txBody>
+          <a:bodyPr wrap="square" lIns="0" tIns="0" rIns="0" bIns="0" rtlCol="0" anchor="t">
+            <a:spAutoFit/>
+          </a:bodyPr>
+          <a:lstStyle/>
+          <a:p>
+            <a:pPr marL="0" lvl="0" indent="0" algn="ctr">
+              <a:lnSpc>
+                <a:spcPts val="13015"/>
+              </a:lnSpc>
+              <a:spcBef>
+                <a:spcPct val="0"/>
+              </a:spcBef>
+            </a:pPr>
+            <a:r>
+              <a:rPr lang="en-US" sz="6000" spc="924">
+                <a:solidFill>
+                  <a:srgbClr val="231F20"/>
+                </a:solidFill>
+                <a:latin typeface="Oswald Bold" panose="00000800000000000000"/>
+              </a:rPr>
+              <a:t>PROJECT STACK</a:t>
+            </a:r>
+            <a:endParaRPr lang="en-US" sz="6000" spc="924">
+              <a:solidFill>
+                <a:srgbClr val="231F20"/>
+              </a:solidFill>
+              <a:latin typeface="Oswald Bold" panose="00000800000000000000"/>
+            </a:endParaRPr>
+          </a:p>
+        </p:txBody>
+      </p:sp>
+      <p:sp>
+        <p:nvSpPr>
+          <p:cNvPr id="24" name="TextBox 24"/>
+          <p:cNvSpPr txBox="1"/>
+          <p:nvPr/>
+        </p:nvSpPr>
+        <p:spPr>
+          <a:xfrm>
+            <a:off x="2024238" y="3384504"/>
+            <a:ext cx="2556583" cy="478790"/>
+          </a:xfrm>
+          <a:prstGeom prst="rect">
+            <a:avLst/>
+          </a:prstGeom>
+        </p:spPr>
+        <p:txBody>
+          <a:bodyPr lIns="0" tIns="0" rIns="0" bIns="0" rtlCol="0" anchor="t">
+            <a:spAutoFit/>
+          </a:bodyPr>
+          <a:lstStyle/>
+          <a:p>
+            <a:pPr marL="0" lvl="0" indent="0" algn="ctr">
+              <a:lnSpc>
+                <a:spcPts val="3735"/>
+              </a:lnSpc>
+              <a:spcBef>
+                <a:spcPct val="0"/>
+              </a:spcBef>
+            </a:pPr>
+            <a:r>
+              <a:rPr lang="en-US" sz="2710" spc="265" dirty="0">
+                <a:solidFill>
+                  <a:srgbClr val="231F20"/>
+                </a:solidFill>
+                <a:latin typeface="Oswald" panose="00000500000000000000"/>
+              </a:rPr>
+              <a:t>React JS</a:t>
+            </a:r>
+            <a:endParaRPr lang="en-US" sz="2710" spc="265" dirty="0">
+              <a:solidFill>
+                <a:srgbClr val="231F20"/>
+              </a:solidFill>
+              <a:latin typeface="Oswald" panose="00000500000000000000"/>
+            </a:endParaRPr>
+          </a:p>
+        </p:txBody>
+      </p:sp>
+      <p:sp>
+        <p:nvSpPr>
+          <p:cNvPr id="25" name="TextBox 25"/>
+          <p:cNvSpPr txBox="1"/>
+          <p:nvPr/>
+        </p:nvSpPr>
+        <p:spPr>
+          <a:xfrm>
+            <a:off x="1828800" y="4533900"/>
+            <a:ext cx="12141200" cy="5443855"/>
+          </a:xfrm>
+          <a:prstGeom prst="rect">
+            <a:avLst/>
+          </a:prstGeom>
+        </p:spPr>
+        <p:txBody>
+          <a:bodyPr wrap="square" lIns="0" tIns="0" rIns="0" bIns="0" rtlCol="0" anchor="t">
+            <a:noAutofit/>
+          </a:bodyPr>
+          <a:lstStyle/>
+          <a:p>
+            <a:pPr algn="l">
+              <a:lnSpc>
+                <a:spcPts val="1995"/>
+              </a:lnSpc>
+            </a:pPr>
+            <a:r>
+              <a:rPr lang="en-US" sz="2200" b="1" dirty="0">
+                <a:solidFill>
+                  <a:srgbClr val="100F0D"/>
+                </a:solidFill>
+                <a:latin typeface="Montserrat Light" panose="00000400000000000000"/>
+              </a:rPr>
+              <a:t>Usage: </a:t>
+            </a:r>
+            <a:endParaRPr lang="en-US" sz="2200" b="1" dirty="0">
+              <a:solidFill>
+                <a:srgbClr val="100F0D"/>
+              </a:solidFill>
+              <a:latin typeface="Montserrat Light" panose="00000400000000000000"/>
+            </a:endParaRPr>
+          </a:p>
+          <a:p>
+            <a:pPr algn="l">
+              <a:lnSpc>
+                <a:spcPts val="1995"/>
+              </a:lnSpc>
+            </a:pPr>
+            <a:endParaRPr lang="en-US" sz="2200" b="1" dirty="0">
+              <a:solidFill>
+                <a:srgbClr val="100F0D"/>
+              </a:solidFill>
+              <a:latin typeface="Montserrat Light" panose="00000400000000000000"/>
+            </a:endParaRPr>
+          </a:p>
+          <a:p>
+            <a:pPr algn="l">
+              <a:lnSpc>
+                <a:spcPts val="1995"/>
+              </a:lnSpc>
+            </a:pPr>
+            <a:r>
+              <a:rPr lang="en-US" sz="2200" dirty="0">
+                <a:solidFill>
+                  <a:srgbClr val="100F0D"/>
+                </a:solidFill>
+                <a:latin typeface="Montserrat Light" panose="00000400000000000000"/>
+                <a:sym typeface="+mn-ea"/>
+              </a:rPr>
+              <a:t>We used React to build the frontend of our ChatApp.</a:t>
+            </a:r>
+            <a:endParaRPr lang="en-US" sz="2200" dirty="0">
+              <a:solidFill>
+                <a:srgbClr val="100F0D"/>
+              </a:solidFill>
+              <a:latin typeface="Montserrat Light" panose="00000400000000000000"/>
+              <a:sym typeface="+mn-ea"/>
+            </a:endParaRPr>
+          </a:p>
+          <a:p>
+            <a:pPr algn="l">
+              <a:lnSpc>
+                <a:spcPts val="1995"/>
+              </a:lnSpc>
+            </a:pPr>
+            <a:endParaRPr lang="en-US" sz="2200" b="1" dirty="0">
+              <a:solidFill>
+                <a:srgbClr val="100F0D"/>
+              </a:solidFill>
+              <a:latin typeface="Montserrat Light" panose="00000400000000000000"/>
+            </a:endParaRPr>
+          </a:p>
+          <a:p>
+            <a:pPr algn="l">
+              <a:lnSpc>
+                <a:spcPts val="1995"/>
+              </a:lnSpc>
+            </a:pPr>
+            <a:endParaRPr lang="en-US" sz="2200" b="1" dirty="0">
+              <a:solidFill>
+                <a:srgbClr val="100F0D"/>
+              </a:solidFill>
+              <a:latin typeface="Montserrat Light" panose="00000400000000000000"/>
+            </a:endParaRPr>
+          </a:p>
+          <a:p>
+            <a:pPr algn="l">
+              <a:lnSpc>
+                <a:spcPts val="1995"/>
+              </a:lnSpc>
+            </a:pPr>
+            <a:r>
+              <a:rPr lang="en-US" sz="2200" b="1" dirty="0">
+                <a:solidFill>
+                  <a:srgbClr val="100F0D"/>
+                </a:solidFill>
+                <a:latin typeface="Montserrat Light" panose="00000400000000000000"/>
+              </a:rPr>
+              <a:t>Implementation:</a:t>
+            </a:r>
+            <a:endParaRPr lang="en-US" sz="2200" b="1" dirty="0">
+              <a:solidFill>
+                <a:srgbClr val="100F0D"/>
+              </a:solidFill>
+              <a:latin typeface="Montserrat Light" panose="00000400000000000000"/>
+            </a:endParaRPr>
+          </a:p>
+          <a:p>
+            <a:pPr algn="l">
+              <a:lnSpc>
+                <a:spcPts val="1995"/>
+              </a:lnSpc>
+            </a:pPr>
+            <a:endParaRPr lang="en-US" sz="1400" dirty="0">
+              <a:solidFill>
+                <a:srgbClr val="100F0D"/>
+              </a:solidFill>
+              <a:latin typeface="Montserrat Light" panose="00000400000000000000"/>
+            </a:endParaRPr>
+          </a:p>
+          <a:p>
+            <a:pPr algn="l">
+              <a:lnSpc>
+                <a:spcPts val="1995"/>
+              </a:lnSpc>
+            </a:pPr>
+            <a:r>
+              <a:rPr lang="en-US" dirty="0">
+                <a:solidFill>
+                  <a:schemeClr val="tx1"/>
+                </a:solidFill>
+                <a:latin typeface="Montserrat Light" panose="00000400000000000000"/>
+              </a:rPr>
+              <a:t>BrowserRouter: For handling client-side routing and navigation.</a:t>
+            </a:r>
+            <a:endParaRPr lang="en-US" dirty="0">
+              <a:solidFill>
+                <a:schemeClr val="tx1"/>
+              </a:solidFill>
+              <a:latin typeface="Montserrat Light" panose="00000400000000000000"/>
+            </a:endParaRPr>
+          </a:p>
+          <a:p>
+            <a:pPr algn="l">
+              <a:lnSpc>
+                <a:spcPts val="1995"/>
+              </a:lnSpc>
+            </a:pPr>
+            <a:endParaRPr lang="en-US" dirty="0">
+              <a:solidFill>
+                <a:schemeClr val="tx1"/>
+              </a:solidFill>
+              <a:latin typeface="Montserrat Light" panose="00000400000000000000"/>
+            </a:endParaRPr>
+          </a:p>
+          <a:p>
+            <a:pPr algn="l">
+              <a:lnSpc>
+                <a:spcPts val="1995"/>
+              </a:lnSpc>
+            </a:pPr>
+            <a:r>
+              <a:rPr lang="en-US" dirty="0">
+                <a:solidFill>
+                  <a:schemeClr val="tx1"/>
+                </a:solidFill>
+                <a:latin typeface="Montserrat Light" panose="00000400000000000000"/>
+              </a:rPr>
+              <a:t>MUI: For designing responsive and visually appealing user interfaces.</a:t>
+            </a:r>
+            <a:endParaRPr lang="en-US" dirty="0">
+              <a:solidFill>
+                <a:schemeClr val="tx1"/>
+              </a:solidFill>
+              <a:latin typeface="Montserrat Light" panose="00000400000000000000"/>
+            </a:endParaRPr>
+          </a:p>
+          <a:p>
+            <a:pPr algn="l">
+              <a:lnSpc>
+                <a:spcPts val="1995"/>
+              </a:lnSpc>
+            </a:pPr>
+            <a:endParaRPr lang="en-US" dirty="0">
+              <a:solidFill>
+                <a:schemeClr val="tx1"/>
+              </a:solidFill>
+              <a:latin typeface="Montserrat Light" panose="00000400000000000000"/>
+            </a:endParaRPr>
+          </a:p>
+          <a:p>
+            <a:pPr algn="l">
+              <a:lnSpc>
+                <a:spcPts val="1995"/>
+              </a:lnSpc>
+            </a:pPr>
+            <a:r>
+              <a:rPr lang="en-US" dirty="0">
+                <a:solidFill>
+                  <a:schemeClr val="tx1"/>
+                </a:solidFill>
+                <a:latin typeface="Montserrat Light" panose="00000400000000000000"/>
+              </a:rPr>
+              <a:t>socket.io-client: For enabling real-time communication between the client and server.</a:t>
+            </a:r>
+            <a:endParaRPr lang="en-US" dirty="0">
+              <a:solidFill>
+                <a:schemeClr val="tx1"/>
+              </a:solidFill>
+              <a:latin typeface="Montserrat Light" panose="00000400000000000000"/>
+            </a:endParaRPr>
+          </a:p>
+          <a:p>
+            <a:pPr algn="l">
+              <a:lnSpc>
+                <a:spcPts val="1995"/>
+              </a:lnSpc>
+            </a:pPr>
+            <a:endParaRPr lang="en-US" dirty="0">
+              <a:solidFill>
+                <a:schemeClr val="tx1"/>
+              </a:solidFill>
+              <a:latin typeface="Montserrat Light" panose="00000400000000000000"/>
+            </a:endParaRPr>
+          </a:p>
+          <a:p>
+            <a:pPr algn="l">
+              <a:lnSpc>
+                <a:spcPts val="1995"/>
+              </a:lnSpc>
+            </a:pPr>
+            <a:r>
+              <a:rPr lang="en-US" dirty="0">
+                <a:solidFill>
+                  <a:schemeClr val="tx1"/>
+                </a:solidFill>
+                <a:latin typeface="Montserrat Light" panose="00000400000000000000"/>
+              </a:rPr>
+              <a:t>Yup and Formik: For form validation and management.</a:t>
+            </a:r>
+            <a:endParaRPr lang="en-US" dirty="0">
+              <a:solidFill>
+                <a:schemeClr val="tx1"/>
+              </a:solidFill>
+              <a:latin typeface="Montserrat Light" panose="00000400000000000000"/>
+            </a:endParaRPr>
+          </a:p>
+          <a:p>
+            <a:pPr algn="l">
+              <a:lnSpc>
+                <a:spcPts val="1995"/>
+              </a:lnSpc>
+            </a:pPr>
+            <a:endParaRPr lang="en-US" dirty="0">
+              <a:solidFill>
+                <a:schemeClr val="tx1"/>
+              </a:solidFill>
+              <a:latin typeface="Montserrat Light" panose="00000400000000000000"/>
+            </a:endParaRPr>
+          </a:p>
+          <a:p>
+            <a:pPr algn="l">
+              <a:lnSpc>
+                <a:spcPts val="1995"/>
+              </a:lnSpc>
+            </a:pPr>
+            <a:r>
+              <a:rPr lang="en-US" dirty="0">
+                <a:solidFill>
+                  <a:schemeClr val="tx1"/>
+                </a:solidFill>
+                <a:latin typeface="Montserrat Light" panose="00000400000000000000"/>
+              </a:rPr>
+              <a:t>google-map-react: For integrating Google Maps to enable location sharing.</a:t>
+            </a:r>
+            <a:endParaRPr lang="en-US" dirty="0">
+              <a:solidFill>
+                <a:schemeClr val="tx1"/>
+              </a:solidFill>
+              <a:latin typeface="Montserrat Light" panose="00000400000000000000"/>
+            </a:endParaRPr>
+          </a:p>
+          <a:p>
+            <a:pPr algn="l">
+              <a:lnSpc>
+                <a:spcPts val="1995"/>
+              </a:lnSpc>
+            </a:pPr>
+            <a:endParaRPr lang="en-US" dirty="0">
+              <a:solidFill>
+                <a:schemeClr val="tx1"/>
+              </a:solidFill>
+              <a:latin typeface="Montserrat Light" panose="00000400000000000000"/>
+            </a:endParaRPr>
+          </a:p>
+          <a:p>
+            <a:pPr algn="l">
+              <a:lnSpc>
+                <a:spcPts val="1995"/>
+              </a:lnSpc>
+            </a:pPr>
+            <a:r>
+              <a:rPr lang="en-US" dirty="0">
+                <a:solidFill>
+                  <a:schemeClr val="tx1"/>
+                </a:solidFill>
+                <a:latin typeface="Montserrat Light" panose="00000400000000000000"/>
+              </a:rPr>
+              <a:t>Moment: For managing and displaying dates and times.</a:t>
+            </a:r>
+            <a:endParaRPr lang="en-US" dirty="0">
+              <a:solidFill>
+                <a:schemeClr val="tx1"/>
+              </a:solidFill>
+              <a:latin typeface="Montserrat Light" panose="00000400000000000000"/>
+            </a:endParaRPr>
+          </a:p>
+          <a:p>
+            <a:pPr algn="l">
+              <a:lnSpc>
+                <a:spcPts val="1995"/>
+              </a:lnSpc>
+            </a:pPr>
+            <a:endParaRPr lang="en-US" dirty="0">
+              <a:solidFill>
+                <a:schemeClr val="tx1"/>
+              </a:solidFill>
+              <a:latin typeface="Montserrat Light" panose="00000400000000000000"/>
+            </a:endParaRPr>
+          </a:p>
+          <a:p>
+            <a:pPr algn="l">
+              <a:lnSpc>
+                <a:spcPts val="1995"/>
+              </a:lnSpc>
+            </a:pPr>
+            <a:r>
+              <a:rPr lang="en-US" dirty="0">
+                <a:solidFill>
+                  <a:schemeClr val="tx1"/>
+                </a:solidFill>
+                <a:latin typeface="Montserrat Light" panose="00000400000000000000"/>
+              </a:rPr>
+              <a:t>Redux: For maintaining a consistent application state across different components.</a:t>
+            </a:r>
+            <a:endParaRPr lang="en-US" dirty="0">
+              <a:solidFill>
+                <a:schemeClr val="tx1"/>
+              </a:solidFill>
+              <a:latin typeface="Montserrat Light" panose="00000400000000000000"/>
+            </a:endParaRPr>
+          </a:p>
+        </p:txBody>
+      </p:sp>
+      <p:sp>
+        <p:nvSpPr>
+          <p:cNvPr id="31" name="TextBox 31"/>
+          <p:cNvSpPr txBox="1"/>
+          <p:nvPr/>
+        </p:nvSpPr>
+        <p:spPr>
+          <a:xfrm>
+            <a:off x="1836286" y="1710600"/>
+            <a:ext cx="10694787" cy="1125568"/>
+          </a:xfrm>
+          <a:prstGeom prst="rect">
+            <a:avLst/>
+          </a:prstGeom>
+        </p:spPr>
+        <p:txBody>
+          <a:bodyPr lIns="0" tIns="0" rIns="0" bIns="0" rtlCol="0" anchor="t">
+            <a:spAutoFit/>
+          </a:bodyPr>
+          <a:lstStyle/>
+          <a:p>
+            <a:pPr>
+              <a:lnSpc>
+                <a:spcPts val="3060"/>
+              </a:lnSpc>
+            </a:pPr>
+            <a:r>
+              <a:rPr lang="en-US" sz="2185">
+                <a:solidFill>
+                  <a:srgbClr val="100F0D"/>
+                </a:solidFill>
+                <a:latin typeface="Montserrat Light" panose="00000400000000000000"/>
+              </a:rPr>
+              <a:t>The project stack includes React.js for frontend, Node.js with Express.js for backend, MongoDB for database, and Socket.IO for real-time communication, ensuring efficient development, scalability, and dynamic user interactions.</a:t>
+            </a:r>
+            <a:endParaRPr lang="en-US" sz="2185">
+              <a:solidFill>
+                <a:srgbClr val="100F0D"/>
+              </a:solidFill>
+              <a:latin typeface="Montserrat Light" panose="00000400000000000000"/>
+            </a:endParaRPr>
+          </a:p>
+        </p:txBody>
+      </p:sp>
+    </p:spTree>
+  </p:cSld>
+  <p:clrMapOvr>
+    <a:masterClrMapping/>
+  </p:clrMapOvr>
+</p:sld>
+</file>
+
+<file path=ppt/slides/slide6.xml><?xml version="1.0" encoding="utf-8"?>
+<p:sld xmlns:a="http://schemas.openxmlformats.org/drawingml/2006/main" xmlns:r="http://schemas.openxmlformats.org/officeDocument/2006/relationships" xmlns:p="http://schemas.openxmlformats.org/presentationml/2006/main">
+  <p:cSld>
+    <p:spTree>
+      <p:nvGrpSpPr>
+        <p:cNvPr id="1" name=""/>
+        <p:cNvGrpSpPr/>
+        <p:nvPr/>
+      </p:nvGrpSpPr>
+      <p:grpSpPr>
+        <a:xfrm>
+          <a:off x="0" y="0"/>
+          <a:ext cx="0" cy="0"/>
+          <a:chOff x="0" y="0"/>
+          <a:chExt cx="0" cy="0"/>
+        </a:xfrm>
+      </p:grpSpPr>
+      <p:sp>
+        <p:nvSpPr>
+          <p:cNvPr id="32" name="Freeform 32"/>
+          <p:cNvSpPr/>
+          <p:nvPr/>
+        </p:nvSpPr>
+        <p:spPr>
+          <a:xfrm rot="887923">
+            <a:off x="-5781616" y="5526355"/>
+            <a:ext cx="13977230" cy="14342307"/>
+          </a:xfrm>
+          <a:custGeom>
+            <a:avLst/>
+            <a:gdLst/>
+            <a:ahLst/>
+            <a:cxnLst/>
+            <a:rect l="l" t="t" r="r" b="b"/>
+            <a:pathLst>
+              <a:path w="13977230" h="14342307">
+                <a:moveTo>
+                  <a:pt x="0" y="0"/>
+                </a:moveTo>
+                <a:lnTo>
+                  <a:pt x="13977230" y="0"/>
+                </a:lnTo>
+                <a:lnTo>
+                  <a:pt x="13977230" y="14342307"/>
+                </a:lnTo>
+                <a:lnTo>
+                  <a:pt x="0" y="14342307"/>
+                </a:lnTo>
+                <a:lnTo>
+                  <a:pt x="0" y="0"/>
+                </a:lnTo>
+                <a:close/>
+              </a:path>
+            </a:pathLst>
+          </a:custGeom>
+          <a:blipFill>
+            <a:blip r:embed="rId1">
+              <a:extLst>
+                <a:ext uri="{96DAC541-7B7A-43D3-8B79-37D633B846F1}">
+                  <asvg:svgBlip xmlns:asvg="http://schemas.microsoft.com/office/drawing/2016/SVG/main" r:embed="rId2"/>
+                </a:ext>
+              </a:extLst>
+            </a:blip>
+            <a:stretch>
+              <a:fillRect/>
+            </a:stretch>
+          </a:blipFill>
+        </p:spPr>
+      </p:sp>
+      <p:sp>
+        <p:nvSpPr>
+          <p:cNvPr id="2" name="Freeform 2"/>
+          <p:cNvSpPr/>
+          <p:nvPr/>
+        </p:nvSpPr>
+        <p:spPr>
+          <a:xfrm flipH="1" flipV="1">
+            <a:off x="0" y="0"/>
+            <a:ext cx="18288000" cy="10287000"/>
+          </a:xfrm>
+          <a:custGeom>
+            <a:avLst/>
+            <a:gdLst/>
+            <a:ahLst/>
+            <a:cxnLst/>
+            <a:rect l="l" t="t" r="r" b="b"/>
+            <a:pathLst>
+              <a:path w="18288000" h="10287000">
+                <a:moveTo>
+                  <a:pt x="18288000" y="10287000"/>
+                </a:moveTo>
+                <a:lnTo>
+                  <a:pt x="0" y="10287000"/>
+                </a:lnTo>
+                <a:lnTo>
+                  <a:pt x="0" y="0"/>
+                </a:lnTo>
+                <a:lnTo>
+                  <a:pt x="18288000" y="0"/>
+                </a:lnTo>
+                <a:lnTo>
+                  <a:pt x="18288000" y="10287000"/>
+                </a:lnTo>
+                <a:close/>
+              </a:path>
+            </a:pathLst>
+          </a:custGeom>
+          <a:blipFill>
+            <a:blip r:embed="rId3"/>
+            <a:stretch>
+              <a:fillRect t="-38888" b="-38888"/>
+            </a:stretch>
+          </a:blipFill>
+        </p:spPr>
+      </p:sp>
+      <p:sp>
+        <p:nvSpPr>
+          <p:cNvPr id="3" name="Freeform 3"/>
+          <p:cNvSpPr/>
+          <p:nvPr/>
+        </p:nvSpPr>
+        <p:spPr>
+          <a:xfrm rot="887923">
+            <a:off x="13475833" y="-8787301"/>
+            <a:ext cx="13977230" cy="14342307"/>
+          </a:xfrm>
+          <a:custGeom>
+            <a:avLst/>
+            <a:gdLst/>
+            <a:ahLst/>
+            <a:cxnLst/>
+            <a:rect l="l" t="t" r="r" b="b"/>
+            <a:pathLst>
+              <a:path w="13977230" h="14342307">
+                <a:moveTo>
+                  <a:pt x="0" y="0"/>
+                </a:moveTo>
+                <a:lnTo>
+                  <a:pt x="13977230" y="0"/>
+                </a:lnTo>
+                <a:lnTo>
+                  <a:pt x="13977230" y="14342307"/>
+                </a:lnTo>
+                <a:lnTo>
+                  <a:pt x="0" y="14342307"/>
+                </a:lnTo>
+                <a:lnTo>
+                  <a:pt x="0" y="0"/>
+                </a:lnTo>
+                <a:close/>
+              </a:path>
+            </a:pathLst>
+          </a:custGeom>
+          <a:blipFill>
+            <a:blip r:embed="rId1">
+              <a:extLst>
+                <a:ext uri="{96DAC541-7B7A-43D3-8B79-37D633B846F1}">
+                  <asvg:svgBlip xmlns:asvg="http://schemas.microsoft.com/office/drawing/2016/SVG/main" r:embed="rId2"/>
+                </a:ext>
+              </a:extLst>
+            </a:blip>
+            <a:stretch>
+              <a:fillRect/>
+            </a:stretch>
+          </a:blipFill>
+        </p:spPr>
+      </p:sp>
       <p:grpSp>
         <p:nvGrpSpPr>
-          <p:cNvPr id="10" name="Group 10"/>
+          <p:cNvPr id="7" name="Group 7"/>
           <p:cNvGrpSpPr/>
           <p:nvPr/>
         </p:nvGrpSpPr>
         <p:grpSpPr>
           <a:xfrm>
-            <a:off x="6691617" y="4160922"/>
-            <a:ext cx="2932415" cy="3368843"/>
+            <a:off x="1869342" y="324935"/>
+            <a:ext cx="2932415" cy="847111"/>
             <a:chOff x="0" y="0"/>
-            <a:chExt cx="1075555" cy="1235629"/>
+            <a:chExt cx="1075555" cy="310705"/>
           </a:xfrm>
         </p:grpSpPr>
         <p:sp>
           <p:nvSpPr>
-            <p:cNvPr id="11" name="Freeform 11"/>
-            <p:cNvSpPr/>
-            <p:nvPr/>
-          </p:nvSpPr>
-          <p:spPr>
-            <a:xfrm>
-              <a:off x="0" y="0"/>
-              <a:ext cx="1075555" cy="1235629"/>
-            </a:xfrm>
-            <a:custGeom>
-              <a:avLst/>
-              <a:gdLst/>
-              <a:ahLst/>
-              <a:cxnLst/>
-              <a:rect l="l" t="t" r="r" b="b"/>
-              <a:pathLst>
-                <a:path w="1075555" h="1235629">
-                  <a:moveTo>
-                    <a:pt x="81844" y="0"/>
-                  </a:moveTo>
-                  <a:lnTo>
-                    <a:pt x="993712" y="0"/>
-                  </a:lnTo>
-                  <a:cubicBezTo>
-                    <a:pt x="1015418" y="0"/>
-                    <a:pt x="1036235" y="8623"/>
-                    <a:pt x="1051584" y="23971"/>
-                  </a:cubicBezTo>
-                  <a:cubicBezTo>
-                    <a:pt x="1066932" y="39320"/>
-                    <a:pt x="1075555" y="60137"/>
-                    <a:pt x="1075555" y="81844"/>
-                  </a:cubicBezTo>
-                  <a:lnTo>
-                    <a:pt x="1075555" y="1153785"/>
-                  </a:lnTo>
-                  <a:cubicBezTo>
-                    <a:pt x="1075555" y="1175492"/>
-                    <a:pt x="1066932" y="1196309"/>
-                    <a:pt x="1051584" y="1211658"/>
-                  </a:cubicBezTo>
-                  <a:cubicBezTo>
-                    <a:pt x="1036235" y="1227006"/>
-                    <a:pt x="1015418" y="1235629"/>
-                    <a:pt x="993712" y="1235629"/>
-                  </a:cubicBezTo>
-                  <a:lnTo>
-                    <a:pt x="81844" y="1235629"/>
-                  </a:lnTo>
-                  <a:cubicBezTo>
-                    <a:pt x="36643" y="1235629"/>
-                    <a:pt x="0" y="1198986"/>
-                    <a:pt x="0" y="1153785"/>
-                  </a:cubicBezTo>
-                  <a:lnTo>
-                    <a:pt x="0" y="81844"/>
-                  </a:lnTo>
-                  <a:cubicBezTo>
-                    <a:pt x="0" y="60137"/>
-                    <a:pt x="8623" y="39320"/>
-                    <a:pt x="23971" y="23971"/>
-                  </a:cubicBezTo>
-                  <a:cubicBezTo>
-                    <a:pt x="39320" y="8623"/>
-                    <a:pt x="60137" y="0"/>
-                    <a:pt x="81844" y="0"/>
-                  </a:cubicBezTo>
-                  <a:close/>
-                </a:path>
-              </a:pathLst>
-            </a:custGeom>
-            <a:solidFill>
-              <a:srgbClr val="FFFFFF">
-                <a:alpha val="98824"/>
-              </a:srgbClr>
-            </a:solidFill>
-          </p:spPr>
-        </p:sp>
-        <p:sp>
-          <p:nvSpPr>
-            <p:cNvPr id="12" name="TextBox 12"/>
-            <p:cNvSpPr txBox="1"/>
-            <p:nvPr/>
-          </p:nvSpPr>
-          <p:spPr>
-            <a:xfrm>
-              <a:off x="0" y="-19050"/>
-              <a:ext cx="1075555" cy="1254679"/>
-            </a:xfrm>
-            <a:prstGeom prst="rect">
-              <a:avLst/>
-            </a:prstGeom>
-          </p:spPr>
-          <p:txBody>
-            <a:bodyPr lIns="50800" tIns="50800" rIns="50800" bIns="50800" rtlCol="0" anchor="ctr"/>
-            <a:lstStyle/>
-            <a:p>
-              <a:pPr algn="ctr">
-                <a:lnSpc>
-                  <a:spcPts val="2860"/>
-                </a:lnSpc>
-              </a:pPr>
-            </a:p>
-          </p:txBody>
-        </p:sp>
-      </p:grpSp>
-      <p:grpSp>
-        <p:nvGrpSpPr>
-          <p:cNvPr id="13" name="Group 13"/>
-          <p:cNvGrpSpPr/>
-          <p:nvPr/>
-        </p:nvGrpSpPr>
-        <p:grpSpPr>
-          <a:xfrm>
-            <a:off x="6691617" y="7633280"/>
-            <a:ext cx="2932415" cy="847111"/>
-            <a:chOff x="0" y="0"/>
-            <a:chExt cx="1075555" cy="310705"/>
-          </a:xfrm>
-        </p:grpSpPr>
-        <p:sp>
-          <p:nvSpPr>
-            <p:cNvPr id="14" name="Freeform 14"/>
+            <p:cNvPr id="8" name="Freeform 8"/>
             <p:cNvSpPr/>
             <p:nvPr/>
           </p:nvSpPr>
@@ -11278,7 +12628,7 @@
         </p:sp>
         <p:sp>
           <p:nvSpPr>
-            <p:cNvPr id="15" name="TextBox 15"/>
+            <p:cNvPr id="9" name="TextBox 9"/>
             <p:cNvSpPr txBox="1"/>
             <p:nvPr/>
           </p:nvSpPr>
@@ -11304,145 +12654,690 @@
           </p:txBody>
         </p:sp>
       </p:grpSp>
+      <p:sp>
+        <p:nvSpPr>
+          <p:cNvPr id="24" name="TextBox 24"/>
+          <p:cNvSpPr txBox="1"/>
+          <p:nvPr/>
+        </p:nvSpPr>
+        <p:spPr>
+          <a:xfrm>
+            <a:off x="2057258" y="495254"/>
+            <a:ext cx="2556583" cy="478790"/>
+          </a:xfrm>
+          <a:prstGeom prst="rect">
+            <a:avLst/>
+          </a:prstGeom>
+        </p:spPr>
+        <p:txBody>
+          <a:bodyPr lIns="0" tIns="0" rIns="0" bIns="0" rtlCol="0" anchor="t">
+            <a:spAutoFit/>
+          </a:bodyPr>
+          <a:lstStyle/>
+          <a:p>
+            <a:pPr marL="0" lvl="0" indent="0" algn="ctr">
+              <a:lnSpc>
+                <a:spcPts val="3735"/>
+              </a:lnSpc>
+              <a:spcBef>
+                <a:spcPct val="0"/>
+              </a:spcBef>
+            </a:pPr>
+            <a:r>
+              <a:rPr lang="en-US" sz="2710" spc="265" dirty="0">
+                <a:solidFill>
+                  <a:srgbClr val="231F20"/>
+                </a:solidFill>
+                <a:latin typeface="Oswald" panose="00000500000000000000"/>
+              </a:rPr>
+              <a:t>NodeJS</a:t>
+            </a:r>
+            <a:endParaRPr lang="en-US" sz="2710" spc="265" dirty="0">
+              <a:solidFill>
+                <a:srgbClr val="231F20"/>
+              </a:solidFill>
+              <a:latin typeface="Oswald" panose="00000500000000000000"/>
+            </a:endParaRPr>
+          </a:p>
+        </p:txBody>
+      </p:sp>
+      <p:sp>
+        <p:nvSpPr>
+          <p:cNvPr id="25" name="TextBox 25"/>
+          <p:cNvSpPr txBox="1"/>
+          <p:nvPr/>
+        </p:nvSpPr>
+        <p:spPr>
+          <a:xfrm>
+            <a:off x="1861820" y="1550670"/>
+            <a:ext cx="12141200" cy="6579870"/>
+          </a:xfrm>
+          <a:prstGeom prst="rect">
+            <a:avLst/>
+          </a:prstGeom>
+        </p:spPr>
+        <p:txBody>
+          <a:bodyPr wrap="square" lIns="0" tIns="0" rIns="0" bIns="0" rtlCol="0" anchor="t">
+            <a:noAutofit/>
+          </a:bodyPr>
+          <a:lstStyle/>
+          <a:p>
+            <a:pPr algn="l">
+              <a:lnSpc>
+                <a:spcPts val="1995"/>
+              </a:lnSpc>
+            </a:pPr>
+            <a:r>
+              <a:rPr lang="en-US" sz="2200" b="1" dirty="0">
+                <a:solidFill>
+                  <a:srgbClr val="100F0D"/>
+                </a:solidFill>
+                <a:latin typeface="Montserrat Light" panose="00000400000000000000"/>
+                <a:sym typeface="+mn-ea"/>
+              </a:rPr>
+              <a:t>Usage: </a:t>
+            </a:r>
+            <a:endParaRPr lang="en-US" sz="2200" b="1" dirty="0">
+              <a:solidFill>
+                <a:srgbClr val="100F0D"/>
+              </a:solidFill>
+              <a:latin typeface="Montserrat Light" panose="00000400000000000000"/>
+            </a:endParaRPr>
+          </a:p>
+          <a:p>
+            <a:pPr algn="l">
+              <a:lnSpc>
+                <a:spcPts val="1995"/>
+              </a:lnSpc>
+            </a:pPr>
+            <a:endParaRPr lang="en-US" sz="2200" b="1" dirty="0">
+              <a:solidFill>
+                <a:srgbClr val="100F0D"/>
+              </a:solidFill>
+              <a:latin typeface="Montserrat Light" panose="00000400000000000000"/>
+            </a:endParaRPr>
+          </a:p>
+          <a:p>
+            <a:pPr algn="l">
+              <a:lnSpc>
+                <a:spcPts val="1995"/>
+              </a:lnSpc>
+            </a:pPr>
+            <a:r>
+              <a:rPr lang="en-US" sz="2200" dirty="0">
+                <a:solidFill>
+                  <a:srgbClr val="100F0D"/>
+                </a:solidFill>
+                <a:latin typeface="Montserrat Light" panose="00000400000000000000"/>
+                <a:sym typeface="+mn-ea"/>
+              </a:rPr>
+              <a:t>We used NodeJS to develop the backend server of our ChatApp.</a:t>
+            </a:r>
+            <a:endParaRPr lang="en-US" sz="2200" dirty="0">
+              <a:solidFill>
+                <a:srgbClr val="100F0D"/>
+              </a:solidFill>
+              <a:latin typeface="Montserrat Light" panose="00000400000000000000"/>
+              <a:sym typeface="+mn-ea"/>
+            </a:endParaRPr>
+          </a:p>
+          <a:p>
+            <a:pPr algn="l">
+              <a:lnSpc>
+                <a:spcPts val="1995"/>
+              </a:lnSpc>
+            </a:pPr>
+            <a:endParaRPr lang="en-US" sz="2200" b="1" dirty="0">
+              <a:solidFill>
+                <a:srgbClr val="100F0D"/>
+              </a:solidFill>
+              <a:latin typeface="Montserrat Light" panose="00000400000000000000"/>
+            </a:endParaRPr>
+          </a:p>
+          <a:p>
+            <a:pPr algn="l">
+              <a:lnSpc>
+                <a:spcPts val="1995"/>
+              </a:lnSpc>
+            </a:pPr>
+            <a:endParaRPr lang="en-US" sz="2200" b="1" dirty="0">
+              <a:solidFill>
+                <a:srgbClr val="100F0D"/>
+              </a:solidFill>
+              <a:latin typeface="Montserrat Light" panose="00000400000000000000"/>
+            </a:endParaRPr>
+          </a:p>
+          <a:p>
+            <a:pPr algn="l">
+              <a:lnSpc>
+                <a:spcPts val="1995"/>
+              </a:lnSpc>
+            </a:pPr>
+            <a:r>
+              <a:rPr lang="en-US" sz="2200" b="1" dirty="0">
+                <a:solidFill>
+                  <a:srgbClr val="100F0D"/>
+                </a:solidFill>
+                <a:latin typeface="Montserrat Light" panose="00000400000000000000"/>
+              </a:rPr>
+              <a:t>Implementation:</a:t>
+            </a:r>
+            <a:endParaRPr lang="en-US" sz="2200" b="1" dirty="0">
+              <a:solidFill>
+                <a:srgbClr val="100F0D"/>
+              </a:solidFill>
+              <a:latin typeface="Montserrat Light" panose="00000400000000000000"/>
+            </a:endParaRPr>
+          </a:p>
+          <a:p>
+            <a:pPr algn="l">
+              <a:lnSpc>
+                <a:spcPts val="1995"/>
+              </a:lnSpc>
+            </a:pPr>
+            <a:endParaRPr lang="en-US" sz="2200" b="1" dirty="0">
+              <a:solidFill>
+                <a:srgbClr val="100F0D"/>
+              </a:solidFill>
+              <a:latin typeface="Montserrat Light" panose="00000400000000000000"/>
+            </a:endParaRPr>
+          </a:p>
+          <a:p>
+            <a:pPr algn="l">
+              <a:lnSpc>
+                <a:spcPts val="1995"/>
+              </a:lnSpc>
+            </a:pPr>
+            <a:r>
+              <a:rPr lang="en-US" dirty="0">
+                <a:solidFill>
+                  <a:srgbClr val="100F0D"/>
+                </a:solidFill>
+                <a:latin typeface="Montserrat Light" panose="00000400000000000000"/>
+              </a:rPr>
+              <a:t>ExpressJS: To create a RESTful API and handle HTTP requests and responses.</a:t>
+            </a:r>
+            <a:endParaRPr lang="en-US" dirty="0">
+              <a:solidFill>
+                <a:srgbClr val="100F0D"/>
+              </a:solidFill>
+              <a:latin typeface="Montserrat Light" panose="00000400000000000000"/>
+            </a:endParaRPr>
+          </a:p>
+          <a:p>
+            <a:pPr algn="l">
+              <a:lnSpc>
+                <a:spcPts val="1995"/>
+              </a:lnSpc>
+            </a:pPr>
+            <a:endParaRPr lang="en-US" dirty="0">
+              <a:solidFill>
+                <a:srgbClr val="100F0D"/>
+              </a:solidFill>
+              <a:latin typeface="Montserrat Light" panose="00000400000000000000"/>
+            </a:endParaRPr>
+          </a:p>
+          <a:p>
+            <a:pPr algn="l">
+              <a:lnSpc>
+                <a:spcPts val="1995"/>
+              </a:lnSpc>
+            </a:pPr>
+            <a:r>
+              <a:rPr lang="en-US" dirty="0">
+                <a:solidFill>
+                  <a:srgbClr val="100F0D"/>
+                </a:solidFill>
+                <a:latin typeface="Montserrat Light" panose="00000400000000000000"/>
+              </a:rPr>
+              <a:t>Multer: For handling file uploads, such as user profile pictures and chat attachments.</a:t>
+            </a:r>
+            <a:endParaRPr lang="en-US" dirty="0">
+              <a:solidFill>
+                <a:srgbClr val="100F0D"/>
+              </a:solidFill>
+              <a:latin typeface="Montserrat Light" panose="00000400000000000000"/>
+            </a:endParaRPr>
+          </a:p>
+          <a:p>
+            <a:pPr algn="l">
+              <a:lnSpc>
+                <a:spcPts val="1995"/>
+              </a:lnSpc>
+            </a:pPr>
+            <a:endParaRPr lang="en-US" dirty="0">
+              <a:solidFill>
+                <a:srgbClr val="100F0D"/>
+              </a:solidFill>
+              <a:latin typeface="Montserrat Light" panose="00000400000000000000"/>
+            </a:endParaRPr>
+          </a:p>
+          <a:p>
+            <a:pPr algn="l">
+              <a:lnSpc>
+                <a:spcPts val="1995"/>
+              </a:lnSpc>
+            </a:pPr>
+            <a:r>
+              <a:rPr lang="en-US" dirty="0">
+                <a:solidFill>
+                  <a:srgbClr val="100F0D"/>
+                </a:solidFill>
+                <a:latin typeface="Montserrat Light" panose="00000400000000000000"/>
+              </a:rPr>
+              <a:t>Bcrypt: For hashing passwords to ensure secure user authentication.</a:t>
+            </a:r>
+            <a:endParaRPr lang="en-US" dirty="0">
+              <a:solidFill>
+                <a:srgbClr val="100F0D"/>
+              </a:solidFill>
+              <a:latin typeface="Montserrat Light" panose="00000400000000000000"/>
+            </a:endParaRPr>
+          </a:p>
+          <a:p>
+            <a:pPr algn="l">
+              <a:lnSpc>
+                <a:spcPts val="1995"/>
+              </a:lnSpc>
+            </a:pPr>
+            <a:endParaRPr lang="en-US" dirty="0">
+              <a:solidFill>
+                <a:srgbClr val="100F0D"/>
+              </a:solidFill>
+              <a:latin typeface="Montserrat Light" panose="00000400000000000000"/>
+            </a:endParaRPr>
+          </a:p>
+          <a:p>
+            <a:pPr algn="l">
+              <a:lnSpc>
+                <a:spcPts val="1995"/>
+              </a:lnSpc>
+            </a:pPr>
+            <a:r>
+              <a:rPr lang="en-US" dirty="0">
+                <a:solidFill>
+                  <a:srgbClr val="100F0D"/>
+                </a:solidFill>
+                <a:latin typeface="Montserrat Light" panose="00000400000000000000"/>
+              </a:rPr>
+              <a:t>Body-parser: To parse incoming request bodies for easy data handling.</a:t>
+            </a:r>
+            <a:endParaRPr lang="en-US" dirty="0">
+              <a:solidFill>
+                <a:srgbClr val="100F0D"/>
+              </a:solidFill>
+              <a:latin typeface="Montserrat Light" panose="00000400000000000000"/>
+            </a:endParaRPr>
+          </a:p>
+          <a:p>
+            <a:pPr algn="l">
+              <a:lnSpc>
+                <a:spcPts val="1995"/>
+              </a:lnSpc>
+            </a:pPr>
+            <a:endParaRPr lang="en-US" dirty="0">
+              <a:solidFill>
+                <a:srgbClr val="100F0D"/>
+              </a:solidFill>
+              <a:latin typeface="Montserrat Light" panose="00000400000000000000"/>
+            </a:endParaRPr>
+          </a:p>
+          <a:p>
+            <a:pPr algn="l">
+              <a:lnSpc>
+                <a:spcPts val="1995"/>
+              </a:lnSpc>
+            </a:pPr>
+            <a:r>
+              <a:rPr lang="en-US" dirty="0">
+                <a:solidFill>
+                  <a:srgbClr val="100F0D"/>
+                </a:solidFill>
+                <a:latin typeface="Montserrat Light" panose="00000400000000000000"/>
+              </a:rPr>
+              <a:t>Cors: To enable secure cross-origin requests.</a:t>
+            </a:r>
+            <a:endParaRPr lang="en-US" dirty="0">
+              <a:solidFill>
+                <a:srgbClr val="100F0D"/>
+              </a:solidFill>
+              <a:latin typeface="Montserrat Light" panose="00000400000000000000"/>
+            </a:endParaRPr>
+          </a:p>
+          <a:p>
+            <a:pPr algn="l">
+              <a:lnSpc>
+                <a:spcPts val="1995"/>
+              </a:lnSpc>
+            </a:pPr>
+            <a:endParaRPr lang="en-US" dirty="0">
+              <a:solidFill>
+                <a:srgbClr val="100F0D"/>
+              </a:solidFill>
+              <a:latin typeface="Montserrat Light" panose="00000400000000000000"/>
+            </a:endParaRPr>
+          </a:p>
+          <a:p>
+            <a:pPr algn="l">
+              <a:lnSpc>
+                <a:spcPts val="1995"/>
+              </a:lnSpc>
+            </a:pPr>
+            <a:r>
+              <a:rPr lang="en-US" dirty="0">
+                <a:solidFill>
+                  <a:srgbClr val="100F0D"/>
+                </a:solidFill>
+                <a:latin typeface="Montserrat Light" panose="00000400000000000000"/>
+              </a:rPr>
+              <a:t>Dotenv: For managing environment variables securely.</a:t>
+            </a:r>
+            <a:endParaRPr lang="en-US" dirty="0">
+              <a:solidFill>
+                <a:srgbClr val="100F0D"/>
+              </a:solidFill>
+              <a:latin typeface="Montserrat Light" panose="00000400000000000000"/>
+            </a:endParaRPr>
+          </a:p>
+          <a:p>
+            <a:pPr algn="l">
+              <a:lnSpc>
+                <a:spcPts val="1995"/>
+              </a:lnSpc>
+            </a:pPr>
+            <a:endParaRPr lang="en-US" dirty="0">
+              <a:solidFill>
+                <a:srgbClr val="100F0D"/>
+              </a:solidFill>
+              <a:latin typeface="Montserrat Light" panose="00000400000000000000"/>
+            </a:endParaRPr>
+          </a:p>
+          <a:p>
+            <a:pPr algn="l">
+              <a:lnSpc>
+                <a:spcPts val="1995"/>
+              </a:lnSpc>
+            </a:pPr>
+            <a:r>
+              <a:rPr lang="en-US" dirty="0">
+                <a:solidFill>
+                  <a:srgbClr val="100F0D"/>
+                </a:solidFill>
+                <a:latin typeface="Montserrat Light" panose="00000400000000000000"/>
+              </a:rPr>
+              <a:t>Helmet: For enhancing the security of the application by setting various HTTP headers.</a:t>
+            </a:r>
+            <a:endParaRPr lang="en-US" dirty="0">
+              <a:solidFill>
+                <a:srgbClr val="100F0D"/>
+              </a:solidFill>
+              <a:latin typeface="Montserrat Light" panose="00000400000000000000"/>
+            </a:endParaRPr>
+          </a:p>
+          <a:p>
+            <a:pPr algn="l">
+              <a:lnSpc>
+                <a:spcPts val="1995"/>
+              </a:lnSpc>
+            </a:pPr>
+            <a:endParaRPr lang="en-US" dirty="0">
+              <a:solidFill>
+                <a:srgbClr val="100F0D"/>
+              </a:solidFill>
+              <a:latin typeface="Montserrat Light" panose="00000400000000000000"/>
+            </a:endParaRPr>
+          </a:p>
+          <a:p>
+            <a:pPr algn="l">
+              <a:lnSpc>
+                <a:spcPts val="1995"/>
+              </a:lnSpc>
+            </a:pPr>
+            <a:r>
+              <a:rPr lang="en-US" dirty="0">
+                <a:solidFill>
+                  <a:srgbClr val="100F0D"/>
+                </a:solidFill>
+                <a:latin typeface="Montserrat Light" panose="00000400000000000000"/>
+              </a:rPr>
+              <a:t>Socket.io: To enable real-time, bidirectional communication between clients and server.</a:t>
+            </a:r>
+            <a:endParaRPr lang="en-US" dirty="0">
+              <a:solidFill>
+                <a:srgbClr val="100F0D"/>
+              </a:solidFill>
+              <a:latin typeface="Montserrat Light" panose="00000400000000000000"/>
+            </a:endParaRPr>
+          </a:p>
+          <a:p>
+            <a:pPr algn="l">
+              <a:lnSpc>
+                <a:spcPts val="1995"/>
+              </a:lnSpc>
+            </a:pPr>
+            <a:endParaRPr lang="en-US" dirty="0">
+              <a:solidFill>
+                <a:srgbClr val="100F0D"/>
+              </a:solidFill>
+              <a:latin typeface="Montserrat Light" panose="00000400000000000000"/>
+            </a:endParaRPr>
+          </a:p>
+          <a:p>
+            <a:pPr algn="l">
+              <a:lnSpc>
+                <a:spcPts val="1995"/>
+              </a:lnSpc>
+            </a:pPr>
+            <a:r>
+              <a:rPr lang="en-US" dirty="0">
+                <a:solidFill>
+                  <a:srgbClr val="100F0D"/>
+                </a:solidFill>
+                <a:latin typeface="Montserrat Light" panose="00000400000000000000"/>
+              </a:rPr>
+              <a:t>Nodemon: For automatically restarting the server during development when file changes are detected.</a:t>
+            </a:r>
+            <a:endParaRPr lang="en-US" dirty="0">
+              <a:solidFill>
+                <a:srgbClr val="100F0D"/>
+              </a:solidFill>
+              <a:latin typeface="Montserrat Light" panose="00000400000000000000"/>
+            </a:endParaRPr>
+          </a:p>
+        </p:txBody>
+      </p:sp>
+    </p:spTree>
+  </p:cSld>
+  <p:clrMapOvr>
+    <a:masterClrMapping/>
+  </p:clrMapOvr>
+</p:sld>
+</file>
+
+<file path=ppt/slides/slide7.xml><?xml version="1.0" encoding="utf-8"?>
+<p:sld xmlns:a="http://schemas.openxmlformats.org/drawingml/2006/main" xmlns:r="http://schemas.openxmlformats.org/officeDocument/2006/relationships" xmlns:p="http://schemas.openxmlformats.org/presentationml/2006/main">
+  <p:cSld>
+    <p:spTree>
+      <p:nvGrpSpPr>
+        <p:cNvPr id="1" name=""/>
+        <p:cNvGrpSpPr/>
+        <p:nvPr/>
+      </p:nvGrpSpPr>
+      <p:grpSpPr>
+        <a:xfrm>
+          <a:off x="0" y="0"/>
+          <a:ext cx="0" cy="0"/>
+          <a:chOff x="0" y="0"/>
+          <a:chExt cx="0" cy="0"/>
+        </a:xfrm>
+      </p:grpSpPr>
+      <p:sp>
+        <p:nvSpPr>
+          <p:cNvPr id="32" name="Freeform 32"/>
+          <p:cNvSpPr/>
+          <p:nvPr/>
+        </p:nvSpPr>
+        <p:spPr>
+          <a:xfrm rot="887923">
+            <a:off x="-5781616" y="5526355"/>
+            <a:ext cx="13977230" cy="14342307"/>
+          </a:xfrm>
+          <a:custGeom>
+            <a:avLst/>
+            <a:gdLst/>
+            <a:ahLst/>
+            <a:cxnLst/>
+            <a:rect l="l" t="t" r="r" b="b"/>
+            <a:pathLst>
+              <a:path w="13977230" h="14342307">
+                <a:moveTo>
+                  <a:pt x="0" y="0"/>
+                </a:moveTo>
+                <a:lnTo>
+                  <a:pt x="13977230" y="0"/>
+                </a:lnTo>
+                <a:lnTo>
+                  <a:pt x="13977230" y="14342307"/>
+                </a:lnTo>
+                <a:lnTo>
+                  <a:pt x="0" y="14342307"/>
+                </a:lnTo>
+                <a:lnTo>
+                  <a:pt x="0" y="0"/>
+                </a:lnTo>
+                <a:close/>
+              </a:path>
+            </a:pathLst>
+          </a:custGeom>
+          <a:blipFill>
+            <a:blip r:embed="rId1">
+              <a:extLst>
+                <a:ext uri="{96DAC541-7B7A-43D3-8B79-37D633B846F1}">
+                  <asvg:svgBlip xmlns:asvg="http://schemas.microsoft.com/office/drawing/2016/SVG/main" r:embed="rId2"/>
+                </a:ext>
+              </a:extLst>
+            </a:blip>
+            <a:stretch>
+              <a:fillRect/>
+            </a:stretch>
+          </a:blipFill>
+        </p:spPr>
+      </p:sp>
+      <p:sp>
+        <p:nvSpPr>
+          <p:cNvPr id="2" name="Freeform 2"/>
+          <p:cNvSpPr/>
+          <p:nvPr/>
+        </p:nvSpPr>
+        <p:spPr>
+          <a:xfrm flipH="1" flipV="1">
+            <a:off x="0" y="0"/>
+            <a:ext cx="18288000" cy="10287000"/>
+          </a:xfrm>
+          <a:custGeom>
+            <a:avLst/>
+            <a:gdLst/>
+            <a:ahLst/>
+            <a:cxnLst/>
+            <a:rect l="l" t="t" r="r" b="b"/>
+            <a:pathLst>
+              <a:path w="18288000" h="10287000">
+                <a:moveTo>
+                  <a:pt x="18288000" y="10287000"/>
+                </a:moveTo>
+                <a:lnTo>
+                  <a:pt x="0" y="10287000"/>
+                </a:lnTo>
+                <a:lnTo>
+                  <a:pt x="0" y="0"/>
+                </a:lnTo>
+                <a:lnTo>
+                  <a:pt x="18288000" y="0"/>
+                </a:lnTo>
+                <a:lnTo>
+                  <a:pt x="18288000" y="10287000"/>
+                </a:lnTo>
+                <a:close/>
+              </a:path>
+            </a:pathLst>
+          </a:custGeom>
+          <a:blipFill>
+            <a:blip r:embed="rId3"/>
+            <a:stretch>
+              <a:fillRect t="-38888" b="-38888"/>
+            </a:stretch>
+          </a:blipFill>
+        </p:spPr>
+      </p:sp>
+      <p:sp>
+        <p:nvSpPr>
+          <p:cNvPr id="3" name="Freeform 3"/>
+          <p:cNvSpPr/>
+          <p:nvPr/>
+        </p:nvSpPr>
+        <p:spPr>
+          <a:xfrm rot="887923">
+            <a:off x="13475833" y="-8787301"/>
+            <a:ext cx="13977230" cy="14342307"/>
+          </a:xfrm>
+          <a:custGeom>
+            <a:avLst/>
+            <a:gdLst/>
+            <a:ahLst/>
+            <a:cxnLst/>
+            <a:rect l="l" t="t" r="r" b="b"/>
+            <a:pathLst>
+              <a:path w="13977230" h="14342307">
+                <a:moveTo>
+                  <a:pt x="0" y="0"/>
+                </a:moveTo>
+                <a:lnTo>
+                  <a:pt x="13977230" y="0"/>
+                </a:lnTo>
+                <a:lnTo>
+                  <a:pt x="13977230" y="14342307"/>
+                </a:lnTo>
+                <a:lnTo>
+                  <a:pt x="0" y="14342307"/>
+                </a:lnTo>
+                <a:lnTo>
+                  <a:pt x="0" y="0"/>
+                </a:lnTo>
+                <a:close/>
+              </a:path>
+            </a:pathLst>
+          </a:custGeom>
+          <a:blipFill>
+            <a:blip r:embed="rId1">
+              <a:extLst>
+                <a:ext uri="{96DAC541-7B7A-43D3-8B79-37D633B846F1}">
+                  <asvg:svgBlip xmlns:asvg="http://schemas.microsoft.com/office/drawing/2016/SVG/main" r:embed="rId2"/>
+                </a:ext>
+              </a:extLst>
+            </a:blip>
+            <a:stretch>
+              <a:fillRect/>
+            </a:stretch>
+          </a:blipFill>
+        </p:spPr>
+      </p:sp>
       <p:grpSp>
         <p:nvGrpSpPr>
-          <p:cNvPr id="16" name="Group 16"/>
+          <p:cNvPr id="7" name="Group 7"/>
           <p:cNvGrpSpPr/>
           <p:nvPr/>
         </p:nvGrpSpPr>
         <p:grpSpPr>
           <a:xfrm>
-            <a:off x="13233648" y="1357287"/>
-            <a:ext cx="2932415" cy="3773956"/>
+            <a:off x="1869342" y="324935"/>
+            <a:ext cx="2932415" cy="847111"/>
             <a:chOff x="0" y="0"/>
-            <a:chExt cx="1075555" cy="1384217"/>
+            <a:chExt cx="1075555" cy="310705"/>
           </a:xfrm>
         </p:grpSpPr>
         <p:sp>
           <p:nvSpPr>
-            <p:cNvPr id="17" name="Freeform 17"/>
-            <p:cNvSpPr/>
-            <p:nvPr/>
-          </p:nvSpPr>
-          <p:spPr>
-            <a:xfrm>
-              <a:off x="0" y="0"/>
-              <a:ext cx="1075555" cy="1384217"/>
-            </a:xfrm>
-            <a:custGeom>
-              <a:avLst/>
-              <a:gdLst/>
-              <a:ahLst/>
-              <a:cxnLst/>
-              <a:rect l="l" t="t" r="r" b="b"/>
-              <a:pathLst>
-                <a:path w="1075555" h="1384217">
-                  <a:moveTo>
-                    <a:pt x="81844" y="0"/>
-                  </a:moveTo>
-                  <a:lnTo>
-                    <a:pt x="993712" y="0"/>
-                  </a:lnTo>
-                  <a:cubicBezTo>
-                    <a:pt x="1015418" y="0"/>
-                    <a:pt x="1036235" y="8623"/>
-                    <a:pt x="1051584" y="23971"/>
-                  </a:cubicBezTo>
-                  <a:cubicBezTo>
-                    <a:pt x="1066932" y="39320"/>
-                    <a:pt x="1075555" y="60137"/>
-                    <a:pt x="1075555" y="81844"/>
-                  </a:cubicBezTo>
-                  <a:lnTo>
-                    <a:pt x="1075555" y="1302373"/>
-                  </a:lnTo>
-                  <a:cubicBezTo>
-                    <a:pt x="1075555" y="1324080"/>
-                    <a:pt x="1066932" y="1344897"/>
-                    <a:pt x="1051584" y="1360246"/>
-                  </a:cubicBezTo>
-                  <a:cubicBezTo>
-                    <a:pt x="1036235" y="1375594"/>
-                    <a:pt x="1015418" y="1384217"/>
-                    <a:pt x="993712" y="1384217"/>
-                  </a:cubicBezTo>
-                  <a:lnTo>
-                    <a:pt x="81844" y="1384217"/>
-                  </a:lnTo>
-                  <a:cubicBezTo>
-                    <a:pt x="36643" y="1384217"/>
-                    <a:pt x="0" y="1347574"/>
-                    <a:pt x="0" y="1302373"/>
-                  </a:cubicBezTo>
-                  <a:lnTo>
-                    <a:pt x="0" y="81844"/>
-                  </a:lnTo>
-                  <a:cubicBezTo>
-                    <a:pt x="0" y="60137"/>
-                    <a:pt x="8623" y="39320"/>
-                    <a:pt x="23971" y="23971"/>
-                  </a:cubicBezTo>
-                  <a:cubicBezTo>
-                    <a:pt x="39320" y="8623"/>
-                    <a:pt x="60137" y="0"/>
-                    <a:pt x="81844" y="0"/>
-                  </a:cubicBezTo>
-                  <a:close/>
-                </a:path>
-              </a:pathLst>
-            </a:custGeom>
-            <a:solidFill>
-              <a:srgbClr val="FFFFFF">
-                <a:alpha val="98824"/>
-              </a:srgbClr>
-            </a:solidFill>
-          </p:spPr>
-        </p:sp>
-        <p:sp>
-          <p:nvSpPr>
-            <p:cNvPr id="18" name="TextBox 18"/>
-            <p:cNvSpPr txBox="1"/>
-            <p:nvPr/>
-          </p:nvSpPr>
-          <p:spPr>
-            <a:xfrm>
-              <a:off x="0" y="-19050"/>
-              <a:ext cx="1075555" cy="1403267"/>
-            </a:xfrm>
-            <a:prstGeom prst="rect">
-              <a:avLst/>
-            </a:prstGeom>
-          </p:spPr>
-          <p:txBody>
-            <a:bodyPr lIns="50800" tIns="50800" rIns="50800" bIns="50800" rtlCol="0" anchor="ctr"/>
-            <a:lstStyle/>
-            <a:p>
-              <a:pPr algn="ctr">
-                <a:lnSpc>
-                  <a:spcPts val="2860"/>
-                </a:lnSpc>
-              </a:pPr>
-            </a:p>
-          </p:txBody>
-        </p:sp>
-      </p:grpSp>
-      <p:grpSp>
-        <p:nvGrpSpPr>
-          <p:cNvPr id="19" name="Group 19"/>
-          <p:cNvGrpSpPr/>
-          <p:nvPr/>
-        </p:nvGrpSpPr>
-        <p:grpSpPr>
-          <a:xfrm>
-            <a:off x="13233648" y="5370057"/>
-            <a:ext cx="2932415" cy="847111"/>
-            <a:chOff x="0" y="0"/>
-            <a:chExt cx="1075555" cy="310705"/>
-          </a:xfrm>
-        </p:grpSpPr>
-        <p:sp>
-          <p:nvSpPr>
-            <p:cNvPr id="20" name="Freeform 20"/>
+            <p:cNvPr id="8" name="Freeform 8"/>
             <p:cNvSpPr/>
             <p:nvPr/>
           </p:nvSpPr>
@@ -11522,7 +13417,7 @@
         </p:sp>
         <p:sp>
           <p:nvSpPr>
-            <p:cNvPr id="21" name="TextBox 21"/>
+            <p:cNvPr id="9" name="TextBox 9"/>
             <p:cNvSpPr txBox="1"/>
             <p:nvPr/>
           </p:nvSpPr>
@@ -11550,113 +13445,14 @@
       </p:grpSp>
       <p:sp>
         <p:nvSpPr>
-          <p:cNvPr id="22" name="Freeform 22"/>
-          <p:cNvSpPr/>
-          <p:nvPr/>
-        </p:nvSpPr>
-        <p:spPr>
-          <a:xfrm rot="-1010082">
-            <a:off x="8922804" y="8653873"/>
-            <a:ext cx="1776375" cy="501826"/>
-          </a:xfrm>
-          <a:custGeom>
-            <a:avLst/>
-            <a:gdLst/>
-            <a:ahLst/>
-            <a:cxnLst/>
-            <a:rect l="l" t="t" r="r" b="b"/>
-            <a:pathLst>
-              <a:path w="1776375" h="501826">
-                <a:moveTo>
-                  <a:pt x="0" y="0"/>
-                </a:moveTo>
-                <a:lnTo>
-                  <a:pt x="1776374" y="0"/>
-                </a:lnTo>
-                <a:lnTo>
-                  <a:pt x="1776374" y="501826"/>
-                </a:lnTo>
-                <a:lnTo>
-                  <a:pt x="0" y="501826"/>
-                </a:lnTo>
-                <a:lnTo>
-                  <a:pt x="0" y="0"/>
-                </a:lnTo>
-                <a:close/>
-              </a:path>
-            </a:pathLst>
-          </a:custGeom>
-          <a:blipFill>
-            <a:blip r:embed="rId4">
-              <a:extLst>
-                <a:ext uri="{96DAC541-7B7A-43D3-8B79-37D633B846F1}">
-                  <asvg:svgBlip xmlns:asvg="http://schemas.microsoft.com/office/drawing/2016/SVG/main" r:embed="rId5"/>
-                </a:ext>
-              </a:extLst>
-            </a:blip>
-            <a:stretch>
-              <a:fillRect/>
-            </a:stretch>
-          </a:blipFill>
-        </p:spPr>
-      </p:sp>
-      <p:sp>
-        <p:nvSpPr>
-          <p:cNvPr id="23" name="TextBox 23"/>
-          <p:cNvSpPr txBox="1"/>
-          <p:nvPr/>
-        </p:nvSpPr>
-        <p:spPr>
-          <a:xfrm>
-            <a:off x="1538605" y="1195070"/>
-            <a:ext cx="7996555" cy="1668780"/>
-          </a:xfrm>
-          <a:prstGeom prst="rect">
-            <a:avLst/>
-          </a:prstGeom>
-        </p:spPr>
-        <p:txBody>
-          <a:bodyPr wrap="square" lIns="0" tIns="0" rIns="0" bIns="0" rtlCol="0" anchor="t">
-            <a:spAutoFit/>
-          </a:bodyPr>
-          <a:lstStyle/>
-          <a:p>
-            <a:pPr marL="0" lvl="0" indent="0" algn="ctr">
-              <a:lnSpc>
-                <a:spcPts val="13015"/>
-              </a:lnSpc>
-              <a:spcBef>
-                <a:spcPct val="0"/>
-              </a:spcBef>
-            </a:pPr>
-            <a:r>
-              <a:rPr lang="en-US" sz="6000" spc="924">
-                <a:solidFill>
-                  <a:srgbClr val="231F20"/>
-                </a:solidFill>
-                <a:latin typeface="Oswald Bold"/>
-              </a:rPr>
-              <a:t>PROJECT STACK</a:t>
-            </a:r>
-            <a:endParaRPr lang="en-US" sz="6000" spc="924">
-              <a:solidFill>
-                <a:srgbClr val="231F20"/>
-              </a:solidFill>
-              <a:latin typeface="Oswald Bold"/>
-            </a:endParaRPr>
-          </a:p>
-        </p:txBody>
-      </p:sp>
-      <p:sp>
-        <p:nvSpPr>
           <p:cNvPr id="24" name="TextBox 24"/>
           <p:cNvSpPr txBox="1"/>
           <p:nvPr/>
         </p:nvSpPr>
         <p:spPr>
           <a:xfrm>
-            <a:off x="1900413" y="7418024"/>
-            <a:ext cx="2556583" cy="458848"/>
+            <a:off x="2057258" y="495254"/>
+            <a:ext cx="2556583" cy="478790"/>
           </a:xfrm>
           <a:prstGeom prst="rect">
             <a:avLst/>
@@ -11681,15 +13477,15 @@
                 <a:solidFill>
                   <a:srgbClr val="231F20"/>
                 </a:solidFill>
-                <a:latin typeface="Oswald"/>
+                <a:latin typeface="Oswald" panose="00000500000000000000"/>
               </a:rPr>
-              <a:t>FRONTEND</a:t>
+              <a:t>MongoDB</a:t>
             </a:r>
             <a:endParaRPr lang="en-US" sz="2710" spc="265" dirty="0">
               <a:solidFill>
                 <a:srgbClr val="231F20"/>
               </a:solidFill>
-              <a:latin typeface="Oswald"/>
+              <a:latin typeface="Oswald" panose="00000500000000000000"/>
             </a:endParaRPr>
           </a:p>
         </p:txBody>
@@ -11702,234 +13498,233 @@
         </p:nvSpPr>
         <p:spPr>
           <a:xfrm>
-            <a:off x="2097315" y="4739486"/>
-            <a:ext cx="2162778" cy="1978416"/>
+            <a:off x="1861820" y="1550670"/>
+            <a:ext cx="12141200" cy="6579870"/>
           </a:xfrm>
           <a:prstGeom prst="rect">
             <a:avLst/>
           </a:prstGeom>
         </p:spPr>
         <p:txBody>
-          <a:bodyPr lIns="0" tIns="0" rIns="0" bIns="0" rtlCol="0" anchor="t">
-            <a:spAutoFit/>
+          <a:bodyPr wrap="square" lIns="0" tIns="0" rIns="0" bIns="0" rtlCol="0" anchor="t">
+            <a:noAutofit/>
           </a:bodyPr>
           <a:lstStyle/>
           <a:p>
-            <a:pPr algn="ctr">
+            <a:pPr algn="l">
               <a:lnSpc>
                 <a:spcPts val="1995"/>
               </a:lnSpc>
             </a:pPr>
             <a:r>
-              <a:rPr lang="en-US" sz="1425" dirty="0">
+              <a:rPr lang="en-US" sz="2200" b="1" dirty="0">
                 <a:solidFill>
                   <a:srgbClr val="100F0D"/>
                 </a:solidFill>
-                <a:latin typeface="Montserrat Light"/>
+                <a:latin typeface="Montserrat Light" panose="00000400000000000000"/>
+                <a:sym typeface="+mn-ea"/>
               </a:rPr>
-              <a:t>Utilized for building dynamic and interactive user interfaces, React.js offers a component-based architecture that facilitates modular development and efficient UI rendering.</a:t>
-            </a:r>
-            <a:endParaRPr lang="en-US" sz="1425" dirty="0">
+              <a:t>Usage: </a:t>
+            </a:r>
+            <a:endParaRPr lang="en-US" sz="2200" b="1" dirty="0">
               <a:solidFill>
                 <a:srgbClr val="100F0D"/>
               </a:solidFill>
-              <a:latin typeface="Montserrat Light"/>
+              <a:latin typeface="Montserrat Light" panose="00000400000000000000"/>
             </a:endParaRPr>
           </a:p>
-        </p:txBody>
-      </p:sp>
-      <p:sp>
-        <p:nvSpPr>
-          <p:cNvPr id="26" name="TextBox 26"/>
-          <p:cNvSpPr txBox="1"/>
-          <p:nvPr/>
-        </p:nvSpPr>
-        <p:spPr>
-          <a:xfrm>
-            <a:off x="6879533" y="7803023"/>
-            <a:ext cx="2556583" cy="458848"/>
-          </a:xfrm>
-          <a:prstGeom prst="rect">
-            <a:avLst/>
-          </a:prstGeom>
-        </p:spPr>
-        <p:txBody>
-          <a:bodyPr lIns="0" tIns="0" rIns="0" bIns="0" rtlCol="0" anchor="t">
-            <a:spAutoFit/>
-          </a:bodyPr>
-          <a:lstStyle/>
-          <a:p>
-            <a:pPr marL="0" lvl="0" indent="0" algn="ctr">
+          <a:p>
+            <a:pPr algn="l">
               <a:lnSpc>
-                <a:spcPts val="3735"/>
-              </a:lnSpc>
-              <a:spcBef>
-                <a:spcPct val="0"/>
-              </a:spcBef>
-            </a:pPr>
-            <a:r>
-              <a:rPr lang="en-US" sz="2710" spc="265">
-                <a:solidFill>
-                  <a:srgbClr val="231F20"/>
-                </a:solidFill>
-                <a:latin typeface="Oswald"/>
-              </a:rPr>
-              <a:t>BACKEND</a:t>
-            </a:r>
-            <a:endParaRPr lang="en-US" sz="2710" spc="265">
-              <a:solidFill>
-                <a:srgbClr val="231F20"/>
-              </a:solidFill>
-              <a:latin typeface="Oswald"/>
-            </a:endParaRPr>
-          </a:p>
-        </p:txBody>
-      </p:sp>
-      <p:sp>
-        <p:nvSpPr>
-          <p:cNvPr id="27" name="TextBox 27"/>
-          <p:cNvSpPr txBox="1"/>
-          <p:nvPr/>
-        </p:nvSpPr>
-        <p:spPr>
-          <a:xfrm>
-            <a:off x="7063010" y="4267281"/>
-            <a:ext cx="2201471" cy="3024089"/>
-          </a:xfrm>
-          <a:prstGeom prst="rect">
-            <a:avLst/>
-          </a:prstGeom>
-        </p:spPr>
-        <p:txBody>
-          <a:bodyPr lIns="0" tIns="0" rIns="0" bIns="0" rtlCol="0" anchor="t">
-            <a:spAutoFit/>
-          </a:bodyPr>
-          <a:lstStyle/>
-          <a:p>
-            <a:pPr algn="ctr">
-              <a:lnSpc>
-                <a:spcPts val="2030"/>
+                <a:spcPts val="1995"/>
               </a:lnSpc>
             </a:pPr>
-            <a:r>
-              <a:rPr lang="en-US" sz="1450">
+            <a:endParaRPr lang="en-US" sz="2200" b="1" dirty="0">
+              <a:solidFill>
+                <a:srgbClr val="100F0D"/>
+              </a:solidFill>
+              <a:latin typeface="Montserrat Light" panose="00000400000000000000"/>
+            </a:endParaRPr>
+          </a:p>
+          <a:p>
+            <a:pPr algn="l">
+              <a:lnSpc>
+                <a:spcPts val="1995"/>
+              </a:lnSpc>
+            </a:pPr>
+            <a:r>
+              <a:rPr lang="en-US" sz="2200" dirty="0">
                 <a:solidFill>
                   <a:srgbClr val="100F0D"/>
                 </a:solidFill>
-                <a:latin typeface="Montserrat Light"/>
+                <a:latin typeface="Montserrat Light" panose="00000400000000000000"/>
+                <a:sym typeface="+mn-ea"/>
               </a:rPr>
-              <a:t> Node.js provides a runtime environment for executing JavaScript code outside a web browser, making it ideal for server-side development. Express.js, a minimalist web framework for Node.js, simplifies the creation of robust and scalable backend APIs.</a:t>
-            </a:r>
-            <a:endParaRPr lang="en-US" sz="1450">
+              <a:t>We used MongoDB as the database for our ChatApp.</a:t>
+            </a:r>
+            <a:endParaRPr lang="en-US" sz="2200" dirty="0">
               <a:solidFill>
                 <a:srgbClr val="100F0D"/>
               </a:solidFill>
-              <a:latin typeface="Montserrat Light"/>
+              <a:latin typeface="Montserrat Light" panose="00000400000000000000"/>
+              <a:sym typeface="+mn-ea"/>
             </a:endParaRPr>
           </a:p>
-        </p:txBody>
-      </p:sp>
-      <p:sp>
-        <p:nvSpPr>
-          <p:cNvPr id="28" name="TextBox 28"/>
-          <p:cNvSpPr txBox="1"/>
-          <p:nvPr/>
-        </p:nvSpPr>
-        <p:spPr>
-          <a:xfrm>
-            <a:off x="13421564" y="5539800"/>
-            <a:ext cx="2556583" cy="458848"/>
-          </a:xfrm>
-          <a:prstGeom prst="rect">
-            <a:avLst/>
-          </a:prstGeom>
-        </p:spPr>
-        <p:txBody>
-          <a:bodyPr lIns="0" tIns="0" rIns="0" bIns="0" rtlCol="0" anchor="t">
-            <a:spAutoFit/>
-          </a:bodyPr>
-          <a:lstStyle/>
-          <a:p>
-            <a:pPr marL="0" lvl="0" indent="0" algn="ctr">
+          <a:p>
+            <a:pPr algn="l">
               <a:lnSpc>
-                <a:spcPts val="3735"/>
-              </a:lnSpc>
-              <a:spcBef>
-                <a:spcPct val="0"/>
-              </a:spcBef>
-            </a:pPr>
-            <a:r>
-              <a:rPr lang="en-US" sz="2710" spc="265">
-                <a:solidFill>
-                  <a:srgbClr val="231F20"/>
-                </a:solidFill>
-                <a:latin typeface="Oswald"/>
-              </a:rPr>
-              <a:t>DATABASE</a:t>
-            </a:r>
-            <a:endParaRPr lang="en-US" sz="2710" spc="265">
-              <a:solidFill>
-                <a:srgbClr val="231F20"/>
-              </a:solidFill>
-              <a:latin typeface="Oswald"/>
-            </a:endParaRPr>
-          </a:p>
-        </p:txBody>
-      </p:sp>
-      <p:sp>
-        <p:nvSpPr>
-          <p:cNvPr id="29" name="TextBox 29"/>
-          <p:cNvSpPr txBox="1"/>
-          <p:nvPr/>
-        </p:nvSpPr>
-        <p:spPr>
-          <a:xfrm>
-            <a:off x="13608900" y="1564126"/>
-            <a:ext cx="2181911" cy="3257450"/>
-          </a:xfrm>
-          <a:prstGeom prst="rect">
-            <a:avLst/>
-          </a:prstGeom>
-        </p:spPr>
-        <p:txBody>
-          <a:bodyPr lIns="0" tIns="0" rIns="0" bIns="0" rtlCol="0" anchor="t">
-            <a:spAutoFit/>
-          </a:bodyPr>
-          <a:lstStyle/>
-          <a:p>
-            <a:pPr algn="ctr">
-              <a:lnSpc>
-                <a:spcPts val="2015"/>
+                <a:spcPts val="1995"/>
               </a:lnSpc>
             </a:pPr>
-            <a:r>
-              <a:rPr lang="en-US" sz="1440">
+            <a:endParaRPr lang="en-US" sz="2200" b="1" dirty="0">
+              <a:solidFill>
+                <a:srgbClr val="100F0D"/>
+              </a:solidFill>
+              <a:latin typeface="Montserrat Light" panose="00000400000000000000"/>
+            </a:endParaRPr>
+          </a:p>
+          <a:p>
+            <a:pPr algn="l">
+              <a:lnSpc>
+                <a:spcPts val="1995"/>
+              </a:lnSpc>
+            </a:pPr>
+            <a:endParaRPr lang="en-US" sz="2200" b="1" dirty="0">
+              <a:solidFill>
+                <a:srgbClr val="100F0D"/>
+              </a:solidFill>
+              <a:latin typeface="Montserrat Light" panose="00000400000000000000"/>
+            </a:endParaRPr>
+          </a:p>
+          <a:p>
+            <a:pPr algn="l">
+              <a:lnSpc>
+                <a:spcPts val="1995"/>
+              </a:lnSpc>
+            </a:pPr>
+            <a:r>
+              <a:rPr lang="en-US" sz="2200" b="1" dirty="0">
                 <a:solidFill>
                   <a:srgbClr val="100F0D"/>
                 </a:solidFill>
-                <a:latin typeface="Montserrat Light"/>
+                <a:latin typeface="Montserrat Light" panose="00000400000000000000"/>
               </a:rPr>
-              <a:t>MongoDB is a NoSQL database that stores data in flexible, JSON-like documents. It offers scalability, high performance, and flexibility, making it suitable for handling various types of data in a social media application, such as user profiles, posts, comments, and likes.</a:t>
-            </a:r>
-            <a:endParaRPr lang="en-US" sz="1440">
+              <a:t>Implementation:</a:t>
+            </a:r>
+            <a:endParaRPr lang="en-US" sz="2200" b="1" dirty="0">
               <a:solidFill>
                 <a:srgbClr val="100F0D"/>
               </a:solidFill>
-              <a:latin typeface="Montserrat Light"/>
+              <a:latin typeface="Montserrat Light" panose="00000400000000000000"/>
             </a:endParaRPr>
           </a:p>
+          <a:p>
+            <a:pPr algn="l">
+              <a:lnSpc>
+                <a:spcPts val="1995"/>
+              </a:lnSpc>
+            </a:pPr>
+            <a:endParaRPr lang="en-US" sz="2200" b="1" dirty="0">
+              <a:solidFill>
+                <a:srgbClr val="100F0D"/>
+              </a:solidFill>
+              <a:latin typeface="Montserrat Light" panose="00000400000000000000"/>
+            </a:endParaRPr>
+          </a:p>
+          <a:p>
+            <a:pPr algn="l">
+              <a:lnSpc>
+                <a:spcPts val="1995"/>
+              </a:lnSpc>
+            </a:pPr>
+            <a:r>
+              <a:rPr lang="en-US" dirty="0">
+                <a:solidFill>
+                  <a:srgbClr val="100F0D"/>
+                </a:solidFill>
+                <a:latin typeface="Montserrat Light" panose="00000400000000000000"/>
+              </a:rPr>
+              <a:t>Mongoose: For creating schemas and interacting with MongoDB.</a:t>
+            </a:r>
+            <a:endParaRPr lang="en-US" dirty="0">
+              <a:solidFill>
+                <a:srgbClr val="100F0D"/>
+              </a:solidFill>
+              <a:latin typeface="Montserrat Light" panose="00000400000000000000"/>
+            </a:endParaRPr>
+          </a:p>
+          <a:p>
+            <a:pPr algn="l">
+              <a:lnSpc>
+                <a:spcPts val="1995"/>
+              </a:lnSpc>
+            </a:pPr>
+            <a:endParaRPr lang="en-US" dirty="0">
+              <a:solidFill>
+                <a:srgbClr val="100F0D"/>
+              </a:solidFill>
+              <a:latin typeface="Montserrat Light" panose="00000400000000000000"/>
+            </a:endParaRPr>
+          </a:p>
+          <a:p>
+            <a:pPr algn="l">
+              <a:lnSpc>
+                <a:spcPts val="1995"/>
+              </a:lnSpc>
+            </a:pPr>
+            <a:r>
+              <a:rPr lang="en-US" dirty="0">
+                <a:solidFill>
+                  <a:srgbClr val="100F0D"/>
+                </a:solidFill>
+                <a:latin typeface="Montserrat Light" panose="00000400000000000000"/>
+              </a:rPr>
+              <a:t>Document-Oriented Storage: To store user data, chat messages, and other relevant information in a flexible and scalable manner.</a:t>
+            </a:r>
+            <a:endParaRPr lang="en-US" dirty="0">
+              <a:solidFill>
+                <a:srgbClr val="100F0D"/>
+              </a:solidFill>
+              <a:latin typeface="Montserrat Light" panose="00000400000000000000"/>
+            </a:endParaRPr>
+          </a:p>
         </p:txBody>
       </p:sp>
-      <p:sp>
-        <p:nvSpPr>
-          <p:cNvPr id="30" name="Freeform 30"/>
+    </p:spTree>
+  </p:cSld>
+  <p:clrMapOvr>
+    <a:masterClrMapping/>
+  </p:clrMapOvr>
+</p:sld>
+</file>
+
+<file path=ppt/slides/slide8.xml><?xml version="1.0" encoding="utf-8"?>
+<p:sld xmlns:a="http://schemas.openxmlformats.org/drawingml/2006/main" xmlns:r="http://schemas.openxmlformats.org/officeDocument/2006/relationships" xmlns:p="http://schemas.openxmlformats.org/presentationml/2006/main">
+  <p:cSld>
+    <p:spTree>
+      <p:nvGrpSpPr>
+        <p:cNvPr id="1" name=""/>
+        <p:cNvGrpSpPr/>
+        <p:nvPr/>
+      </p:nvGrpSpPr>
+      <p:grpSpPr>
+        <a:xfrm>
+          <a:off x="0" y="0"/>
+          <a:ext cx="0" cy="0"/>
+          <a:chOff x="0" y="0"/>
+          <a:chExt cx="0" cy="0"/>
+        </a:xfrm>
+      </p:grpSpPr>
+      <p:sp>
+        <p:nvSpPr>
+          <p:cNvPr id="2" name="Freeform 2"/>
           <p:cNvSpPr/>
           <p:nvPr/>
         </p:nvSpPr>
         <p:spPr>
-          <a:xfrm rot="11854260" flipH="1">
-            <a:off x="4780922" y="7298583"/>
-            <a:ext cx="1776375" cy="501826"/>
+          <a:xfrm flipH="1" flipV="1">
+            <a:off x="0" y="0"/>
+            <a:ext cx="18288000" cy="10287000"/>
           </a:xfrm>
           <a:custGeom>
             <a:avLst/>
@@ -11938,94 +13733,44 @@
             <a:cxnLst/>
             <a:rect l="l" t="t" r="r" b="b"/>
             <a:pathLst>
-              <a:path w="1776375" h="501826">
+              <a:path w="18288000" h="10287000">
                 <a:moveTo>
-                  <a:pt x="1776375" y="0"/>
+                  <a:pt x="18288000" y="10287000"/>
                 </a:moveTo>
                 <a:lnTo>
-                  <a:pt x="0" y="0"/>
-                </a:lnTo>
-                <a:lnTo>
-                  <a:pt x="0" y="501826"/>
-                </a:lnTo>
-                <a:lnTo>
-                  <a:pt x="1776375" y="501826"/>
-                </a:lnTo>
-                <a:lnTo>
-                  <a:pt x="1776375" y="0"/>
+                  <a:pt x="0" y="10287000"/>
+                </a:lnTo>
+                <a:lnTo>
+                  <a:pt x="0" y="0"/>
+                </a:lnTo>
+                <a:lnTo>
+                  <a:pt x="18288000" y="0"/>
+                </a:lnTo>
+                <a:lnTo>
+                  <a:pt x="18288000" y="10287000"/>
                 </a:lnTo>
                 <a:close/>
               </a:path>
             </a:pathLst>
           </a:custGeom>
           <a:blipFill>
-            <a:blip r:embed="rId4">
-              <a:extLst>
-                <a:ext uri="{96DAC541-7B7A-43D3-8B79-37D633B846F1}">
-                  <asvg:svgBlip xmlns:asvg="http://schemas.microsoft.com/office/drawing/2016/SVG/main" r:embed="rId5"/>
-                </a:ext>
-              </a:extLst>
-            </a:blip>
+            <a:blip r:embed="rId1"/>
             <a:stretch>
-              <a:fillRect/>
+              <a:fillRect t="-38888" b="-38888"/>
             </a:stretch>
           </a:blipFill>
         </p:spPr>
       </p:sp>
       <p:sp>
         <p:nvSpPr>
-          <p:cNvPr id="31" name="TextBox 31"/>
-          <p:cNvSpPr txBox="1"/>
-          <p:nvPr/>
-        </p:nvSpPr>
-        <p:spPr>
-          <a:xfrm>
-            <a:off x="1836286" y="2853600"/>
-            <a:ext cx="10694787" cy="1125568"/>
-          </a:xfrm>
-          <a:prstGeom prst="rect">
-            <a:avLst/>
-          </a:prstGeom>
-        </p:spPr>
-        <p:txBody>
-          <a:bodyPr lIns="0" tIns="0" rIns="0" bIns="0" rtlCol="0" anchor="t">
-            <a:spAutoFit/>
-          </a:bodyPr>
-          <a:lstStyle/>
-          <a:p>
-            <a:pPr>
-              <a:lnSpc>
-                <a:spcPts val="3060"/>
-              </a:lnSpc>
-            </a:pPr>
-            <a:r>
-              <a:rPr lang="en-US" sz="2185">
-                <a:solidFill>
-                  <a:srgbClr val="100F0D"/>
-                </a:solidFill>
-                <a:latin typeface="Montserrat Light"/>
-              </a:rPr>
-              <a:t>The project stack includes React.js for frontend, Node.js with Express.js for backend, MongoDB for database, and Socket.IO for real-time communication, ensuring efficient development, scalability, and dynamic user interactions.</a:t>
-            </a:r>
-            <a:endParaRPr lang="en-US" sz="2185">
-              <a:solidFill>
-                <a:srgbClr val="100F0D"/>
-              </a:solidFill>
-              <a:latin typeface="Montserrat Light"/>
-            </a:endParaRPr>
-          </a:p>
-        </p:txBody>
-      </p:sp>
-      <p:sp>
-        <p:nvSpPr>
-          <p:cNvPr id="32" name="Freeform 32"/>
+          <p:cNvPr id="3" name="Freeform 3"/>
           <p:cNvSpPr/>
           <p:nvPr/>
         </p:nvSpPr>
         <p:spPr>
-          <a:xfrm rot="887923">
-            <a:off x="-5781616" y="5526355"/>
-            <a:ext cx="13977230" cy="14342307"/>
+          <a:xfrm rot="257863">
+            <a:off x="-571305" y="6150994"/>
+            <a:ext cx="21273218" cy="9128145"/>
           </a:xfrm>
           <a:custGeom>
             <a:avLst/>
@@ -12034,18 +13779,18 @@
             <a:cxnLst/>
             <a:rect l="l" t="t" r="r" b="b"/>
             <a:pathLst>
-              <a:path w="13977230" h="14342307">
+              <a:path w="21273218" h="9128145">
                 <a:moveTo>
                   <a:pt x="0" y="0"/>
                 </a:moveTo>
                 <a:lnTo>
-                  <a:pt x="13977230" y="0"/>
-                </a:lnTo>
-                <a:lnTo>
-                  <a:pt x="13977230" y="14342307"/>
-                </a:lnTo>
-                <a:lnTo>
-                  <a:pt x="0" y="14342307"/>
+                  <a:pt x="21273219" y="0"/>
+                </a:lnTo>
+                <a:lnTo>
+                  <a:pt x="21273219" y="9128145"/>
+                </a:lnTo>
+                <a:lnTo>
+                  <a:pt x="0" y="9128145"/>
                 </a:lnTo>
                 <a:lnTo>
                   <a:pt x="0" y="0"/>
@@ -12070,529 +13815,6 @@
       </p:sp>
       <p:sp>
         <p:nvSpPr>
-          <p:cNvPr id="33" name="Freeform 33"/>
-          <p:cNvSpPr/>
-          <p:nvPr/>
-        </p:nvSpPr>
-        <p:spPr>
-          <a:xfrm rot="-1885381">
-            <a:off x="13090393" y="7166729"/>
-            <a:ext cx="1776375" cy="501826"/>
-          </a:xfrm>
-          <a:custGeom>
-            <a:avLst/>
-            <a:gdLst/>
-            <a:ahLst/>
-            <a:cxnLst/>
-            <a:rect l="l" t="t" r="r" b="b"/>
-            <a:pathLst>
-              <a:path w="1776375" h="501826">
-                <a:moveTo>
-                  <a:pt x="0" y="0"/>
-                </a:moveTo>
-                <a:lnTo>
-                  <a:pt x="1776375" y="0"/>
-                </a:lnTo>
-                <a:lnTo>
-                  <a:pt x="1776375" y="501826"/>
-                </a:lnTo>
-                <a:lnTo>
-                  <a:pt x="0" y="501826"/>
-                </a:lnTo>
-                <a:lnTo>
-                  <a:pt x="0" y="0"/>
-                </a:lnTo>
-                <a:close/>
-              </a:path>
-            </a:pathLst>
-          </a:custGeom>
-          <a:blipFill>
-            <a:blip r:embed="rId4">
-              <a:extLst>
-                <a:ext uri="{96DAC541-7B7A-43D3-8B79-37D633B846F1}">
-                  <asvg:svgBlip xmlns:asvg="http://schemas.microsoft.com/office/drawing/2016/SVG/main" r:embed="rId5"/>
-                </a:ext>
-              </a:extLst>
-            </a:blip>
-            <a:stretch>
-              <a:fillRect/>
-            </a:stretch>
-          </a:blipFill>
-        </p:spPr>
-      </p:sp>
-      <p:grpSp>
-        <p:nvGrpSpPr>
-          <p:cNvPr id="34" name="Group 34"/>
-          <p:cNvGrpSpPr/>
-          <p:nvPr/>
-        </p:nvGrpSpPr>
-        <p:grpSpPr>
-          <a:xfrm>
-            <a:off x="10071706" y="4160922"/>
-            <a:ext cx="2932415" cy="3046834"/>
-            <a:chOff x="0" y="0"/>
-            <a:chExt cx="1075555" cy="1117522"/>
-          </a:xfrm>
-        </p:grpSpPr>
-        <p:sp>
-          <p:nvSpPr>
-            <p:cNvPr id="35" name="Freeform 35"/>
-            <p:cNvSpPr/>
-            <p:nvPr/>
-          </p:nvSpPr>
-          <p:spPr>
-            <a:xfrm>
-              <a:off x="0" y="0"/>
-              <a:ext cx="1075555" cy="1117522"/>
-            </a:xfrm>
-            <a:custGeom>
-              <a:avLst/>
-              <a:gdLst/>
-              <a:ahLst/>
-              <a:cxnLst/>
-              <a:rect l="l" t="t" r="r" b="b"/>
-              <a:pathLst>
-                <a:path w="1075555" h="1117522">
-                  <a:moveTo>
-                    <a:pt x="81844" y="0"/>
-                  </a:moveTo>
-                  <a:lnTo>
-                    <a:pt x="993712" y="0"/>
-                  </a:lnTo>
-                  <a:cubicBezTo>
-                    <a:pt x="1015418" y="0"/>
-                    <a:pt x="1036235" y="8623"/>
-                    <a:pt x="1051584" y="23971"/>
-                  </a:cubicBezTo>
-                  <a:cubicBezTo>
-                    <a:pt x="1066932" y="39320"/>
-                    <a:pt x="1075555" y="60137"/>
-                    <a:pt x="1075555" y="81844"/>
-                  </a:cubicBezTo>
-                  <a:lnTo>
-                    <a:pt x="1075555" y="1035679"/>
-                  </a:lnTo>
-                  <a:cubicBezTo>
-                    <a:pt x="1075555" y="1057385"/>
-                    <a:pt x="1066932" y="1078202"/>
-                    <a:pt x="1051584" y="1093551"/>
-                  </a:cubicBezTo>
-                  <a:cubicBezTo>
-                    <a:pt x="1036235" y="1108899"/>
-                    <a:pt x="1015418" y="1117522"/>
-                    <a:pt x="993712" y="1117522"/>
-                  </a:cubicBezTo>
-                  <a:lnTo>
-                    <a:pt x="81844" y="1117522"/>
-                  </a:lnTo>
-                  <a:cubicBezTo>
-                    <a:pt x="36643" y="1117522"/>
-                    <a:pt x="0" y="1080880"/>
-                    <a:pt x="0" y="1035679"/>
-                  </a:cubicBezTo>
-                  <a:lnTo>
-                    <a:pt x="0" y="81844"/>
-                  </a:lnTo>
-                  <a:cubicBezTo>
-                    <a:pt x="0" y="60137"/>
-                    <a:pt x="8623" y="39320"/>
-                    <a:pt x="23971" y="23971"/>
-                  </a:cubicBezTo>
-                  <a:cubicBezTo>
-                    <a:pt x="39320" y="8623"/>
-                    <a:pt x="60137" y="0"/>
-                    <a:pt x="81844" y="0"/>
-                  </a:cubicBezTo>
-                  <a:close/>
-                </a:path>
-              </a:pathLst>
-            </a:custGeom>
-            <a:solidFill>
-              <a:srgbClr val="FFFFFF">
-                <a:alpha val="98824"/>
-              </a:srgbClr>
-            </a:solidFill>
-          </p:spPr>
-        </p:sp>
-        <p:sp>
-          <p:nvSpPr>
-            <p:cNvPr id="36" name="TextBox 36"/>
-            <p:cNvSpPr txBox="1"/>
-            <p:nvPr/>
-          </p:nvSpPr>
-          <p:spPr>
-            <a:xfrm>
-              <a:off x="0" y="-19050"/>
-              <a:ext cx="1075555" cy="1136572"/>
-            </a:xfrm>
-            <a:prstGeom prst="rect">
-              <a:avLst/>
-            </a:prstGeom>
-          </p:spPr>
-          <p:txBody>
-            <a:bodyPr lIns="50800" tIns="50800" rIns="50800" bIns="50800" rtlCol="0" anchor="ctr"/>
-            <a:lstStyle/>
-            <a:p>
-              <a:pPr algn="ctr">
-                <a:lnSpc>
-                  <a:spcPts val="2860"/>
-                </a:lnSpc>
-              </a:pPr>
-            </a:p>
-          </p:txBody>
-        </p:sp>
-      </p:grpSp>
-      <p:grpSp>
-        <p:nvGrpSpPr>
-          <p:cNvPr id="37" name="Group 37"/>
-          <p:cNvGrpSpPr/>
-          <p:nvPr/>
-        </p:nvGrpSpPr>
-        <p:grpSpPr>
-          <a:xfrm>
-            <a:off x="10071706" y="7311272"/>
-            <a:ext cx="2932415" cy="847111"/>
-            <a:chOff x="0" y="0"/>
-            <a:chExt cx="1075555" cy="310705"/>
-          </a:xfrm>
-        </p:grpSpPr>
-        <p:sp>
-          <p:nvSpPr>
-            <p:cNvPr id="38" name="Freeform 38"/>
-            <p:cNvSpPr/>
-            <p:nvPr/>
-          </p:nvSpPr>
-          <p:spPr>
-            <a:xfrm>
-              <a:off x="0" y="0"/>
-              <a:ext cx="1075555" cy="310705"/>
-            </a:xfrm>
-            <a:custGeom>
-              <a:avLst/>
-              <a:gdLst/>
-              <a:ahLst/>
-              <a:cxnLst/>
-              <a:rect l="l" t="t" r="r" b="b"/>
-              <a:pathLst>
-                <a:path w="1075555" h="310705">
-                  <a:moveTo>
-                    <a:pt x="81844" y="0"/>
-                  </a:moveTo>
-                  <a:lnTo>
-                    <a:pt x="993712" y="0"/>
-                  </a:lnTo>
-                  <a:cubicBezTo>
-                    <a:pt x="1015418" y="0"/>
-                    <a:pt x="1036235" y="8623"/>
-                    <a:pt x="1051584" y="23971"/>
-                  </a:cubicBezTo>
-                  <a:cubicBezTo>
-                    <a:pt x="1066932" y="39320"/>
-                    <a:pt x="1075555" y="60137"/>
-                    <a:pt x="1075555" y="81844"/>
-                  </a:cubicBezTo>
-                  <a:lnTo>
-                    <a:pt x="1075555" y="228861"/>
-                  </a:lnTo>
-                  <a:cubicBezTo>
-                    <a:pt x="1075555" y="250567"/>
-                    <a:pt x="1066932" y="271385"/>
-                    <a:pt x="1051584" y="286733"/>
-                  </a:cubicBezTo>
-                  <a:cubicBezTo>
-                    <a:pt x="1036235" y="302082"/>
-                    <a:pt x="1015418" y="310705"/>
-                    <a:pt x="993712" y="310705"/>
-                  </a:cubicBezTo>
-                  <a:lnTo>
-                    <a:pt x="81844" y="310705"/>
-                  </a:lnTo>
-                  <a:cubicBezTo>
-                    <a:pt x="36643" y="310705"/>
-                    <a:pt x="0" y="274062"/>
-                    <a:pt x="0" y="228861"/>
-                  </a:cubicBezTo>
-                  <a:lnTo>
-                    <a:pt x="0" y="81844"/>
-                  </a:lnTo>
-                  <a:cubicBezTo>
-                    <a:pt x="0" y="60137"/>
-                    <a:pt x="8623" y="39320"/>
-                    <a:pt x="23971" y="23971"/>
-                  </a:cubicBezTo>
-                  <a:cubicBezTo>
-                    <a:pt x="39320" y="8623"/>
-                    <a:pt x="60137" y="0"/>
-                    <a:pt x="81844" y="0"/>
-                  </a:cubicBezTo>
-                  <a:close/>
-                </a:path>
-              </a:pathLst>
-            </a:custGeom>
-            <a:solidFill>
-              <a:srgbClr val="FFFFFF">
-                <a:alpha val="98824"/>
-              </a:srgbClr>
-            </a:solidFill>
-          </p:spPr>
-        </p:sp>
-        <p:sp>
-          <p:nvSpPr>
-            <p:cNvPr id="39" name="TextBox 39"/>
-            <p:cNvSpPr txBox="1"/>
-            <p:nvPr/>
-          </p:nvSpPr>
-          <p:spPr>
-            <a:xfrm>
-              <a:off x="0" y="-19050"/>
-              <a:ext cx="1075555" cy="329755"/>
-            </a:xfrm>
-            <a:prstGeom prst="rect">
-              <a:avLst/>
-            </a:prstGeom>
-          </p:spPr>
-          <p:txBody>
-            <a:bodyPr lIns="50800" tIns="50800" rIns="50800" bIns="50800" rtlCol="0" anchor="ctr"/>
-            <a:lstStyle/>
-            <a:p>
-              <a:pPr algn="ctr">
-                <a:lnSpc>
-                  <a:spcPts val="2860"/>
-                </a:lnSpc>
-              </a:pPr>
-            </a:p>
-          </p:txBody>
-        </p:sp>
-      </p:grpSp>
-      <p:sp>
-        <p:nvSpPr>
-          <p:cNvPr id="40" name="TextBox 40"/>
-          <p:cNvSpPr txBox="1"/>
-          <p:nvPr/>
-        </p:nvSpPr>
-        <p:spPr>
-          <a:xfrm>
-            <a:off x="10259622" y="7481014"/>
-            <a:ext cx="2556583" cy="458848"/>
-          </a:xfrm>
-          <a:prstGeom prst="rect">
-            <a:avLst/>
-          </a:prstGeom>
-        </p:spPr>
-        <p:txBody>
-          <a:bodyPr lIns="0" tIns="0" rIns="0" bIns="0" rtlCol="0" anchor="t">
-            <a:spAutoFit/>
-          </a:bodyPr>
-          <a:lstStyle/>
-          <a:p>
-            <a:pPr marL="0" lvl="0" indent="0" algn="ctr">
-              <a:lnSpc>
-                <a:spcPts val="3735"/>
-              </a:lnSpc>
-              <a:spcBef>
-                <a:spcPct val="0"/>
-              </a:spcBef>
-            </a:pPr>
-            <a:r>
-              <a:rPr lang="en-US" sz="2710" spc="265">
-                <a:solidFill>
-                  <a:srgbClr val="231F20"/>
-                </a:solidFill>
-                <a:latin typeface="Oswald"/>
-              </a:rPr>
-              <a:t>SOCKET.IO</a:t>
-            </a:r>
-            <a:endParaRPr lang="en-US" sz="2710" spc="265">
-              <a:solidFill>
-                <a:srgbClr val="231F20"/>
-              </a:solidFill>
-              <a:latin typeface="Oswald"/>
-            </a:endParaRPr>
-          </a:p>
-        </p:txBody>
-      </p:sp>
-      <p:sp>
-        <p:nvSpPr>
-          <p:cNvPr id="41" name="TextBox 41"/>
-          <p:cNvSpPr txBox="1"/>
-          <p:nvPr/>
-        </p:nvSpPr>
-        <p:spPr>
-          <a:xfrm>
-            <a:off x="10271731" y="4291913"/>
-            <a:ext cx="2544474" cy="2915843"/>
-          </a:xfrm>
-          <a:prstGeom prst="rect">
-            <a:avLst/>
-          </a:prstGeom>
-        </p:spPr>
-        <p:txBody>
-          <a:bodyPr lIns="0" tIns="0" rIns="0" bIns="0" rtlCol="0" anchor="t">
-            <a:spAutoFit/>
-          </a:bodyPr>
-          <a:lstStyle/>
-          <a:p>
-            <a:pPr algn="ctr">
-              <a:lnSpc>
-                <a:spcPts val="1955"/>
-              </a:lnSpc>
-            </a:pPr>
-            <a:r>
-              <a:rPr lang="en-US" sz="1400">
-                <a:solidFill>
-                  <a:srgbClr val="100F0D"/>
-                </a:solidFill>
-                <a:latin typeface="Montserrat Light"/>
-              </a:rPr>
-              <a:t>Socket.IO: JavaScript library enabling real-time bidirectional communication between web clients and servers. Enhances interactivity and responsiveness, facilitating instant messaging, notifications, and live updates in social media applications.</a:t>
-            </a:r>
-            <a:endParaRPr lang="en-US" sz="1400">
-              <a:solidFill>
-                <a:srgbClr val="100F0D"/>
-              </a:solidFill>
-              <a:latin typeface="Montserrat Light"/>
-            </a:endParaRPr>
-          </a:p>
-          <a:p>
-            <a:pPr algn="ctr">
-              <a:lnSpc>
-                <a:spcPts val="1955"/>
-              </a:lnSpc>
-            </a:pPr>
-            <a:endParaRPr lang="en-US" sz="1400">
-              <a:solidFill>
-                <a:srgbClr val="100F0D"/>
-              </a:solidFill>
-              <a:latin typeface="Montserrat Light"/>
-            </a:endParaRPr>
-          </a:p>
-        </p:txBody>
-      </p:sp>
-    </p:spTree>
-  </p:cSld>
-  <p:clrMapOvr>
-    <a:masterClrMapping/>
-  </p:clrMapOvr>
-</p:sld>
-</file>
-
-<file path=ppt/slides/slide6.xml><?xml version="1.0" encoding="utf-8"?>
-<p:sld xmlns:a="http://schemas.openxmlformats.org/drawingml/2006/main" xmlns:r="http://schemas.openxmlformats.org/officeDocument/2006/relationships" xmlns:p="http://schemas.openxmlformats.org/presentationml/2006/main">
-  <p:cSld>
-    <p:spTree>
-      <p:nvGrpSpPr>
-        <p:cNvPr id="1" name=""/>
-        <p:cNvGrpSpPr/>
-        <p:nvPr/>
-      </p:nvGrpSpPr>
-      <p:grpSpPr>
-        <a:xfrm>
-          <a:off x="0" y="0"/>
-          <a:ext cx="0" cy="0"/>
-          <a:chOff x="0" y="0"/>
-          <a:chExt cx="0" cy="0"/>
-        </a:xfrm>
-      </p:grpSpPr>
-      <p:sp>
-        <p:nvSpPr>
-          <p:cNvPr id="2" name="Freeform 2"/>
-          <p:cNvSpPr/>
-          <p:nvPr/>
-        </p:nvSpPr>
-        <p:spPr>
-          <a:xfrm flipH="1" flipV="1">
-            <a:off x="0" y="0"/>
-            <a:ext cx="18288000" cy="10287000"/>
-          </a:xfrm>
-          <a:custGeom>
-            <a:avLst/>
-            <a:gdLst/>
-            <a:ahLst/>
-            <a:cxnLst/>
-            <a:rect l="l" t="t" r="r" b="b"/>
-            <a:pathLst>
-              <a:path w="18288000" h="10287000">
-                <a:moveTo>
-                  <a:pt x="18288000" y="10287000"/>
-                </a:moveTo>
-                <a:lnTo>
-                  <a:pt x="0" y="10287000"/>
-                </a:lnTo>
-                <a:lnTo>
-                  <a:pt x="0" y="0"/>
-                </a:lnTo>
-                <a:lnTo>
-                  <a:pt x="18288000" y="0"/>
-                </a:lnTo>
-                <a:lnTo>
-                  <a:pt x="18288000" y="10287000"/>
-                </a:lnTo>
-                <a:close/>
-              </a:path>
-            </a:pathLst>
-          </a:custGeom>
-          <a:blipFill>
-            <a:blip r:embed="rId1"/>
-            <a:stretch>
-              <a:fillRect t="-38888" b="-38888"/>
-            </a:stretch>
-          </a:blipFill>
-        </p:spPr>
-      </p:sp>
-      <p:sp>
-        <p:nvSpPr>
-          <p:cNvPr id="3" name="Freeform 3"/>
-          <p:cNvSpPr/>
-          <p:nvPr/>
-        </p:nvSpPr>
-        <p:spPr>
-          <a:xfrm rot="257863">
-            <a:off x="-571305" y="6150994"/>
-            <a:ext cx="21273218" cy="9128145"/>
-          </a:xfrm>
-          <a:custGeom>
-            <a:avLst/>
-            <a:gdLst/>
-            <a:ahLst/>
-            <a:cxnLst/>
-            <a:rect l="l" t="t" r="r" b="b"/>
-            <a:pathLst>
-              <a:path w="21273218" h="9128145">
-                <a:moveTo>
-                  <a:pt x="0" y="0"/>
-                </a:moveTo>
-                <a:lnTo>
-                  <a:pt x="21273219" y="0"/>
-                </a:lnTo>
-                <a:lnTo>
-                  <a:pt x="21273219" y="9128145"/>
-                </a:lnTo>
-                <a:lnTo>
-                  <a:pt x="0" y="9128145"/>
-                </a:lnTo>
-                <a:lnTo>
-                  <a:pt x="0" y="0"/>
-                </a:lnTo>
-                <a:close/>
-              </a:path>
-            </a:pathLst>
-          </a:custGeom>
-          <a:blipFill>
-            <a:blip r:embed="rId2">
-              <a:extLst>
-                <a:ext uri="{96DAC541-7B7A-43D3-8B79-37D633B846F1}">
-                  <asvg:svgBlip xmlns:asvg="http://schemas.microsoft.com/office/drawing/2016/SVG/main" r:embed="rId3"/>
-                </a:ext>
-              </a:extLst>
-            </a:blip>
-            <a:stretch>
-              <a:fillRect/>
-            </a:stretch>
-          </a:blipFill>
-        </p:spPr>
-      </p:sp>
-      <p:sp>
-        <p:nvSpPr>
           <p:cNvPr id="5" name="TextBox 5"/>
           <p:cNvSpPr txBox="1"/>
           <p:nvPr/>
@@ -12625,7 +13847,7 @@
                 <a:solidFill>
                   <a:srgbClr val="231F20"/>
                 </a:solidFill>
-                <a:latin typeface="Oswald Bold"/>
+                <a:latin typeface="Oswald Bold" panose="00000800000000000000"/>
               </a:rPr>
               <a:t>DATA DICTIONARY</a:t>
             </a:r>
@@ -12633,7 +13855,7 @@
               <a:solidFill>
                 <a:srgbClr val="231F20"/>
               </a:solidFill>
-              <a:latin typeface="Oswald Bold"/>
+              <a:latin typeface="Oswald Bold" panose="00000800000000000000"/>
             </a:endParaRPr>
           </a:p>
         </p:txBody>
@@ -12672,8 +13894,8 @@
                 <a:solidFill>
                   <a:srgbClr val="FDFBFB"/>
                 </a:solidFill>
-                <a:latin typeface="Oswald"/>
-                <a:ea typeface="Oswald"/>
+                <a:latin typeface="Oswald" panose="00000500000000000000"/>
+                <a:ea typeface="Oswald" panose="00000500000000000000"/>
               </a:rPr>
               <a:t>STRATEGY N°3</a:t>
             </a:r>
@@ -12681,8 +13903,8 @@
               <a:solidFill>
                 <a:srgbClr val="FDFBFB"/>
               </a:solidFill>
-              <a:latin typeface="Oswald"/>
-              <a:ea typeface="Oswald"/>
+              <a:latin typeface="Oswald" panose="00000500000000000000"/>
+              <a:ea typeface="Oswald" panose="00000500000000000000"/>
             </a:endParaRPr>
           </a:p>
         </p:txBody>
@@ -12719,7 +13941,7 @@
 </p:sld>
 </file>
 
-<file path=ppt/slides/slide7.xml><?xml version="1.0" encoding="utf-8"?>
+<file path=ppt/slides/slide9.xml><?xml version="1.0" encoding="utf-8"?>
 <p:sld xmlns:a="http://schemas.openxmlformats.org/drawingml/2006/main" xmlns:r="http://schemas.openxmlformats.org/officeDocument/2006/relationships" xmlns:p="http://schemas.openxmlformats.org/presentationml/2006/main">
   <p:cSld>
     <p:bg>
@@ -13080,7 +14302,7 @@
                 <a:solidFill>
                   <a:srgbClr val="231F20"/>
                 </a:solidFill>
-                <a:latin typeface="Oswald Bold"/>
+                <a:latin typeface="Oswald Bold" panose="00000800000000000000"/>
               </a:rPr>
               <a:t>USE CASE DIAGRAM</a:t>
             </a:r>
@@ -13088,842 +14310,7 @@
               <a:solidFill>
                 <a:srgbClr val="231F20"/>
               </a:solidFill>
-              <a:latin typeface="Oswald Bold"/>
-            </a:endParaRPr>
-          </a:p>
-        </p:txBody>
-      </p:sp>
-    </p:spTree>
-  </p:cSld>
-  <p:clrMapOvr>
-    <a:masterClrMapping/>
-  </p:clrMapOvr>
-</p:sld>
-</file>
-
-<file path=ppt/slides/slide8.xml><?xml version="1.0" encoding="utf-8"?>
-<p:sld xmlns:a="http://schemas.openxmlformats.org/drawingml/2006/main" xmlns:r="http://schemas.openxmlformats.org/officeDocument/2006/relationships" xmlns:p="http://schemas.openxmlformats.org/presentationml/2006/main">
-  <p:cSld>
-    <p:bg>
-      <p:bgPr>
-        <a:solidFill>
-          <a:srgbClr val="F2F4F5"/>
-        </a:solidFill>
-        <a:effectLst/>
-      </p:bgPr>
-    </p:bg>
-    <p:spTree>
-      <p:nvGrpSpPr>
-        <p:cNvPr id="1" name=""/>
-        <p:cNvGrpSpPr/>
-        <p:nvPr/>
-      </p:nvGrpSpPr>
-      <p:grpSpPr>
-        <a:xfrm>
-          <a:off x="0" y="0"/>
-          <a:ext cx="0" cy="0"/>
-          <a:chOff x="0" y="0"/>
-          <a:chExt cx="0" cy="0"/>
-        </a:xfrm>
-      </p:grpSpPr>
-      <p:sp>
-        <p:nvSpPr>
-          <p:cNvPr id="2" name="Freeform 2"/>
-          <p:cNvSpPr/>
-          <p:nvPr/>
-        </p:nvSpPr>
-        <p:spPr>
-          <a:xfrm rot="887923">
-            <a:off x="-2683214" y="7543802"/>
-            <a:ext cx="13977230" cy="14342307"/>
-          </a:xfrm>
-          <a:custGeom>
-            <a:avLst/>
-            <a:gdLst/>
-            <a:ahLst/>
-            <a:cxnLst/>
-            <a:rect l="l" t="t" r="r" b="b"/>
-            <a:pathLst>
-              <a:path w="13977230" h="14342307">
-                <a:moveTo>
-                  <a:pt x="0" y="0"/>
-                </a:moveTo>
-                <a:lnTo>
-                  <a:pt x="13977230" y="0"/>
-                </a:lnTo>
-                <a:lnTo>
-                  <a:pt x="13977230" y="14342307"/>
-                </a:lnTo>
-                <a:lnTo>
-                  <a:pt x="0" y="14342307"/>
-                </a:lnTo>
-                <a:lnTo>
-                  <a:pt x="0" y="0"/>
-                </a:lnTo>
-                <a:close/>
-              </a:path>
-            </a:pathLst>
-          </a:custGeom>
-          <a:blipFill>
-            <a:blip r:embed="rId1"/>
-            <a:stretch>
-              <a:fillRect/>
-            </a:stretch>
-          </a:blipFill>
-        </p:spPr>
-      </p:sp>
-      <p:sp>
-        <p:nvSpPr>
-          <p:cNvPr id="3" name="Freeform 3"/>
-          <p:cNvSpPr/>
-          <p:nvPr/>
-        </p:nvSpPr>
-        <p:spPr>
-          <a:xfrm rot="887923">
-            <a:off x="12076940" y="-3354783"/>
-            <a:ext cx="7032580" cy="7216267"/>
-          </a:xfrm>
-          <a:custGeom>
-            <a:avLst/>
-            <a:gdLst/>
-            <a:ahLst/>
-            <a:cxnLst/>
-            <a:rect l="l" t="t" r="r" b="b"/>
-            <a:pathLst>
-              <a:path w="7032580" h="7216267">
-                <a:moveTo>
-                  <a:pt x="0" y="0"/>
-                </a:moveTo>
-                <a:lnTo>
-                  <a:pt x="7032580" y="0"/>
-                </a:lnTo>
-                <a:lnTo>
-                  <a:pt x="7032580" y="7216267"/>
-                </a:lnTo>
-                <a:lnTo>
-                  <a:pt x="0" y="7216267"/>
-                </a:lnTo>
-                <a:lnTo>
-                  <a:pt x="0" y="0"/>
-                </a:lnTo>
-                <a:close/>
-              </a:path>
-            </a:pathLst>
-          </a:custGeom>
-          <a:blipFill>
-            <a:blip r:embed="rId1"/>
-            <a:stretch>
-              <a:fillRect/>
-            </a:stretch>
-          </a:blipFill>
-        </p:spPr>
-      </p:sp>
-      <p:grpSp>
-        <p:nvGrpSpPr>
-          <p:cNvPr id="4" name="Group 4"/>
-          <p:cNvGrpSpPr/>
-          <p:nvPr/>
-        </p:nvGrpSpPr>
-        <p:grpSpPr>
-          <a:xfrm>
-            <a:off x="16333169" y="8069439"/>
-            <a:ext cx="2094695" cy="2377721"/>
-            <a:chOff x="0" y="0"/>
-            <a:chExt cx="551689" cy="626231"/>
-          </a:xfrm>
-        </p:grpSpPr>
-        <p:sp>
-          <p:nvSpPr>
-            <p:cNvPr id="5" name="Freeform 5"/>
-            <p:cNvSpPr/>
-            <p:nvPr/>
-          </p:nvSpPr>
-          <p:spPr>
-            <a:xfrm>
-              <a:off x="0" y="0"/>
-              <a:ext cx="551689" cy="626231"/>
-            </a:xfrm>
-            <a:custGeom>
-              <a:avLst/>
-              <a:gdLst/>
-              <a:ahLst/>
-              <a:cxnLst/>
-              <a:rect l="l" t="t" r="r" b="b"/>
-              <a:pathLst>
-                <a:path w="551689" h="626231">
-                  <a:moveTo>
-                    <a:pt x="0" y="0"/>
-                  </a:moveTo>
-                  <a:lnTo>
-                    <a:pt x="551689" y="0"/>
-                  </a:lnTo>
-                  <a:lnTo>
-                    <a:pt x="551689" y="626231"/>
-                  </a:lnTo>
-                  <a:lnTo>
-                    <a:pt x="0" y="626231"/>
-                  </a:lnTo>
-                  <a:close/>
-                </a:path>
-              </a:pathLst>
-            </a:custGeom>
-            <a:solidFill>
-              <a:srgbClr val="CCCCCC"/>
-            </a:solidFill>
-          </p:spPr>
-        </p:sp>
-        <p:sp>
-          <p:nvSpPr>
-            <p:cNvPr id="6" name="TextBox 6"/>
-            <p:cNvSpPr txBox="1"/>
-            <p:nvPr/>
-          </p:nvSpPr>
-          <p:spPr>
-            <a:xfrm>
-              <a:off x="0" y="-19050"/>
-              <a:ext cx="551689" cy="645281"/>
-            </a:xfrm>
-            <a:prstGeom prst="rect">
-              <a:avLst/>
-            </a:prstGeom>
-          </p:spPr>
-          <p:txBody>
-            <a:bodyPr lIns="50800" tIns="50800" rIns="50800" bIns="50800" rtlCol="0" anchor="ctr"/>
-            <a:lstStyle/>
-            <a:p>
-              <a:pPr algn="ctr">
-                <a:lnSpc>
-                  <a:spcPts val="2860"/>
-                </a:lnSpc>
-              </a:pPr>
-            </a:p>
-          </p:txBody>
-        </p:sp>
-      </p:grpSp>
-      <p:grpSp>
-        <p:nvGrpSpPr>
-          <p:cNvPr id="7" name="Group 7"/>
-          <p:cNvGrpSpPr/>
-          <p:nvPr/>
-        </p:nvGrpSpPr>
-        <p:grpSpPr>
-          <a:xfrm>
-            <a:off x="-224419" y="-1349021"/>
-            <a:ext cx="2094695" cy="2377721"/>
-            <a:chOff x="0" y="0"/>
-            <a:chExt cx="551689" cy="626231"/>
-          </a:xfrm>
-        </p:grpSpPr>
-        <p:sp>
-          <p:nvSpPr>
-            <p:cNvPr id="8" name="Freeform 8"/>
-            <p:cNvSpPr/>
-            <p:nvPr/>
-          </p:nvSpPr>
-          <p:spPr>
-            <a:xfrm>
-              <a:off x="0" y="0"/>
-              <a:ext cx="551689" cy="626231"/>
-            </a:xfrm>
-            <a:custGeom>
-              <a:avLst/>
-              <a:gdLst/>
-              <a:ahLst/>
-              <a:cxnLst/>
-              <a:rect l="l" t="t" r="r" b="b"/>
-              <a:pathLst>
-                <a:path w="551689" h="626231">
-                  <a:moveTo>
-                    <a:pt x="0" y="0"/>
-                  </a:moveTo>
-                  <a:lnTo>
-                    <a:pt x="551689" y="0"/>
-                  </a:lnTo>
-                  <a:lnTo>
-                    <a:pt x="551689" y="626231"/>
-                  </a:lnTo>
-                  <a:lnTo>
-                    <a:pt x="0" y="626231"/>
-                  </a:lnTo>
-                  <a:close/>
-                </a:path>
-              </a:pathLst>
-            </a:custGeom>
-            <a:solidFill>
-              <a:srgbClr val="CCCCCC"/>
-            </a:solidFill>
-          </p:spPr>
-        </p:sp>
-        <p:sp>
-          <p:nvSpPr>
-            <p:cNvPr id="9" name="TextBox 9"/>
-            <p:cNvSpPr txBox="1"/>
-            <p:nvPr/>
-          </p:nvSpPr>
-          <p:spPr>
-            <a:xfrm>
-              <a:off x="0" y="-19050"/>
-              <a:ext cx="551689" cy="645281"/>
-            </a:xfrm>
-            <a:prstGeom prst="rect">
-              <a:avLst/>
-            </a:prstGeom>
-          </p:spPr>
-          <p:txBody>
-            <a:bodyPr lIns="50800" tIns="50800" rIns="50800" bIns="50800" rtlCol="0" anchor="ctr"/>
-            <a:lstStyle/>
-            <a:p>
-              <a:pPr algn="ctr">
-                <a:lnSpc>
-                  <a:spcPts val="2860"/>
-                </a:lnSpc>
-              </a:pPr>
-            </a:p>
-          </p:txBody>
-        </p:sp>
-      </p:grpSp>
-      <p:sp>
-        <p:nvSpPr>
-          <p:cNvPr id="10" name="Freeform 10"/>
-          <p:cNvSpPr/>
-          <p:nvPr/>
-        </p:nvSpPr>
-        <p:spPr>
-          <a:xfrm>
-            <a:off x="3879925" y="1432213"/>
-            <a:ext cx="11959202" cy="8854787"/>
-          </a:xfrm>
-          <a:custGeom>
-            <a:avLst/>
-            <a:gdLst/>
-            <a:ahLst/>
-            <a:cxnLst/>
-            <a:rect l="l" t="t" r="r" b="b"/>
-            <a:pathLst>
-              <a:path w="11959202" h="8854787">
-                <a:moveTo>
-                  <a:pt x="0" y="0"/>
-                </a:moveTo>
-                <a:lnTo>
-                  <a:pt x="11959202" y="0"/>
-                </a:lnTo>
-                <a:lnTo>
-                  <a:pt x="11959202" y="8854787"/>
-                </a:lnTo>
-                <a:lnTo>
-                  <a:pt x="0" y="8854787"/>
-                </a:lnTo>
-                <a:lnTo>
-                  <a:pt x="0" y="0"/>
-                </a:lnTo>
-                <a:close/>
-              </a:path>
-            </a:pathLst>
-          </a:custGeom>
-          <a:blipFill>
-            <a:blip r:embed="rId2"/>
-            <a:stretch>
-              <a:fillRect/>
-            </a:stretch>
-          </a:blipFill>
-        </p:spPr>
-      </p:sp>
-      <p:sp>
-        <p:nvSpPr>
-          <p:cNvPr id="11" name="TextBox 11"/>
-          <p:cNvSpPr txBox="1"/>
-          <p:nvPr/>
-        </p:nvSpPr>
-        <p:spPr>
-          <a:xfrm>
-            <a:off x="42545" y="-161925"/>
-            <a:ext cx="18245455" cy="1668780"/>
-          </a:xfrm>
-          <a:prstGeom prst="rect">
-            <a:avLst/>
-          </a:prstGeom>
-        </p:spPr>
-        <p:txBody>
-          <a:bodyPr wrap="square" lIns="0" tIns="0" rIns="0" bIns="0" rtlCol="0" anchor="t">
-            <a:spAutoFit/>
-          </a:bodyPr>
-          <a:lstStyle/>
-          <a:p>
-            <a:pPr marL="0" lvl="0" indent="0" algn="ctr">
-              <a:lnSpc>
-                <a:spcPts val="13015"/>
-              </a:lnSpc>
-              <a:spcBef>
-                <a:spcPct val="0"/>
-              </a:spcBef>
-            </a:pPr>
-            <a:r>
-              <a:rPr lang="en-US" sz="6000" spc="924">
-                <a:solidFill>
-                  <a:srgbClr val="231F20"/>
-                </a:solidFill>
-                <a:latin typeface="Oswald Bold"/>
-              </a:rPr>
-              <a:t>FLOWCHART DIAGRAM</a:t>
-            </a:r>
-            <a:endParaRPr lang="en-US" sz="6000" spc="924">
-              <a:solidFill>
-                <a:srgbClr val="231F20"/>
-              </a:solidFill>
-              <a:latin typeface="Oswald Bold"/>
-            </a:endParaRPr>
-          </a:p>
-        </p:txBody>
-      </p:sp>
-      <p:sp>
-        <p:nvSpPr>
-          <p:cNvPr id="12" name="Rectangles 11"/>
-          <p:cNvSpPr/>
-          <p:nvPr/>
-        </p:nvSpPr>
-        <p:spPr>
-          <a:xfrm>
-            <a:off x="7086600" y="1485900"/>
-            <a:ext cx="2514600" cy="762000"/>
-          </a:xfrm>
-          <a:prstGeom prst="rect">
-            <a:avLst/>
-          </a:prstGeom>
-          <a:solidFill>
-            <a:schemeClr val="bg1"/>
-          </a:solidFill>
-        </p:spPr>
-        <p:style>
-          <a:lnRef idx="2">
-            <a:schemeClr val="accent1">
-              <a:shade val="50000"/>
-            </a:schemeClr>
-          </a:lnRef>
-          <a:fillRef idx="1">
-            <a:schemeClr val="accent1"/>
-          </a:fillRef>
-          <a:effectRef idx="0">
-            <a:schemeClr val="accent1"/>
-          </a:effectRef>
-          <a:fontRef idx="minor">
-            <a:schemeClr val="lt1"/>
-          </a:fontRef>
-        </p:style>
-        <p:txBody>
-          <a:bodyPr rtlCol="0" anchor="ctr"/>
-          <a:p>
-            <a:pPr algn="ctr"/>
-            <a:endParaRPr lang="en-US"/>
-          </a:p>
-        </p:txBody>
-      </p:sp>
-      <p:sp>
-        <p:nvSpPr>
-          <p:cNvPr id="13" name="Text Box 12"/>
-          <p:cNvSpPr txBox="1"/>
-          <p:nvPr/>
-        </p:nvSpPr>
-        <p:spPr>
-          <a:xfrm>
-            <a:off x="7315200" y="1638300"/>
-            <a:ext cx="2140585" cy="429895"/>
-          </a:xfrm>
-          <a:prstGeom prst="rect">
-            <a:avLst/>
-          </a:prstGeom>
-          <a:noFill/>
-        </p:spPr>
-        <p:txBody>
-          <a:bodyPr wrap="none" rtlCol="0">
-            <a:spAutoFit/>
-          </a:bodyPr>
-          <a:p>
-            <a:r>
-              <a:rPr lang="en-US" sz="2200"/>
-              <a:t>Shivam Social</a:t>
-            </a:r>
-            <a:endParaRPr lang="en-US" sz="2200"/>
-          </a:p>
-        </p:txBody>
-      </p:sp>
-    </p:spTree>
-  </p:cSld>
-  <p:clrMapOvr>
-    <a:masterClrMapping/>
-  </p:clrMapOvr>
-</p:sld>
-</file>
-
-<file path=ppt/slides/slide9.xml><?xml version="1.0" encoding="utf-8"?>
-<p:sld xmlns:a="http://schemas.openxmlformats.org/drawingml/2006/main" xmlns:r="http://schemas.openxmlformats.org/officeDocument/2006/relationships" xmlns:p="http://schemas.openxmlformats.org/presentationml/2006/main">
-  <p:cSld>
-    <p:bg>
-      <p:bgPr>
-        <a:solidFill>
-          <a:srgbClr val="F2F4F5"/>
-        </a:solidFill>
-        <a:effectLst/>
-      </p:bgPr>
-    </p:bg>
-    <p:spTree>
-      <p:nvGrpSpPr>
-        <p:cNvPr id="1" name=""/>
-        <p:cNvGrpSpPr/>
-        <p:nvPr/>
-      </p:nvGrpSpPr>
-      <p:grpSpPr>
-        <a:xfrm>
-          <a:off x="0" y="0"/>
-          <a:ext cx="0" cy="0"/>
-          <a:chOff x="0" y="0"/>
-          <a:chExt cx="0" cy="0"/>
-        </a:xfrm>
-      </p:grpSpPr>
-      <p:sp>
-        <p:nvSpPr>
-          <p:cNvPr id="2" name="Freeform 2"/>
-          <p:cNvSpPr/>
-          <p:nvPr/>
-        </p:nvSpPr>
-        <p:spPr>
-          <a:xfrm rot="887923">
-            <a:off x="-2683214" y="7543802"/>
-            <a:ext cx="13977230" cy="14342307"/>
-          </a:xfrm>
-          <a:custGeom>
-            <a:avLst/>
-            <a:gdLst/>
-            <a:ahLst/>
-            <a:cxnLst/>
-            <a:rect l="l" t="t" r="r" b="b"/>
-            <a:pathLst>
-              <a:path w="13977230" h="14342307">
-                <a:moveTo>
-                  <a:pt x="0" y="0"/>
-                </a:moveTo>
-                <a:lnTo>
-                  <a:pt x="13977230" y="0"/>
-                </a:lnTo>
-                <a:lnTo>
-                  <a:pt x="13977230" y="14342307"/>
-                </a:lnTo>
-                <a:lnTo>
-                  <a:pt x="0" y="14342307"/>
-                </a:lnTo>
-                <a:lnTo>
-                  <a:pt x="0" y="0"/>
-                </a:lnTo>
-                <a:close/>
-              </a:path>
-            </a:pathLst>
-          </a:custGeom>
-          <a:blipFill>
-            <a:blip r:embed="rId1"/>
-            <a:stretch>
-              <a:fillRect/>
-            </a:stretch>
-          </a:blipFill>
-        </p:spPr>
-      </p:sp>
-      <p:sp>
-        <p:nvSpPr>
-          <p:cNvPr id="3" name="Freeform 3"/>
-          <p:cNvSpPr/>
-          <p:nvPr/>
-        </p:nvSpPr>
-        <p:spPr>
-          <a:xfrm rot="887923">
-            <a:off x="12076940" y="-3354783"/>
-            <a:ext cx="7032580" cy="7216267"/>
-          </a:xfrm>
-          <a:custGeom>
-            <a:avLst/>
-            <a:gdLst/>
-            <a:ahLst/>
-            <a:cxnLst/>
-            <a:rect l="l" t="t" r="r" b="b"/>
-            <a:pathLst>
-              <a:path w="7032580" h="7216267">
-                <a:moveTo>
-                  <a:pt x="0" y="0"/>
-                </a:moveTo>
-                <a:lnTo>
-                  <a:pt x="7032580" y="0"/>
-                </a:lnTo>
-                <a:lnTo>
-                  <a:pt x="7032580" y="7216267"/>
-                </a:lnTo>
-                <a:lnTo>
-                  <a:pt x="0" y="7216267"/>
-                </a:lnTo>
-                <a:lnTo>
-                  <a:pt x="0" y="0"/>
-                </a:lnTo>
-                <a:close/>
-              </a:path>
-            </a:pathLst>
-          </a:custGeom>
-          <a:blipFill>
-            <a:blip r:embed="rId1"/>
-            <a:stretch>
-              <a:fillRect/>
-            </a:stretch>
-          </a:blipFill>
-        </p:spPr>
-      </p:sp>
-      <p:grpSp>
-        <p:nvGrpSpPr>
-          <p:cNvPr id="4" name="Group 4"/>
-          <p:cNvGrpSpPr/>
-          <p:nvPr/>
-        </p:nvGrpSpPr>
-        <p:grpSpPr>
-          <a:xfrm>
-            <a:off x="16333169" y="8069439"/>
-            <a:ext cx="2094695" cy="2377721"/>
-            <a:chOff x="0" y="0"/>
-            <a:chExt cx="551689" cy="626231"/>
-          </a:xfrm>
-        </p:grpSpPr>
-        <p:sp>
-          <p:nvSpPr>
-            <p:cNvPr id="5" name="Freeform 5"/>
-            <p:cNvSpPr/>
-            <p:nvPr/>
-          </p:nvSpPr>
-          <p:spPr>
-            <a:xfrm>
-              <a:off x="0" y="0"/>
-              <a:ext cx="551689" cy="626231"/>
-            </a:xfrm>
-            <a:custGeom>
-              <a:avLst/>
-              <a:gdLst/>
-              <a:ahLst/>
-              <a:cxnLst/>
-              <a:rect l="l" t="t" r="r" b="b"/>
-              <a:pathLst>
-                <a:path w="551689" h="626231">
-                  <a:moveTo>
-                    <a:pt x="0" y="0"/>
-                  </a:moveTo>
-                  <a:lnTo>
-                    <a:pt x="551689" y="0"/>
-                  </a:lnTo>
-                  <a:lnTo>
-                    <a:pt x="551689" y="626231"/>
-                  </a:lnTo>
-                  <a:lnTo>
-                    <a:pt x="0" y="626231"/>
-                  </a:lnTo>
-                  <a:close/>
-                </a:path>
-              </a:pathLst>
-            </a:custGeom>
-            <a:solidFill>
-              <a:srgbClr val="CCCCCC"/>
-            </a:solidFill>
-          </p:spPr>
-        </p:sp>
-        <p:sp>
-          <p:nvSpPr>
-            <p:cNvPr id="6" name="TextBox 6"/>
-            <p:cNvSpPr txBox="1"/>
-            <p:nvPr/>
-          </p:nvSpPr>
-          <p:spPr>
-            <a:xfrm>
-              <a:off x="0" y="-19050"/>
-              <a:ext cx="551689" cy="645281"/>
-            </a:xfrm>
-            <a:prstGeom prst="rect">
-              <a:avLst/>
-            </a:prstGeom>
-          </p:spPr>
-          <p:txBody>
-            <a:bodyPr lIns="50800" tIns="50800" rIns="50800" bIns="50800" rtlCol="0" anchor="ctr"/>
-            <a:lstStyle/>
-            <a:p>
-              <a:pPr algn="ctr">
-                <a:lnSpc>
-                  <a:spcPts val="2860"/>
-                </a:lnSpc>
-              </a:pPr>
-            </a:p>
-          </p:txBody>
-        </p:sp>
-      </p:grpSp>
-      <p:grpSp>
-        <p:nvGrpSpPr>
-          <p:cNvPr id="7" name="Group 7"/>
-          <p:cNvGrpSpPr/>
-          <p:nvPr/>
-        </p:nvGrpSpPr>
-        <p:grpSpPr>
-          <a:xfrm>
-            <a:off x="-224419" y="-1349021"/>
-            <a:ext cx="2094695" cy="2377721"/>
-            <a:chOff x="0" y="0"/>
-            <a:chExt cx="551689" cy="626231"/>
-          </a:xfrm>
-        </p:grpSpPr>
-        <p:sp>
-          <p:nvSpPr>
-            <p:cNvPr id="8" name="Freeform 8"/>
-            <p:cNvSpPr/>
-            <p:nvPr/>
-          </p:nvSpPr>
-          <p:spPr>
-            <a:xfrm>
-              <a:off x="0" y="0"/>
-              <a:ext cx="551689" cy="626231"/>
-            </a:xfrm>
-            <a:custGeom>
-              <a:avLst/>
-              <a:gdLst/>
-              <a:ahLst/>
-              <a:cxnLst/>
-              <a:rect l="l" t="t" r="r" b="b"/>
-              <a:pathLst>
-                <a:path w="551689" h="626231">
-                  <a:moveTo>
-                    <a:pt x="0" y="0"/>
-                  </a:moveTo>
-                  <a:lnTo>
-                    <a:pt x="551689" y="0"/>
-                  </a:lnTo>
-                  <a:lnTo>
-                    <a:pt x="551689" y="626231"/>
-                  </a:lnTo>
-                  <a:lnTo>
-                    <a:pt x="0" y="626231"/>
-                  </a:lnTo>
-                  <a:close/>
-                </a:path>
-              </a:pathLst>
-            </a:custGeom>
-            <a:solidFill>
-              <a:srgbClr val="CCCCCC"/>
-            </a:solidFill>
-          </p:spPr>
-        </p:sp>
-        <p:sp>
-          <p:nvSpPr>
-            <p:cNvPr id="9" name="TextBox 9"/>
-            <p:cNvSpPr txBox="1"/>
-            <p:nvPr/>
-          </p:nvSpPr>
-          <p:spPr>
-            <a:xfrm>
-              <a:off x="0" y="-19050"/>
-              <a:ext cx="551689" cy="645281"/>
-            </a:xfrm>
-            <a:prstGeom prst="rect">
-              <a:avLst/>
-            </a:prstGeom>
-          </p:spPr>
-          <p:txBody>
-            <a:bodyPr lIns="50800" tIns="50800" rIns="50800" bIns="50800" rtlCol="0" anchor="ctr"/>
-            <a:lstStyle/>
-            <a:p>
-              <a:pPr algn="ctr">
-                <a:lnSpc>
-                  <a:spcPts val="2860"/>
-                </a:lnSpc>
-              </a:pPr>
-            </a:p>
-          </p:txBody>
-        </p:sp>
-      </p:grpSp>
-      <p:sp>
-        <p:nvSpPr>
-          <p:cNvPr id="10" name="Freeform 10"/>
-          <p:cNvSpPr/>
-          <p:nvPr/>
-        </p:nvSpPr>
-        <p:spPr>
-          <a:xfrm>
-            <a:off x="4305401" y="1318736"/>
-            <a:ext cx="9871173" cy="8968264"/>
-          </a:xfrm>
-          <a:custGeom>
-            <a:avLst/>
-            <a:gdLst/>
-            <a:ahLst/>
-            <a:cxnLst/>
-            <a:rect l="l" t="t" r="r" b="b"/>
-            <a:pathLst>
-              <a:path w="9871173" h="8968264">
-                <a:moveTo>
-                  <a:pt x="0" y="0"/>
-                </a:moveTo>
-                <a:lnTo>
-                  <a:pt x="9871173" y="0"/>
-                </a:lnTo>
-                <a:lnTo>
-                  <a:pt x="9871173" y="8968264"/>
-                </a:lnTo>
-                <a:lnTo>
-                  <a:pt x="0" y="8968264"/>
-                </a:lnTo>
-                <a:lnTo>
-                  <a:pt x="0" y="0"/>
-                </a:lnTo>
-                <a:close/>
-              </a:path>
-            </a:pathLst>
-          </a:custGeom>
-          <a:blipFill>
-            <a:blip r:embed="rId2"/>
-            <a:stretch>
-              <a:fillRect t="-215" b="-215"/>
-            </a:stretch>
-          </a:blipFill>
-        </p:spPr>
-      </p:sp>
-      <p:sp>
-        <p:nvSpPr>
-          <p:cNvPr id="11" name="TextBox 11"/>
-          <p:cNvSpPr txBox="1"/>
-          <p:nvPr/>
-        </p:nvSpPr>
-        <p:spPr>
-          <a:xfrm>
-            <a:off x="13335" y="-161925"/>
-            <a:ext cx="18274665" cy="1668780"/>
-          </a:xfrm>
-          <a:prstGeom prst="rect">
-            <a:avLst/>
-          </a:prstGeom>
-        </p:spPr>
-        <p:txBody>
-          <a:bodyPr wrap="square" lIns="0" tIns="0" rIns="0" bIns="0" rtlCol="0" anchor="t">
-            <a:spAutoFit/>
-          </a:bodyPr>
-          <a:lstStyle/>
-          <a:p>
-            <a:pPr marL="0" lvl="0" indent="0" algn="ctr">
-              <a:lnSpc>
-                <a:spcPts val="13015"/>
-              </a:lnSpc>
-              <a:spcBef>
-                <a:spcPct val="0"/>
-              </a:spcBef>
-            </a:pPr>
-            <a:r>
-              <a:rPr lang="en-US" sz="6000" spc="924">
-                <a:solidFill>
-                  <a:srgbClr val="231F20"/>
-                </a:solidFill>
-                <a:latin typeface="Oswald Bold"/>
-              </a:rPr>
-              <a:t>CLASS DIAGRAM</a:t>
-            </a:r>
-            <a:endParaRPr lang="en-US" sz="6000" spc="924">
-              <a:solidFill>
-                <a:srgbClr val="231F20"/>
-              </a:solidFill>
-              <a:latin typeface="Oswald Bold"/>
+              <a:latin typeface="Oswald Bold" panose="00000800000000000000"/>
             </a:endParaRPr>
           </a:p>
         </p:txBody>
